--- a/fix/images/thumbnails.pptx
+++ b/fix/images/thumbnails.pptx
@@ -8,6 +8,12 @@
     <p:sldId id="256" r:id="rId2"/>
     <p:sldId id="257" r:id="rId3"/>
     <p:sldId id="258" r:id="rId4"/>
+    <p:sldId id="259" r:id="rId5"/>
+    <p:sldId id="260" r:id="rId6"/>
+    <p:sldId id="264" r:id="rId7"/>
+    <p:sldId id="261" r:id="rId8"/>
+    <p:sldId id="262" r:id="rId9"/>
+    <p:sldId id="263" r:id="rId10"/>
   </p:sldIdLst>
   <p:sldSz cx="12192000" cy="6858000"/>
   <p:notesSz cx="6858000" cy="9144000"/>
@@ -106,6 +112,11 @@
       </a:defRPr>
     </a:lvl9pPr>
   </p:defaultTextStyle>
+  <p:extLst>
+    <p:ext uri="{EFAFB233-063F-42B5-8137-9DF3F51BA10A}">
+      <p15:sldGuideLst xmlns:p15="http://schemas.microsoft.com/office/powerpoint/2012/main"/>
+    </p:ext>
+  </p:extLst>
 </p:presentation>
 </file>
 
@@ -256,7 +267,7 @@
           <a:p>
             <a:fld id="{5205856C-FC25-3743-97F9-2C379F05E851}" type="datetimeFigureOut">
               <a:rPr lang="en-US" smtClean="0"/>
-              <a:t>6/3/24</a:t>
+              <a:t>6/11/24</a:t>
             </a:fld>
             <a:endParaRPr lang="en-US"/>
           </a:p>
@@ -454,7 +465,7 @@
           <a:p>
             <a:fld id="{5205856C-FC25-3743-97F9-2C379F05E851}" type="datetimeFigureOut">
               <a:rPr lang="en-US" smtClean="0"/>
-              <a:t>6/3/24</a:t>
+              <a:t>6/11/24</a:t>
             </a:fld>
             <a:endParaRPr lang="en-US"/>
           </a:p>
@@ -662,7 +673,7 @@
           <a:p>
             <a:fld id="{5205856C-FC25-3743-97F9-2C379F05E851}" type="datetimeFigureOut">
               <a:rPr lang="en-US" smtClean="0"/>
-              <a:t>6/3/24</a:t>
+              <a:t>6/11/24</a:t>
             </a:fld>
             <a:endParaRPr lang="en-US"/>
           </a:p>
@@ -860,7 +871,7 @@
           <a:p>
             <a:fld id="{5205856C-FC25-3743-97F9-2C379F05E851}" type="datetimeFigureOut">
               <a:rPr lang="en-US" smtClean="0"/>
-              <a:t>6/3/24</a:t>
+              <a:t>6/11/24</a:t>
             </a:fld>
             <a:endParaRPr lang="en-US"/>
           </a:p>
@@ -1135,7 +1146,7 @@
           <a:p>
             <a:fld id="{5205856C-FC25-3743-97F9-2C379F05E851}" type="datetimeFigureOut">
               <a:rPr lang="en-US" smtClean="0"/>
-              <a:t>6/3/24</a:t>
+              <a:t>6/11/24</a:t>
             </a:fld>
             <a:endParaRPr lang="en-US"/>
           </a:p>
@@ -1400,7 +1411,7 @@
           <a:p>
             <a:fld id="{5205856C-FC25-3743-97F9-2C379F05E851}" type="datetimeFigureOut">
               <a:rPr lang="en-US" smtClean="0"/>
-              <a:t>6/3/24</a:t>
+              <a:t>6/11/24</a:t>
             </a:fld>
             <a:endParaRPr lang="en-US"/>
           </a:p>
@@ -1812,7 +1823,7 @@
           <a:p>
             <a:fld id="{5205856C-FC25-3743-97F9-2C379F05E851}" type="datetimeFigureOut">
               <a:rPr lang="en-US" smtClean="0"/>
-              <a:t>6/3/24</a:t>
+              <a:t>6/11/24</a:t>
             </a:fld>
             <a:endParaRPr lang="en-US"/>
           </a:p>
@@ -1953,7 +1964,7 @@
           <a:p>
             <a:fld id="{5205856C-FC25-3743-97F9-2C379F05E851}" type="datetimeFigureOut">
               <a:rPr lang="en-US" smtClean="0"/>
-              <a:t>6/3/24</a:t>
+              <a:t>6/11/24</a:t>
             </a:fld>
             <a:endParaRPr lang="en-US"/>
           </a:p>
@@ -2066,7 +2077,7 @@
           <a:p>
             <a:fld id="{5205856C-FC25-3743-97F9-2C379F05E851}" type="datetimeFigureOut">
               <a:rPr lang="en-US" smtClean="0"/>
-              <a:t>6/3/24</a:t>
+              <a:t>6/11/24</a:t>
             </a:fld>
             <a:endParaRPr lang="en-US"/>
           </a:p>
@@ -2377,7 +2388,7 @@
           <a:p>
             <a:fld id="{5205856C-FC25-3743-97F9-2C379F05E851}" type="datetimeFigureOut">
               <a:rPr lang="en-US" smtClean="0"/>
-              <a:t>6/3/24</a:t>
+              <a:t>6/11/24</a:t>
             </a:fld>
             <a:endParaRPr lang="en-US"/>
           </a:p>
@@ -2665,7 +2676,7 @@
           <a:p>
             <a:fld id="{5205856C-FC25-3743-97F9-2C379F05E851}" type="datetimeFigureOut">
               <a:rPr lang="en-US" smtClean="0"/>
-              <a:t>6/3/24</a:t>
+              <a:t>6/11/24</a:t>
             </a:fld>
             <a:endParaRPr lang="en-US"/>
           </a:p>
@@ -2906,7 +2917,7 @@
           <a:p>
             <a:fld id="{5205856C-FC25-3743-97F9-2C379F05E851}" type="datetimeFigureOut">
               <a:rPr lang="en-US" smtClean="0"/>
-              <a:t>6/3/24</a:t>
+              <a:t>6/11/24</a:t>
             </a:fld>
             <a:endParaRPr lang="en-US"/>
           </a:p>
@@ -3790,6 +3801,6029 @@
     <p:extLst>
       <p:ext uri="{BB962C8B-B14F-4D97-AF65-F5344CB8AC3E}">
         <p14:creationId xmlns:p14="http://schemas.microsoft.com/office/powerpoint/2010/main" val="3707778059"/>
+      </p:ext>
+    </p:extLst>
+  </p:cSld>
+  <p:clrMapOvr>
+    <a:masterClrMapping/>
+  </p:clrMapOvr>
+</p:sld>
+</file>
+
+<file path=ppt/slides/slide4.xml><?xml version="1.0" encoding="utf-8"?>
+<p:sld xmlns:a="http://schemas.openxmlformats.org/drawingml/2006/main" xmlns:r="http://schemas.openxmlformats.org/officeDocument/2006/relationships" xmlns:p="http://schemas.openxmlformats.org/presentationml/2006/main">
+  <p:cSld>
+    <p:spTree>
+      <p:nvGrpSpPr>
+        <p:cNvPr id="1" name=""/>
+        <p:cNvGrpSpPr/>
+        <p:nvPr/>
+      </p:nvGrpSpPr>
+      <p:grpSpPr>
+        <a:xfrm>
+          <a:off x="0" y="0"/>
+          <a:ext cx="0" cy="0"/>
+          <a:chOff x="0" y="0"/>
+          <a:chExt cx="0" cy="0"/>
+        </a:xfrm>
+      </p:grpSpPr>
+      <p:sp>
+        <p:nvSpPr>
+          <p:cNvPr id="3" name="TextBox 2">
+            <a:extLst>
+              <a:ext uri="{FF2B5EF4-FFF2-40B4-BE49-F238E27FC236}">
+                <a16:creationId xmlns:a16="http://schemas.microsoft.com/office/drawing/2014/main" id="{2E766595-5589-9772-BC3F-5ED0A4BB78B6}"/>
+              </a:ext>
+            </a:extLst>
+          </p:cNvPr>
+          <p:cNvSpPr txBox="1">
+            <a:spLocks noChangeAspect="1"/>
+          </p:cNvSpPr>
+          <p:nvPr/>
+        </p:nvSpPr>
+        <p:spPr>
+          <a:xfrm>
+            <a:off x="2185641" y="602166"/>
+            <a:ext cx="3200400" cy="3046988"/>
+          </a:xfrm>
+          <a:prstGeom prst="rect">
+            <a:avLst/>
+          </a:prstGeom>
+          <a:noFill/>
+        </p:spPr>
+        <p:txBody>
+          <a:bodyPr wrap="square" rtlCol="0">
+            <a:spAutoFit/>
+          </a:bodyPr>
+          <a:lstStyle/>
+          <a:p>
+            <a:r>
+              <a:rPr lang="en-US" sz="2400" dirty="0">
+                <a:solidFill>
+                  <a:schemeClr val="accent6"/>
+                </a:solidFill>
+                <a:latin typeface="Open Sans Light" pitchFamily="2" charset="0"/>
+                <a:ea typeface="Open Sans Light" pitchFamily="2" charset="0"/>
+                <a:cs typeface="Open Sans Light" pitchFamily="2" charset="0"/>
+              </a:rPr>
+              <a:t>Thank you so much </a:t>
+            </a:r>
+            <a:r>
+              <a:rPr lang="en-US" sz="2400" dirty="0">
+                <a:solidFill>
+                  <a:schemeClr val="bg1">
+                    <a:lumMod val="75000"/>
+                  </a:schemeClr>
+                </a:solidFill>
+                <a:latin typeface="Open Sans Light" pitchFamily="2" charset="0"/>
+                <a:ea typeface="Open Sans Light" pitchFamily="2" charset="0"/>
+                <a:cs typeface="Open Sans Light" pitchFamily="2" charset="0"/>
+              </a:rPr>
+              <a:t>for bringing</a:t>
+            </a:r>
+            <a:r>
+              <a:rPr lang="en-US" sz="2400" dirty="0">
+                <a:latin typeface="Open Sans Light" pitchFamily="2" charset="0"/>
+                <a:ea typeface="Open Sans Light" pitchFamily="2" charset="0"/>
+                <a:cs typeface="Open Sans Light" pitchFamily="2" charset="0"/>
+              </a:rPr>
+              <a:t> </a:t>
+            </a:r>
+            <a:r>
+              <a:rPr lang="en-US" sz="2400" dirty="0">
+                <a:solidFill>
+                  <a:schemeClr val="bg1">
+                    <a:lumMod val="75000"/>
+                  </a:schemeClr>
+                </a:solidFill>
+                <a:latin typeface="Open Sans Light" pitchFamily="2" charset="0"/>
+                <a:ea typeface="Open Sans Light" pitchFamily="2" charset="0"/>
+                <a:cs typeface="Open Sans Light" pitchFamily="2" charset="0"/>
+              </a:rPr>
+              <a:t>this book, </a:t>
+            </a:r>
+            <a:r>
+              <a:rPr lang="en-US" sz="2400" dirty="0">
+                <a:solidFill>
+                  <a:schemeClr val="accent5"/>
+                </a:solidFill>
+                <a:latin typeface="Open Sans Light" pitchFamily="2" charset="0"/>
+                <a:ea typeface="Open Sans Light" pitchFamily="2" charset="0"/>
+                <a:cs typeface="Open Sans Light" pitchFamily="2" charset="0"/>
+              </a:rPr>
+              <a:t>by the way</a:t>
+            </a:r>
+            <a:r>
+              <a:rPr lang="en-US" sz="2400" dirty="0">
+                <a:solidFill>
+                  <a:schemeClr val="bg1">
+                    <a:lumMod val="75000"/>
+                  </a:schemeClr>
+                </a:solidFill>
+                <a:latin typeface="Open Sans Light" pitchFamily="2" charset="0"/>
+                <a:ea typeface="Open Sans Light" pitchFamily="2" charset="0"/>
+                <a:cs typeface="Open Sans Light" pitchFamily="2" charset="0"/>
+              </a:rPr>
+              <a:t>.</a:t>
+            </a:r>
+            <a:r>
+              <a:rPr lang="en-US" sz="2400" dirty="0">
+                <a:latin typeface="Open Sans Light" pitchFamily="2" charset="0"/>
+                <a:ea typeface="Open Sans Light" pitchFamily="2" charset="0"/>
+                <a:cs typeface="Open Sans Light" pitchFamily="2" charset="0"/>
+              </a:rPr>
+              <a:t> </a:t>
+            </a:r>
+            <a:r>
+              <a:rPr lang="en-US" sz="2400" dirty="0">
+                <a:solidFill>
+                  <a:schemeClr val="bg1">
+                    <a:lumMod val="75000"/>
+                  </a:schemeClr>
+                </a:solidFill>
+                <a:latin typeface="Open Sans Light" pitchFamily="2" charset="0"/>
+                <a:ea typeface="Open Sans Light" pitchFamily="2" charset="0"/>
+                <a:cs typeface="Open Sans Light" pitchFamily="2" charset="0"/>
+              </a:rPr>
+              <a:t>I </a:t>
+            </a:r>
+            <a:r>
+              <a:rPr lang="en-US" sz="2400" dirty="0">
+                <a:solidFill>
+                  <a:srgbClr val="C00000"/>
+                </a:solidFill>
+                <a:latin typeface="Open Sans Light" pitchFamily="2" charset="0"/>
+                <a:ea typeface="Open Sans Light" pitchFamily="2" charset="0"/>
+                <a:cs typeface="Open Sans Light" pitchFamily="2" charset="0"/>
+              </a:rPr>
+              <a:t>enjoyed</a:t>
+            </a:r>
+            <a:r>
+              <a:rPr lang="en-US" sz="2400" dirty="0">
+                <a:latin typeface="Open Sans Light" pitchFamily="2" charset="0"/>
+                <a:ea typeface="Open Sans Light" pitchFamily="2" charset="0"/>
+                <a:cs typeface="Open Sans Light" pitchFamily="2" charset="0"/>
+              </a:rPr>
+              <a:t> </a:t>
+            </a:r>
+            <a:r>
+              <a:rPr lang="en-US" sz="2400" dirty="0">
+                <a:solidFill>
+                  <a:schemeClr val="bg1">
+                    <a:lumMod val="75000"/>
+                  </a:schemeClr>
+                </a:solidFill>
+                <a:latin typeface="Open Sans Light" pitchFamily="2" charset="0"/>
+                <a:ea typeface="Open Sans Light" pitchFamily="2" charset="0"/>
+                <a:cs typeface="Open Sans Light" pitchFamily="2" charset="0"/>
+              </a:rPr>
+              <a:t>the chapter</a:t>
+            </a:r>
+            <a:r>
+              <a:rPr lang="en-US" sz="2400" dirty="0">
+                <a:latin typeface="Open Sans Light" pitchFamily="2" charset="0"/>
+                <a:ea typeface="Open Sans Light" pitchFamily="2" charset="0"/>
+                <a:cs typeface="Open Sans Light" pitchFamily="2" charset="0"/>
+              </a:rPr>
+              <a:t> </a:t>
+            </a:r>
+            <a:r>
+              <a:rPr lang="en-US" sz="2400" dirty="0">
+                <a:solidFill>
+                  <a:schemeClr val="accent4"/>
+                </a:solidFill>
+                <a:latin typeface="Open Sans Light" pitchFamily="2" charset="0"/>
+                <a:ea typeface="Open Sans Light" pitchFamily="2" charset="0"/>
+                <a:cs typeface="Open Sans Light" pitchFamily="2" charset="0"/>
+              </a:rPr>
+              <a:t>you</a:t>
+            </a:r>
+            <a:r>
+              <a:rPr lang="en-US" sz="2400" dirty="0">
+                <a:latin typeface="Open Sans Light" pitchFamily="2" charset="0"/>
+                <a:ea typeface="Open Sans Light" pitchFamily="2" charset="0"/>
+                <a:cs typeface="Open Sans Light" pitchFamily="2" charset="0"/>
+              </a:rPr>
+              <a:t> </a:t>
+            </a:r>
+            <a:r>
+              <a:rPr lang="en-US" sz="2400" dirty="0">
+                <a:solidFill>
+                  <a:schemeClr val="bg1">
+                    <a:lumMod val="75000"/>
+                  </a:schemeClr>
+                </a:solidFill>
+                <a:latin typeface="Open Sans Light" pitchFamily="2" charset="0"/>
+                <a:ea typeface="Open Sans Light" pitchFamily="2" charset="0"/>
+                <a:cs typeface="Open Sans Light" pitchFamily="2" charset="0"/>
+              </a:rPr>
+              <a:t>posted</a:t>
+            </a:r>
+            <a:r>
+              <a:rPr lang="en-US" sz="2400" dirty="0">
+                <a:latin typeface="Open Sans Light" pitchFamily="2" charset="0"/>
+                <a:ea typeface="Open Sans Light" pitchFamily="2" charset="0"/>
+                <a:cs typeface="Open Sans Light" pitchFamily="2" charset="0"/>
+              </a:rPr>
+              <a:t> </a:t>
+            </a:r>
+            <a:r>
+              <a:rPr lang="en-US" sz="2400" dirty="0">
+                <a:solidFill>
+                  <a:schemeClr val="bg1">
+                    <a:lumMod val="75000"/>
+                  </a:schemeClr>
+                </a:solidFill>
+                <a:latin typeface="Open Sans Light" pitchFamily="2" charset="0"/>
+                <a:ea typeface="Open Sans Light" pitchFamily="2" charset="0"/>
+                <a:cs typeface="Open Sans Light" pitchFamily="2" charset="0"/>
+              </a:rPr>
+              <a:t>above</a:t>
+            </a:r>
+            <a:r>
+              <a:rPr lang="en-US" sz="2400" dirty="0">
+                <a:latin typeface="Open Sans Light" pitchFamily="2" charset="0"/>
+                <a:ea typeface="Open Sans Light" pitchFamily="2" charset="0"/>
+                <a:cs typeface="Open Sans Light" pitchFamily="2" charset="0"/>
+              </a:rPr>
+              <a:t> </a:t>
+            </a:r>
+            <a:r>
+              <a:rPr lang="en-US" sz="2400" dirty="0">
+                <a:solidFill>
+                  <a:schemeClr val="bg1">
+                    <a:lumMod val="75000"/>
+                  </a:schemeClr>
+                </a:solidFill>
+                <a:latin typeface="Open Sans Light" pitchFamily="2" charset="0"/>
+                <a:ea typeface="Open Sans Light" pitchFamily="2" charset="0"/>
+                <a:cs typeface="Open Sans Light" pitchFamily="2" charset="0"/>
+              </a:rPr>
+              <a:t>very much. </a:t>
+            </a:r>
+            <a:r>
+              <a:rPr lang="en-US" sz="2400" dirty="0">
+                <a:solidFill>
+                  <a:schemeClr val="accent4"/>
+                </a:solidFill>
+                <a:latin typeface="Open Sans Light" pitchFamily="2" charset="0"/>
+                <a:ea typeface="Open Sans Light" pitchFamily="2" charset="0"/>
+                <a:cs typeface="Open Sans Light" pitchFamily="2" charset="0"/>
+              </a:rPr>
+              <a:t>I have</a:t>
+            </a:r>
+            <a:r>
+              <a:rPr lang="en-US" sz="2400" dirty="0">
+                <a:solidFill>
+                  <a:schemeClr val="bg1">
+                    <a:lumMod val="75000"/>
+                  </a:schemeClr>
+                </a:solidFill>
+                <a:latin typeface="Open Sans Light" pitchFamily="2" charset="0"/>
+                <a:ea typeface="Open Sans Light" pitchFamily="2" charset="0"/>
+                <a:cs typeface="Open Sans Light" pitchFamily="2" charset="0"/>
+              </a:rPr>
+              <a:t> always</a:t>
+            </a:r>
+            <a:r>
+              <a:rPr lang="en-US" sz="2400" dirty="0">
+                <a:latin typeface="Open Sans Light" pitchFamily="2" charset="0"/>
+                <a:ea typeface="Open Sans Light" pitchFamily="2" charset="0"/>
+                <a:cs typeface="Open Sans Light" pitchFamily="2" charset="0"/>
+              </a:rPr>
+              <a:t> </a:t>
+            </a:r>
+            <a:r>
+              <a:rPr lang="en-US" sz="2400" dirty="0">
+                <a:solidFill>
+                  <a:srgbClr val="C00000"/>
+                </a:solidFill>
+                <a:latin typeface="Open Sans Light" pitchFamily="2" charset="0"/>
+                <a:ea typeface="Open Sans Light" pitchFamily="2" charset="0"/>
+                <a:cs typeface="Open Sans Light" pitchFamily="2" charset="0"/>
+              </a:rPr>
+              <a:t>wanted</a:t>
+            </a:r>
+            <a:r>
+              <a:rPr lang="en-US" sz="2400" dirty="0">
+                <a:latin typeface="Open Sans Light" pitchFamily="2" charset="0"/>
+                <a:ea typeface="Open Sans Light" pitchFamily="2" charset="0"/>
+                <a:cs typeface="Open Sans Light" pitchFamily="2" charset="0"/>
+              </a:rPr>
+              <a:t> </a:t>
+            </a:r>
+            <a:r>
+              <a:rPr lang="en-US" sz="2400" dirty="0">
+                <a:solidFill>
+                  <a:schemeClr val="bg1">
+                    <a:lumMod val="75000"/>
+                  </a:schemeClr>
+                </a:solidFill>
+                <a:latin typeface="Open Sans Light" pitchFamily="2" charset="0"/>
+                <a:ea typeface="Open Sans Light" pitchFamily="2" charset="0"/>
+                <a:cs typeface="Open Sans Light" pitchFamily="2" charset="0"/>
+              </a:rPr>
+              <a:t>to</a:t>
+            </a:r>
+            <a:r>
+              <a:rPr lang="en-US" sz="2400" dirty="0">
+                <a:latin typeface="Open Sans Light" pitchFamily="2" charset="0"/>
+                <a:ea typeface="Open Sans Light" pitchFamily="2" charset="0"/>
+                <a:cs typeface="Open Sans Light" pitchFamily="2" charset="0"/>
+              </a:rPr>
+              <a:t> </a:t>
+            </a:r>
+            <a:r>
+              <a:rPr lang="en-US" sz="2400" dirty="0">
+                <a:solidFill>
+                  <a:schemeClr val="bg1">
+                    <a:lumMod val="75000"/>
+                  </a:schemeClr>
+                </a:solidFill>
+                <a:latin typeface="Open Sans Light" pitchFamily="2" charset="0"/>
+                <a:ea typeface="Open Sans Light" pitchFamily="2" charset="0"/>
+                <a:cs typeface="Open Sans Light" pitchFamily="2" charset="0"/>
+              </a:rPr>
+              <a:t>know more about the history…</a:t>
+            </a:r>
+          </a:p>
+        </p:txBody>
+      </p:sp>
+      <p:sp>
+        <p:nvSpPr>
+          <p:cNvPr id="5" name="TextBox 4">
+            <a:extLst>
+              <a:ext uri="{FF2B5EF4-FFF2-40B4-BE49-F238E27FC236}">
+                <a16:creationId xmlns:a16="http://schemas.microsoft.com/office/drawing/2014/main" id="{8BED691E-5D64-CBC0-098A-F95F7F78B745}"/>
+              </a:ext>
+            </a:extLst>
+          </p:cNvPr>
+          <p:cNvSpPr txBox="1"/>
+          <p:nvPr/>
+        </p:nvSpPr>
+        <p:spPr>
+          <a:xfrm>
+            <a:off x="6092284" y="2313887"/>
+            <a:ext cx="6099716" cy="1754326"/>
+          </a:xfrm>
+          <a:prstGeom prst="rect">
+            <a:avLst/>
+          </a:prstGeom>
+          <a:noFill/>
+        </p:spPr>
+        <p:txBody>
+          <a:bodyPr wrap="square">
+            <a:spAutoFit/>
+          </a:bodyPr>
+          <a:lstStyle/>
+          <a:p>
+            <a:r>
+              <a:rPr lang="en-US" dirty="0">
+                <a:solidFill>
+                  <a:schemeClr val="accent6"/>
+                </a:solidFill>
+                <a:latin typeface="Open Sans Light" pitchFamily="2" charset="0"/>
+                <a:ea typeface="Open Sans Light" pitchFamily="2" charset="0"/>
+                <a:cs typeface="Open Sans Light" pitchFamily="2" charset="0"/>
+              </a:rPr>
+              <a:t>gratitude</a:t>
+            </a:r>
+            <a:endParaRPr lang="en-US" sz="1800" dirty="0">
+              <a:solidFill>
+                <a:schemeClr val="accent5"/>
+              </a:solidFill>
+              <a:latin typeface="Open Sans Light" pitchFamily="2" charset="0"/>
+              <a:ea typeface="Open Sans Light" pitchFamily="2" charset="0"/>
+              <a:cs typeface="Open Sans Light" pitchFamily="2" charset="0"/>
+            </a:endParaRPr>
+          </a:p>
+          <a:p>
+            <a:r>
+              <a:rPr lang="en-US" sz="1800" dirty="0" err="1">
+                <a:solidFill>
+                  <a:schemeClr val="accent5"/>
+                </a:solidFill>
+                <a:latin typeface="Open Sans Light" pitchFamily="2" charset="0"/>
+                <a:ea typeface="Open Sans Light" pitchFamily="2" charset="0"/>
+                <a:cs typeface="Open Sans Light" pitchFamily="2" charset="0"/>
+              </a:rPr>
+              <a:t>Indirect_btw</a:t>
+            </a:r>
+            <a:endParaRPr lang="en-US" sz="1800" dirty="0">
+              <a:solidFill>
+                <a:schemeClr val="accent5"/>
+              </a:solidFill>
+              <a:latin typeface="Open Sans Light" pitchFamily="2" charset="0"/>
+              <a:ea typeface="Open Sans Light" pitchFamily="2" charset="0"/>
+              <a:cs typeface="Open Sans Light" pitchFamily="2" charset="0"/>
+            </a:endParaRPr>
+          </a:p>
+          <a:p>
+            <a:r>
+              <a:rPr lang="en-US" dirty="0" err="1">
+                <a:solidFill>
+                  <a:schemeClr val="accent4"/>
+                </a:solidFill>
+                <a:latin typeface="Open Sans Light" pitchFamily="2" charset="0"/>
+                <a:ea typeface="Open Sans Light" pitchFamily="2" charset="0"/>
+                <a:cs typeface="Open Sans Light" pitchFamily="2" charset="0"/>
+              </a:rPr>
+              <a:t>you_direct</a:t>
+            </a:r>
+            <a:endParaRPr lang="en-US" dirty="0">
+              <a:solidFill>
+                <a:schemeClr val="accent4"/>
+              </a:solidFill>
+              <a:latin typeface="Open Sans Light" pitchFamily="2" charset="0"/>
+              <a:ea typeface="Open Sans Light" pitchFamily="2" charset="0"/>
+              <a:cs typeface="Open Sans Light" pitchFamily="2" charset="0"/>
+            </a:endParaRPr>
+          </a:p>
+          <a:p>
+            <a:r>
+              <a:rPr lang="en-US" dirty="0" err="1">
+                <a:solidFill>
+                  <a:schemeClr val="accent2"/>
+                </a:solidFill>
+                <a:latin typeface="Open Sans Light" pitchFamily="2" charset="0"/>
+                <a:ea typeface="Open Sans Light" pitchFamily="2" charset="0"/>
+                <a:cs typeface="Open Sans Light" pitchFamily="2" charset="0"/>
+              </a:rPr>
+              <a:t>Direct_start</a:t>
+            </a:r>
+            <a:endParaRPr lang="en-US" dirty="0">
+              <a:solidFill>
+                <a:schemeClr val="accent2"/>
+              </a:solidFill>
+              <a:latin typeface="Open Sans Light" pitchFamily="2" charset="0"/>
+              <a:ea typeface="Open Sans Light" pitchFamily="2" charset="0"/>
+              <a:cs typeface="Open Sans Light" pitchFamily="2" charset="0"/>
+            </a:endParaRPr>
+          </a:p>
+          <a:p>
+            <a:r>
+              <a:rPr lang="en-US" sz="1800" dirty="0" err="1">
+                <a:solidFill>
+                  <a:srgbClr val="C00000"/>
+                </a:solidFill>
+                <a:latin typeface="Open Sans Light" pitchFamily="2" charset="0"/>
+                <a:ea typeface="Open Sans Light" pitchFamily="2" charset="0"/>
+                <a:cs typeface="Open Sans Light" pitchFamily="2" charset="0"/>
+              </a:rPr>
+              <a:t>has_positive</a:t>
+            </a:r>
+            <a:endParaRPr lang="en-US" dirty="0">
+              <a:solidFill>
+                <a:schemeClr val="accent2"/>
+              </a:solidFill>
+              <a:latin typeface="Open Sans Light" pitchFamily="2" charset="0"/>
+              <a:ea typeface="Open Sans Light" pitchFamily="2" charset="0"/>
+              <a:cs typeface="Open Sans Light" pitchFamily="2" charset="0"/>
+            </a:endParaRPr>
+          </a:p>
+          <a:p>
+            <a:endParaRPr lang="en-US" dirty="0">
+              <a:solidFill>
+                <a:schemeClr val="accent4"/>
+              </a:solidFill>
+            </a:endParaRPr>
+          </a:p>
+        </p:txBody>
+      </p:sp>
+      <p:sp>
+        <p:nvSpPr>
+          <p:cNvPr id="6" name="TextBox 5">
+            <a:extLst>
+              <a:ext uri="{FF2B5EF4-FFF2-40B4-BE49-F238E27FC236}">
+                <a16:creationId xmlns:a16="http://schemas.microsoft.com/office/drawing/2014/main" id="{5FE6339F-2AFE-ABE0-6796-198C75DE83EF}"/>
+              </a:ext>
+            </a:extLst>
+          </p:cNvPr>
+          <p:cNvSpPr txBox="1">
+            <a:spLocks noChangeAspect="1"/>
+          </p:cNvSpPr>
+          <p:nvPr/>
+        </p:nvSpPr>
+        <p:spPr>
+          <a:xfrm>
+            <a:off x="8010294" y="602166"/>
+            <a:ext cx="3200400" cy="3046988"/>
+          </a:xfrm>
+          <a:prstGeom prst="rect">
+            <a:avLst/>
+          </a:prstGeom>
+          <a:noFill/>
+        </p:spPr>
+        <p:txBody>
+          <a:bodyPr wrap="square" rtlCol="0">
+            <a:spAutoFit/>
+          </a:bodyPr>
+          <a:lstStyle/>
+          <a:p>
+            <a:r>
+              <a:rPr lang="en-US" sz="2400" dirty="0">
+                <a:latin typeface="Open Sans Light" pitchFamily="2" charset="0"/>
+                <a:ea typeface="Open Sans Light" pitchFamily="2" charset="0"/>
+                <a:cs typeface="Open Sans Light" pitchFamily="2" charset="0"/>
+              </a:rPr>
+              <a:t>Thank you so much for bringing this book to the page by the way I enjoyed the chapter you posted above very much I have always wanted to know…</a:t>
+            </a:r>
+          </a:p>
+        </p:txBody>
+      </p:sp>
+      <p:sp>
+        <p:nvSpPr>
+          <p:cNvPr id="7" name="TextBox 6">
+            <a:extLst>
+              <a:ext uri="{FF2B5EF4-FFF2-40B4-BE49-F238E27FC236}">
+                <a16:creationId xmlns:a16="http://schemas.microsoft.com/office/drawing/2014/main" id="{0BF1E1DD-2E14-90F2-999A-1246349B5F28}"/>
+              </a:ext>
+            </a:extLst>
+          </p:cNvPr>
+          <p:cNvSpPr txBox="1"/>
+          <p:nvPr/>
+        </p:nvSpPr>
+        <p:spPr>
+          <a:xfrm>
+            <a:off x="6092284" y="4068213"/>
+            <a:ext cx="6099716" cy="1754326"/>
+          </a:xfrm>
+          <a:prstGeom prst="rect">
+            <a:avLst/>
+          </a:prstGeom>
+          <a:noFill/>
+        </p:spPr>
+        <p:txBody>
+          <a:bodyPr wrap="square">
+            <a:spAutoFit/>
+          </a:bodyPr>
+          <a:lstStyle/>
+          <a:p>
+            <a:r>
+              <a:rPr lang="en-US" dirty="0">
+                <a:solidFill>
+                  <a:schemeClr val="accent6"/>
+                </a:solidFill>
+                <a:latin typeface="Open Sans Light" pitchFamily="2" charset="0"/>
+                <a:ea typeface="Open Sans Light" pitchFamily="2" charset="0"/>
+                <a:cs typeface="Open Sans Light" pitchFamily="2" charset="0"/>
+              </a:rPr>
+              <a:t>Gratitude</a:t>
+            </a:r>
+            <a:endParaRPr lang="en-US" sz="1800" dirty="0">
+              <a:solidFill>
+                <a:schemeClr val="accent5"/>
+              </a:solidFill>
+              <a:latin typeface="Open Sans Light" pitchFamily="2" charset="0"/>
+              <a:ea typeface="Open Sans Light" pitchFamily="2" charset="0"/>
+              <a:cs typeface="Open Sans Light" pitchFamily="2" charset="0"/>
+            </a:endParaRPr>
+          </a:p>
+          <a:p>
+            <a:r>
+              <a:rPr lang="en-US" sz="1800" dirty="0">
+                <a:solidFill>
+                  <a:schemeClr val="accent5"/>
+                </a:solidFill>
+                <a:latin typeface="Open Sans Light" pitchFamily="2" charset="0"/>
+                <a:ea typeface="Open Sans Light" pitchFamily="2" charset="0"/>
+                <a:cs typeface="Open Sans Light" pitchFamily="2" charset="0"/>
+              </a:rPr>
+              <a:t>Indirectness</a:t>
+            </a:r>
+          </a:p>
+          <a:p>
+            <a:r>
+              <a:rPr lang="en-US" dirty="0">
+                <a:solidFill>
+                  <a:schemeClr val="accent4"/>
+                </a:solidFill>
+                <a:latin typeface="Open Sans Light" pitchFamily="2" charset="0"/>
+                <a:ea typeface="Open Sans Light" pitchFamily="2" charset="0"/>
+                <a:cs typeface="Open Sans Light" pitchFamily="2" charset="0"/>
+              </a:rPr>
+              <a:t>Directness</a:t>
+            </a:r>
+          </a:p>
+          <a:p>
+            <a:r>
+              <a:rPr lang="en-US" dirty="0">
+                <a:solidFill>
+                  <a:schemeClr val="accent2"/>
+                </a:solidFill>
+                <a:latin typeface="Open Sans Light" pitchFamily="2" charset="0"/>
+                <a:ea typeface="Open Sans Light" pitchFamily="2" charset="0"/>
+                <a:cs typeface="Open Sans Light" pitchFamily="2" charset="0"/>
+              </a:rPr>
+              <a:t>Hedge</a:t>
+            </a:r>
+          </a:p>
+          <a:p>
+            <a:r>
+              <a:rPr lang="en-US" sz="1800" dirty="0">
+                <a:solidFill>
+                  <a:srgbClr val="C00000"/>
+                </a:solidFill>
+                <a:latin typeface="Open Sans Light" pitchFamily="2" charset="0"/>
+                <a:ea typeface="Open Sans Light" pitchFamily="2" charset="0"/>
+                <a:cs typeface="Open Sans Light" pitchFamily="2" charset="0"/>
+              </a:rPr>
+              <a:t>Positive</a:t>
+            </a:r>
+            <a:endParaRPr lang="en-US" dirty="0">
+              <a:solidFill>
+                <a:schemeClr val="accent2"/>
+              </a:solidFill>
+              <a:latin typeface="Open Sans Light" pitchFamily="2" charset="0"/>
+              <a:ea typeface="Open Sans Light" pitchFamily="2" charset="0"/>
+              <a:cs typeface="Open Sans Light" pitchFamily="2" charset="0"/>
+            </a:endParaRPr>
+          </a:p>
+          <a:p>
+            <a:endParaRPr lang="en-US" dirty="0">
+              <a:solidFill>
+                <a:schemeClr val="accent4"/>
+              </a:solidFill>
+            </a:endParaRPr>
+          </a:p>
+        </p:txBody>
+      </p:sp>
+    </p:spTree>
+    <p:extLst>
+      <p:ext uri="{BB962C8B-B14F-4D97-AF65-F5344CB8AC3E}">
+        <p14:creationId xmlns:p14="http://schemas.microsoft.com/office/powerpoint/2010/main" val="2352679930"/>
+      </p:ext>
+    </p:extLst>
+  </p:cSld>
+  <p:clrMapOvr>
+    <a:masterClrMapping/>
+  </p:clrMapOvr>
+</p:sld>
+</file>
+
+<file path=ppt/slides/slide5.xml><?xml version="1.0" encoding="utf-8"?>
+<p:sld xmlns:a="http://schemas.openxmlformats.org/drawingml/2006/main" xmlns:r="http://schemas.openxmlformats.org/officeDocument/2006/relationships" xmlns:p="http://schemas.openxmlformats.org/presentationml/2006/main">
+  <p:cSld>
+    <p:spTree>
+      <p:nvGrpSpPr>
+        <p:cNvPr id="1" name=""/>
+        <p:cNvGrpSpPr/>
+        <p:nvPr/>
+      </p:nvGrpSpPr>
+      <p:grpSpPr>
+        <a:xfrm>
+          <a:off x="0" y="0"/>
+          <a:ext cx="0" cy="0"/>
+          <a:chOff x="0" y="0"/>
+          <a:chExt cx="0" cy="0"/>
+        </a:xfrm>
+      </p:grpSpPr>
+      <p:sp>
+        <p:nvSpPr>
+          <p:cNvPr id="3" name="TextBox 2">
+            <a:extLst>
+              <a:ext uri="{FF2B5EF4-FFF2-40B4-BE49-F238E27FC236}">
+                <a16:creationId xmlns:a16="http://schemas.microsoft.com/office/drawing/2014/main" id="{2E766595-5589-9772-BC3F-5ED0A4BB78B6}"/>
+              </a:ext>
+            </a:extLst>
+          </p:cNvPr>
+          <p:cNvSpPr txBox="1">
+            <a:spLocks noChangeAspect="1"/>
+          </p:cNvSpPr>
+          <p:nvPr/>
+        </p:nvSpPr>
+        <p:spPr>
+          <a:xfrm>
+            <a:off x="2579657" y="602166"/>
+            <a:ext cx="2776111" cy="2677656"/>
+          </a:xfrm>
+          <a:prstGeom prst="rect">
+            <a:avLst/>
+          </a:prstGeom>
+          <a:noFill/>
+        </p:spPr>
+        <p:txBody>
+          <a:bodyPr wrap="square" rtlCol="0">
+            <a:spAutoFit/>
+          </a:bodyPr>
+          <a:lstStyle/>
+          <a:p>
+            <a:r>
+              <a:rPr lang="en-US" sz="2400" dirty="0">
+                <a:solidFill>
+                  <a:schemeClr val="bg1">
+                    <a:lumMod val="75000"/>
+                  </a:schemeClr>
+                </a:solidFill>
+                <a:latin typeface="Open Sans Condensed Light" pitchFamily="2" charset="0"/>
+                <a:ea typeface="Open Sans Condensed Light" pitchFamily="2" charset="0"/>
+                <a:cs typeface="Open Sans Condensed Light" pitchFamily="2" charset="0"/>
+              </a:rPr>
+              <a:t>“</a:t>
+            </a:r>
+            <a:r>
+              <a:rPr lang="en-US" sz="2400" dirty="0">
+                <a:solidFill>
+                  <a:schemeClr val="accent6"/>
+                </a:solidFill>
+                <a:latin typeface="Open Sans Condensed" pitchFamily="2" charset="0"/>
+                <a:ea typeface="Open Sans Condensed" pitchFamily="2" charset="0"/>
+                <a:cs typeface="Open Sans Condensed" pitchFamily="2" charset="0"/>
+              </a:rPr>
+              <a:t>I</a:t>
+            </a:r>
+            <a:r>
+              <a:rPr lang="en-US" sz="2400" dirty="0">
+                <a:solidFill>
+                  <a:schemeClr val="bg1">
+                    <a:lumMod val="75000"/>
+                  </a:schemeClr>
+                </a:solidFill>
+                <a:latin typeface="Open Sans Condensed Light" pitchFamily="2" charset="0"/>
+                <a:ea typeface="Open Sans Condensed Light" pitchFamily="2" charset="0"/>
+                <a:cs typeface="Open Sans Condensed Light" pitchFamily="2" charset="0"/>
+              </a:rPr>
+              <a:t> was running </a:t>
+            </a:r>
+            <a:r>
+              <a:rPr lang="en-US" sz="2400" dirty="0">
+                <a:solidFill>
+                  <a:schemeClr val="accent6"/>
+                </a:solidFill>
+                <a:latin typeface="Open Sans Condensed" pitchFamily="2" charset="0"/>
+                <a:ea typeface="Open Sans Condensed" pitchFamily="2" charset="0"/>
+                <a:cs typeface="Open Sans Condensed" pitchFamily="2" charset="0"/>
+              </a:rPr>
+              <a:t>my</a:t>
+            </a:r>
+            <a:r>
+              <a:rPr lang="en-US" sz="2400" dirty="0">
+                <a:solidFill>
+                  <a:schemeClr val="bg1">
+                    <a:lumMod val="75000"/>
+                  </a:schemeClr>
+                </a:solidFill>
+                <a:latin typeface="Open Sans Condensed" pitchFamily="2" charset="0"/>
+                <a:ea typeface="Open Sans Condensed" pitchFamily="2" charset="0"/>
+                <a:cs typeface="Open Sans Condensed" pitchFamily="2" charset="0"/>
+              </a:rPr>
+              <a:t> </a:t>
+            </a:r>
+            <a:r>
+              <a:rPr lang="en-US" sz="2400" dirty="0">
+                <a:solidFill>
+                  <a:schemeClr val="accent4"/>
+                </a:solidFill>
+                <a:latin typeface="Open Sans Condensed" pitchFamily="2" charset="0"/>
+                <a:ea typeface="Open Sans Condensed" pitchFamily="2" charset="0"/>
+                <a:cs typeface="Open Sans Condensed" pitchFamily="2" charset="0"/>
+              </a:rPr>
+              <a:t>spellchecker</a:t>
+            </a:r>
+            <a:r>
+              <a:rPr lang="en-US" sz="2400" dirty="0">
+                <a:solidFill>
+                  <a:schemeClr val="bg1">
+                    <a:lumMod val="75000"/>
+                  </a:schemeClr>
+                </a:solidFill>
+                <a:latin typeface="Open Sans Condensed Light" pitchFamily="2" charset="0"/>
+                <a:ea typeface="Open Sans Condensed Light" pitchFamily="2" charset="0"/>
+                <a:cs typeface="Open Sans Condensed Light" pitchFamily="2" charset="0"/>
+              </a:rPr>
+              <a:t> and </a:t>
+            </a:r>
+            <a:r>
+              <a:rPr lang="en-US" sz="2400" dirty="0">
+                <a:solidFill>
+                  <a:schemeClr val="accent2"/>
+                </a:solidFill>
+                <a:latin typeface="Open Sans Condensed" pitchFamily="2" charset="0"/>
+                <a:ea typeface="Open Sans Condensed" pitchFamily="2" charset="0"/>
+                <a:cs typeface="Open Sans Condensed" pitchFamily="2" charset="0"/>
+              </a:rPr>
+              <a:t>totally</a:t>
+            </a:r>
+            <a:r>
+              <a:rPr lang="en-US" sz="2400" dirty="0">
+                <a:solidFill>
+                  <a:schemeClr val="bg1">
+                    <a:lumMod val="75000"/>
+                  </a:schemeClr>
+                </a:solidFill>
+                <a:latin typeface="Open Sans Condensed Light" pitchFamily="2" charset="0"/>
+                <a:ea typeface="Open Sans Condensed Light" pitchFamily="2" charset="0"/>
+                <a:cs typeface="Open Sans Condensed Light" pitchFamily="2" charset="0"/>
+              </a:rPr>
+              <a:t> didn't realize that this </a:t>
+            </a:r>
+          </a:p>
+          <a:p>
+            <a:r>
+              <a:rPr lang="en-US" sz="2400" dirty="0">
+                <a:solidFill>
+                  <a:schemeClr val="bg1">
+                    <a:lumMod val="75000"/>
+                  </a:schemeClr>
+                </a:solidFill>
+                <a:latin typeface="Open Sans Condensed Light" pitchFamily="2" charset="0"/>
+                <a:ea typeface="Open Sans Condensed Light" pitchFamily="2" charset="0"/>
+                <a:cs typeface="Open Sans Condensed Light" pitchFamily="2" charset="0"/>
+              </a:rPr>
+              <a:t>was a </a:t>
+            </a:r>
+            <a:r>
+              <a:rPr lang="en-US" sz="2400" dirty="0">
+                <a:solidFill>
+                  <a:schemeClr val="accent4"/>
+                </a:solidFill>
+                <a:latin typeface="Open Sans Condensed" pitchFamily="2" charset="0"/>
+                <a:ea typeface="Open Sans Condensed" pitchFamily="2" charset="0"/>
+                <a:cs typeface="Open Sans Condensed" pitchFamily="2" charset="0"/>
+              </a:rPr>
+              <a:t>vandalized</a:t>
+            </a:r>
+            <a:r>
+              <a:rPr lang="en-US" sz="2400" dirty="0">
+                <a:solidFill>
+                  <a:schemeClr val="bg1">
+                    <a:lumMod val="75000"/>
+                  </a:schemeClr>
+                </a:solidFill>
+                <a:latin typeface="Open Sans Condensed Light" pitchFamily="2" charset="0"/>
+                <a:ea typeface="Open Sans Condensed Light" pitchFamily="2" charset="0"/>
+                <a:cs typeface="Open Sans Condensed Light" pitchFamily="2" charset="0"/>
+              </a:rPr>
+              <a:t> page. </a:t>
+            </a:r>
+            <a:r>
+              <a:rPr lang="en-US" sz="2400" dirty="0">
+                <a:solidFill>
+                  <a:schemeClr val="accent5"/>
+                </a:solidFill>
+                <a:latin typeface="Open Sans Condensed" pitchFamily="2" charset="0"/>
+                <a:ea typeface="Open Sans Condensed" pitchFamily="2" charset="0"/>
+                <a:cs typeface="Open Sans Condensed" pitchFamily="2" charset="0"/>
+              </a:rPr>
+              <a:t>Please accept </a:t>
+            </a:r>
+            <a:r>
+              <a:rPr lang="en-US" sz="2400" dirty="0">
+                <a:solidFill>
+                  <a:srgbClr val="C00000"/>
+                </a:solidFill>
+                <a:latin typeface="Open Sans Condensed" pitchFamily="2" charset="0"/>
+                <a:ea typeface="Open Sans Condensed" pitchFamily="2" charset="0"/>
+                <a:cs typeface="Open Sans Condensed" pitchFamily="2" charset="0"/>
+              </a:rPr>
+              <a:t>my apology</a:t>
+            </a:r>
+            <a:r>
+              <a:rPr lang="en-US" sz="2400" dirty="0">
+                <a:solidFill>
+                  <a:schemeClr val="bg1">
+                    <a:lumMod val="75000"/>
+                  </a:schemeClr>
+                </a:solidFill>
+                <a:latin typeface="Open Sans Condensed Light" pitchFamily="2" charset="0"/>
+                <a:ea typeface="Open Sans Condensed Light" pitchFamily="2" charset="0"/>
+                <a:cs typeface="Open Sans Condensed Light" pitchFamily="2" charset="0"/>
+              </a:rPr>
+              <a:t>. </a:t>
+            </a:r>
+            <a:r>
+              <a:rPr lang="en-US" sz="2400" dirty="0">
+                <a:solidFill>
+                  <a:schemeClr val="accent6"/>
+                </a:solidFill>
+                <a:latin typeface="Open Sans Condensed" pitchFamily="2" charset="0"/>
+                <a:ea typeface="Open Sans Condensed" pitchFamily="2" charset="0"/>
+                <a:cs typeface="Open Sans Condensed" pitchFamily="2" charset="0"/>
+              </a:rPr>
+              <a:t>I</a:t>
+            </a:r>
+            <a:r>
+              <a:rPr lang="en-US" sz="2400" dirty="0">
+                <a:solidFill>
+                  <a:schemeClr val="bg1">
+                    <a:lumMod val="75000"/>
+                  </a:schemeClr>
+                </a:solidFill>
+                <a:latin typeface="Open Sans Condensed Light" pitchFamily="2" charset="0"/>
+                <a:ea typeface="Open Sans Condensed Light" pitchFamily="2" charset="0"/>
+                <a:cs typeface="Open Sans Condensed Light" pitchFamily="2" charset="0"/>
+              </a:rPr>
+              <a:t> will spellcheck a </a:t>
+            </a:r>
+            <a:r>
+              <a:rPr lang="en-US" sz="2400" dirty="0">
+                <a:solidFill>
+                  <a:schemeClr val="accent4"/>
+                </a:solidFill>
+                <a:latin typeface="Open Sans Condensed" pitchFamily="2" charset="0"/>
+                <a:ea typeface="Open Sans Condensed" pitchFamily="2" charset="0"/>
+                <a:cs typeface="Open Sans Condensed" pitchFamily="2" charset="0"/>
+              </a:rPr>
+              <a:t>little</a:t>
+            </a:r>
+            <a:r>
+              <a:rPr lang="en-US" sz="2400" dirty="0">
+                <a:solidFill>
+                  <a:schemeClr val="bg1">
+                    <a:lumMod val="75000"/>
+                  </a:schemeClr>
+                </a:solidFill>
+                <a:latin typeface="Open Sans Condensed" pitchFamily="2" charset="0"/>
+                <a:ea typeface="Open Sans Condensed" pitchFamily="2" charset="0"/>
+                <a:cs typeface="Open Sans Condensed" pitchFamily="2" charset="0"/>
+              </a:rPr>
+              <a:t> </a:t>
+            </a:r>
+            <a:r>
+              <a:rPr lang="en-US" sz="2400" dirty="0">
+                <a:solidFill>
+                  <a:schemeClr val="accent4"/>
+                </a:solidFill>
+                <a:latin typeface="Open Sans Condensed" pitchFamily="2" charset="0"/>
+                <a:ea typeface="Open Sans Condensed" pitchFamily="2" charset="0"/>
+                <a:cs typeface="Open Sans Condensed" pitchFamily="2" charset="0"/>
+              </a:rPr>
+              <a:t>slower</a:t>
+            </a:r>
+            <a:r>
+              <a:rPr lang="en-US" sz="2400" dirty="0">
+                <a:solidFill>
+                  <a:schemeClr val="bg1">
+                    <a:lumMod val="75000"/>
+                  </a:schemeClr>
+                </a:solidFill>
+                <a:latin typeface="Open Sans Condensed Light" pitchFamily="2" charset="0"/>
+                <a:ea typeface="Open Sans Condensed Light" pitchFamily="2" charset="0"/>
+                <a:cs typeface="Open Sans Condensed Light" pitchFamily="2" charset="0"/>
+              </a:rPr>
+              <a:t> next time.”</a:t>
+            </a:r>
+          </a:p>
+        </p:txBody>
+      </p:sp>
+      <p:sp>
+        <p:nvSpPr>
+          <p:cNvPr id="6" name="TextBox 5">
+            <a:extLst>
+              <a:ext uri="{FF2B5EF4-FFF2-40B4-BE49-F238E27FC236}">
+                <a16:creationId xmlns:a16="http://schemas.microsoft.com/office/drawing/2014/main" id="{5FE6339F-2AFE-ABE0-6796-198C75DE83EF}"/>
+              </a:ext>
+            </a:extLst>
+          </p:cNvPr>
+          <p:cNvSpPr txBox="1">
+            <a:spLocks noChangeAspect="1"/>
+          </p:cNvSpPr>
+          <p:nvPr/>
+        </p:nvSpPr>
+        <p:spPr>
+          <a:xfrm>
+            <a:off x="8010293" y="468416"/>
+            <a:ext cx="3906644" cy="2677656"/>
+          </a:xfrm>
+          <a:prstGeom prst="rect">
+            <a:avLst/>
+          </a:prstGeom>
+          <a:noFill/>
+        </p:spPr>
+        <p:txBody>
+          <a:bodyPr wrap="square" rtlCol="0">
+            <a:spAutoFit/>
+          </a:bodyPr>
+          <a:lstStyle/>
+          <a:p>
+            <a:r>
+              <a:rPr lang="en-US" sz="2400" dirty="0">
+                <a:latin typeface="Open Sans Light" pitchFamily="2" charset="0"/>
+                <a:ea typeface="Open Sans Light" pitchFamily="2" charset="0"/>
+                <a:cs typeface="Open Sans Light" pitchFamily="2" charset="0"/>
+              </a:rPr>
+              <a:t>I was running my spellchecker and totally didn't realize that this was a vandalized page. Please accept my apology. I will spellcheck a little slower next time.</a:t>
+            </a:r>
+          </a:p>
+        </p:txBody>
+      </p:sp>
+      <p:sp>
+        <p:nvSpPr>
+          <p:cNvPr id="7" name="TextBox 6">
+            <a:extLst>
+              <a:ext uri="{FF2B5EF4-FFF2-40B4-BE49-F238E27FC236}">
+                <a16:creationId xmlns:a16="http://schemas.microsoft.com/office/drawing/2014/main" id="{0BF1E1DD-2E14-90F2-999A-1246349B5F28}"/>
+              </a:ext>
+            </a:extLst>
+          </p:cNvPr>
+          <p:cNvSpPr txBox="1"/>
+          <p:nvPr/>
+        </p:nvSpPr>
+        <p:spPr>
+          <a:xfrm>
+            <a:off x="979716" y="1055960"/>
+            <a:ext cx="1122303" cy="1768883"/>
+          </a:xfrm>
+          <a:prstGeom prst="rect">
+            <a:avLst/>
+          </a:prstGeom>
+          <a:noFill/>
+        </p:spPr>
+        <p:txBody>
+          <a:bodyPr wrap="square">
+            <a:noAutofit/>
+          </a:bodyPr>
+          <a:lstStyle/>
+          <a:p>
+            <a:pPr algn="r"/>
+            <a:r>
+              <a:rPr lang="en-US" b="1" dirty="0">
+                <a:solidFill>
+                  <a:schemeClr val="bg1">
+                    <a:lumMod val="50000"/>
+                  </a:schemeClr>
+                </a:solidFill>
+                <a:latin typeface="Open Sans Condensed" pitchFamily="2" charset="0"/>
+                <a:ea typeface="Open Sans Condensed" pitchFamily="2" charset="0"/>
+                <a:cs typeface="Open Sans Condensed" pitchFamily="2" charset="0"/>
+              </a:rPr>
+              <a:t>Categories</a:t>
+            </a:r>
+          </a:p>
+          <a:p>
+            <a:pPr algn="r"/>
+            <a:r>
+              <a:rPr lang="en-US" dirty="0">
+                <a:solidFill>
+                  <a:schemeClr val="accent6"/>
+                </a:solidFill>
+                <a:latin typeface="Open Sans Condensed Light" pitchFamily="2" charset="0"/>
+                <a:ea typeface="Open Sans Condensed Light" pitchFamily="2" charset="0"/>
+                <a:cs typeface="Open Sans Condensed Light" pitchFamily="2" charset="0"/>
+              </a:rPr>
+              <a:t>First person</a:t>
+            </a:r>
+            <a:endParaRPr lang="en-US" sz="1800" dirty="0">
+              <a:solidFill>
+                <a:schemeClr val="accent5"/>
+              </a:solidFill>
+              <a:latin typeface="Open Sans Condensed Light" pitchFamily="2" charset="0"/>
+              <a:ea typeface="Open Sans Condensed Light" pitchFamily="2" charset="0"/>
+              <a:cs typeface="Open Sans Condensed Light" pitchFamily="2" charset="0"/>
+            </a:endParaRPr>
+          </a:p>
+          <a:p>
+            <a:pPr algn="r"/>
+            <a:r>
+              <a:rPr lang="en-US" dirty="0">
+                <a:solidFill>
+                  <a:schemeClr val="accent5"/>
+                </a:solidFill>
+                <a:latin typeface="Open Sans Condensed Light" pitchFamily="2" charset="0"/>
+                <a:ea typeface="Open Sans Condensed Light" pitchFamily="2" charset="0"/>
+                <a:cs typeface="Open Sans Condensed Light" pitchFamily="2" charset="0"/>
+              </a:rPr>
+              <a:t>Please</a:t>
+            </a:r>
+            <a:endParaRPr lang="en-US" sz="1800" dirty="0">
+              <a:solidFill>
+                <a:schemeClr val="accent5"/>
+              </a:solidFill>
+              <a:latin typeface="Open Sans Condensed Light" pitchFamily="2" charset="0"/>
+              <a:ea typeface="Open Sans Condensed Light" pitchFamily="2" charset="0"/>
+              <a:cs typeface="Open Sans Condensed Light" pitchFamily="2" charset="0"/>
+            </a:endParaRPr>
+          </a:p>
+          <a:p>
+            <a:pPr algn="r"/>
+            <a:r>
+              <a:rPr lang="en-US" dirty="0">
+                <a:solidFill>
+                  <a:schemeClr val="accent4"/>
+                </a:solidFill>
+                <a:latin typeface="Open Sans Condensed Light" pitchFamily="2" charset="0"/>
+                <a:ea typeface="Open Sans Condensed Light" pitchFamily="2" charset="0"/>
+                <a:cs typeface="Open Sans Condensed Light" pitchFamily="2" charset="0"/>
+              </a:rPr>
+              <a:t>Negative</a:t>
+            </a:r>
+          </a:p>
+          <a:p>
+            <a:pPr algn="r"/>
+            <a:r>
+              <a:rPr lang="en-US" dirty="0">
+                <a:solidFill>
+                  <a:schemeClr val="accent2"/>
+                </a:solidFill>
+                <a:latin typeface="Open Sans Condensed Light" pitchFamily="2" charset="0"/>
+                <a:ea typeface="Open Sans Condensed Light" pitchFamily="2" charset="0"/>
+                <a:cs typeface="Open Sans Condensed Light" pitchFamily="2" charset="0"/>
+              </a:rPr>
+              <a:t>Promise</a:t>
+            </a:r>
+          </a:p>
+          <a:p>
+            <a:pPr algn="r"/>
+            <a:r>
+              <a:rPr lang="en-US" sz="1800" dirty="0">
+                <a:solidFill>
+                  <a:srgbClr val="C00000"/>
+                </a:solidFill>
+                <a:latin typeface="Open Sans Condensed Light" pitchFamily="2" charset="0"/>
+                <a:ea typeface="Open Sans Condensed Light" pitchFamily="2" charset="0"/>
+                <a:cs typeface="Open Sans Condensed Light" pitchFamily="2" charset="0"/>
+              </a:rPr>
+              <a:t>Apologetic</a:t>
+            </a:r>
+            <a:endParaRPr lang="en-US" dirty="0">
+              <a:solidFill>
+                <a:schemeClr val="accent2"/>
+              </a:solidFill>
+              <a:latin typeface="Open Sans Condensed Light" pitchFamily="2" charset="0"/>
+              <a:ea typeface="Open Sans Condensed Light" pitchFamily="2" charset="0"/>
+              <a:cs typeface="Open Sans Condensed Light" pitchFamily="2" charset="0"/>
+            </a:endParaRPr>
+          </a:p>
+          <a:p>
+            <a:pPr algn="r"/>
+            <a:endParaRPr lang="en-US" dirty="0">
+              <a:solidFill>
+                <a:schemeClr val="accent4"/>
+              </a:solidFill>
+              <a:latin typeface="Open Sans Condensed Light" pitchFamily="2" charset="0"/>
+              <a:ea typeface="Open Sans Condensed Light" pitchFamily="2" charset="0"/>
+              <a:cs typeface="Open Sans Condensed Light" pitchFamily="2" charset="0"/>
+            </a:endParaRPr>
+          </a:p>
+        </p:txBody>
+      </p:sp>
+      <p:cxnSp>
+        <p:nvCxnSpPr>
+          <p:cNvPr id="4" name="Straight Connector 3">
+            <a:extLst>
+              <a:ext uri="{FF2B5EF4-FFF2-40B4-BE49-F238E27FC236}">
+                <a16:creationId xmlns:a16="http://schemas.microsoft.com/office/drawing/2014/main" id="{53718FD1-E292-C5EA-2EEB-93395784472A}"/>
+              </a:ext>
+            </a:extLst>
+          </p:cNvPr>
+          <p:cNvCxnSpPr>
+            <a:cxnSpLocks/>
+          </p:cNvCxnSpPr>
+          <p:nvPr/>
+        </p:nvCxnSpPr>
+        <p:spPr>
+          <a:xfrm>
+            <a:off x="2332468" y="602166"/>
+            <a:ext cx="0" cy="2677656"/>
+          </a:xfrm>
+          <a:prstGeom prst="line">
+            <a:avLst/>
+          </a:prstGeom>
+          <a:ln>
+            <a:solidFill>
+              <a:schemeClr val="bg1">
+                <a:lumMod val="75000"/>
+              </a:schemeClr>
+            </a:solidFill>
+          </a:ln>
+        </p:spPr>
+        <p:style>
+          <a:lnRef idx="2">
+            <a:schemeClr val="accent1"/>
+          </a:lnRef>
+          <a:fillRef idx="0">
+            <a:schemeClr val="accent1"/>
+          </a:fillRef>
+          <a:effectRef idx="1">
+            <a:schemeClr val="accent1"/>
+          </a:effectRef>
+          <a:fontRef idx="minor">
+            <a:schemeClr val="tx1"/>
+          </a:fontRef>
+        </p:style>
+      </p:cxnSp>
+    </p:spTree>
+    <p:extLst>
+      <p:ext uri="{BB962C8B-B14F-4D97-AF65-F5344CB8AC3E}">
+        <p14:creationId xmlns:p14="http://schemas.microsoft.com/office/powerpoint/2010/main" val="2988910683"/>
+      </p:ext>
+    </p:extLst>
+  </p:cSld>
+  <p:clrMapOvr>
+    <a:masterClrMapping/>
+  </p:clrMapOvr>
+</p:sld>
+</file>
+
+<file path=ppt/slides/slide6.xml><?xml version="1.0" encoding="utf-8"?>
+<p:sld xmlns:a="http://schemas.openxmlformats.org/drawingml/2006/main" xmlns:r="http://schemas.openxmlformats.org/officeDocument/2006/relationships" xmlns:p="http://schemas.openxmlformats.org/presentationml/2006/main">
+  <p:cSld>
+    <p:spTree>
+      <p:nvGrpSpPr>
+        <p:cNvPr id="1" name=""/>
+        <p:cNvGrpSpPr/>
+        <p:nvPr/>
+      </p:nvGrpSpPr>
+      <p:grpSpPr>
+        <a:xfrm>
+          <a:off x="0" y="0"/>
+          <a:ext cx="0" cy="0"/>
+          <a:chOff x="0" y="0"/>
+          <a:chExt cx="0" cy="0"/>
+        </a:xfrm>
+      </p:grpSpPr>
+      <p:sp>
+        <p:nvSpPr>
+          <p:cNvPr id="3" name="TextBox 2">
+            <a:extLst>
+              <a:ext uri="{FF2B5EF4-FFF2-40B4-BE49-F238E27FC236}">
+                <a16:creationId xmlns:a16="http://schemas.microsoft.com/office/drawing/2014/main" id="{2E766595-5589-9772-BC3F-5ED0A4BB78B6}"/>
+              </a:ext>
+            </a:extLst>
+          </p:cNvPr>
+          <p:cNvSpPr txBox="1">
+            <a:spLocks noChangeAspect="1"/>
+          </p:cNvSpPr>
+          <p:nvPr/>
+        </p:nvSpPr>
+        <p:spPr>
+          <a:xfrm>
+            <a:off x="2579657" y="602166"/>
+            <a:ext cx="2776111" cy="1938992"/>
+          </a:xfrm>
+          <a:prstGeom prst="rect">
+            <a:avLst/>
+          </a:prstGeom>
+          <a:noFill/>
+        </p:spPr>
+        <p:txBody>
+          <a:bodyPr wrap="square" rtlCol="0">
+            <a:spAutoFit/>
+          </a:bodyPr>
+          <a:lstStyle/>
+          <a:p>
+            <a:r>
+              <a:rPr lang="en-US" sz="2400" dirty="0">
+                <a:solidFill>
+                  <a:schemeClr val="bg1">
+                    <a:lumMod val="75000"/>
+                  </a:schemeClr>
+                </a:solidFill>
+                <a:latin typeface="Open Sans Condensed Light" pitchFamily="2" charset="0"/>
+                <a:ea typeface="Open Sans Condensed Light" pitchFamily="2" charset="0"/>
+                <a:cs typeface="Open Sans Condensed Light" pitchFamily="2" charset="0"/>
+              </a:rPr>
+              <a:t>“This was </a:t>
+            </a:r>
+            <a:r>
+              <a:rPr lang="en-US" sz="2400" dirty="0">
+                <a:solidFill>
+                  <a:schemeClr val="accent6"/>
+                </a:solidFill>
+                <a:latin typeface="Open Sans Condensed" pitchFamily="2" charset="0"/>
+                <a:ea typeface="Open Sans Condensed" pitchFamily="2" charset="0"/>
+                <a:cs typeface="Open Sans Condensed" pitchFamily="2" charset="0"/>
+              </a:rPr>
+              <a:t>potentially</a:t>
+            </a:r>
+            <a:r>
+              <a:rPr lang="en-US" sz="2400" dirty="0">
+                <a:solidFill>
+                  <a:schemeClr val="bg1">
+                    <a:lumMod val="75000"/>
+                  </a:schemeClr>
+                </a:solidFill>
+                <a:latin typeface="Open Sans Condensed Light" pitchFamily="2" charset="0"/>
+                <a:ea typeface="Open Sans Condensed Light" pitchFamily="2" charset="0"/>
+                <a:cs typeface="Open Sans Condensed Light" pitchFamily="2" charset="0"/>
+              </a:rPr>
+              <a:t> the most </a:t>
+            </a:r>
+            <a:r>
+              <a:rPr lang="en-US" sz="2400" dirty="0">
+                <a:solidFill>
+                  <a:schemeClr val="accent4"/>
+                </a:solidFill>
+                <a:latin typeface="Open Sans Condensed" pitchFamily="2" charset="0"/>
+                <a:ea typeface="Open Sans Condensed" pitchFamily="2" charset="0"/>
+                <a:cs typeface="Open Sans Condensed" pitchFamily="2" charset="0"/>
+              </a:rPr>
+              <a:t>dangerous</a:t>
+            </a:r>
+            <a:r>
+              <a:rPr lang="en-US" sz="2400" dirty="0">
+                <a:solidFill>
+                  <a:schemeClr val="bg1">
+                    <a:lumMod val="75000"/>
+                  </a:schemeClr>
+                </a:solidFill>
+                <a:latin typeface="Open Sans Condensed" pitchFamily="2" charset="0"/>
+                <a:ea typeface="Open Sans Condensed" pitchFamily="2" charset="0"/>
+                <a:cs typeface="Open Sans Condensed" pitchFamily="2" charset="0"/>
+              </a:rPr>
+              <a:t> </a:t>
+            </a:r>
+            <a:r>
+              <a:rPr lang="en-US" sz="2400" dirty="0">
+                <a:solidFill>
+                  <a:schemeClr val="accent2"/>
+                </a:solidFill>
+                <a:latin typeface="Open Sans Condensed" pitchFamily="2" charset="0"/>
+                <a:ea typeface="Open Sans Condensed" pitchFamily="2" charset="0"/>
+                <a:cs typeface="Open Sans Condensed" pitchFamily="2" charset="0"/>
+              </a:rPr>
+              <a:t>stunt</a:t>
+            </a:r>
+            <a:r>
+              <a:rPr lang="en-US" sz="2400" dirty="0">
+                <a:solidFill>
+                  <a:schemeClr val="bg1">
+                    <a:lumMod val="75000"/>
+                  </a:schemeClr>
+                </a:solidFill>
+                <a:latin typeface="Open Sans Condensed" pitchFamily="2" charset="0"/>
+                <a:ea typeface="Open Sans Condensed" pitchFamily="2" charset="0"/>
+                <a:cs typeface="Open Sans Condensed" pitchFamily="2" charset="0"/>
+              </a:rPr>
+              <a:t> I</a:t>
+            </a:r>
+            <a:r>
+              <a:rPr lang="en-US" sz="2400" dirty="0">
+                <a:solidFill>
+                  <a:schemeClr val="bg1">
+                    <a:lumMod val="75000"/>
+                  </a:schemeClr>
+                </a:solidFill>
+                <a:latin typeface="Open Sans Condensed Light" pitchFamily="2" charset="0"/>
+                <a:ea typeface="Open Sans Condensed Light" pitchFamily="2" charset="0"/>
+                <a:cs typeface="Open Sans Condensed Light" pitchFamily="2" charset="0"/>
+              </a:rPr>
+              <a:t> have ever seen </a:t>
+            </a:r>
+            <a:r>
+              <a:rPr lang="en-US" sz="2400" dirty="0">
+                <a:solidFill>
+                  <a:schemeClr val="accent5"/>
+                </a:solidFill>
+                <a:latin typeface="Open Sans Condensed" pitchFamily="2" charset="0"/>
+                <a:ea typeface="Open Sans Condensed" pitchFamily="2" charset="0"/>
+                <a:cs typeface="Open Sans Condensed" pitchFamily="2" charset="0"/>
+              </a:rPr>
+              <a:t>someone</a:t>
+            </a:r>
+            <a:r>
+              <a:rPr lang="en-US" sz="2400" dirty="0">
+                <a:solidFill>
+                  <a:schemeClr val="bg1">
+                    <a:lumMod val="75000"/>
+                  </a:schemeClr>
+                </a:solidFill>
+                <a:latin typeface="Open Sans Condensed Light" pitchFamily="2" charset="0"/>
+                <a:ea typeface="Open Sans Condensed Light" pitchFamily="2" charset="0"/>
+                <a:cs typeface="Open Sans Condensed Light" pitchFamily="2" charset="0"/>
+              </a:rPr>
+              <a:t> do. One </a:t>
+            </a:r>
+            <a:r>
+              <a:rPr lang="en-US" sz="2400" dirty="0">
+                <a:solidFill>
+                  <a:schemeClr val="accent6"/>
+                </a:solidFill>
+                <a:latin typeface="Open Sans Condensed" pitchFamily="2" charset="0"/>
+                <a:ea typeface="Open Sans Condensed" pitchFamily="2" charset="0"/>
+                <a:cs typeface="Open Sans Condensed" pitchFamily="2" charset="0"/>
+              </a:rPr>
+              <a:t>minor</a:t>
+            </a:r>
+            <a:r>
+              <a:rPr lang="en-US" sz="2400" dirty="0">
+                <a:solidFill>
+                  <a:schemeClr val="bg1">
+                    <a:lumMod val="75000"/>
+                  </a:schemeClr>
+                </a:solidFill>
+                <a:latin typeface="Open Sans Condensed" pitchFamily="2" charset="0"/>
+                <a:ea typeface="Open Sans Condensed" pitchFamily="2" charset="0"/>
+                <a:cs typeface="Open Sans Condensed" pitchFamily="2" charset="0"/>
+              </a:rPr>
+              <a:t> </a:t>
+            </a:r>
+            <a:r>
+              <a:rPr lang="en-US" sz="2400" dirty="0">
+                <a:solidFill>
+                  <a:schemeClr val="accent2"/>
+                </a:solidFill>
+                <a:latin typeface="Open Sans Condensed" pitchFamily="2" charset="0"/>
+                <a:ea typeface="Open Sans Condensed" pitchFamily="2" charset="0"/>
+                <a:cs typeface="Open Sans Condensed" pitchFamily="2" charset="0"/>
+              </a:rPr>
+              <a:t>mistake</a:t>
+            </a:r>
+            <a:r>
+              <a:rPr lang="en-US" sz="2400" dirty="0">
+                <a:solidFill>
+                  <a:schemeClr val="bg1">
+                    <a:lumMod val="75000"/>
+                  </a:schemeClr>
+                </a:solidFill>
+                <a:latin typeface="Open Sans Condensed Light" pitchFamily="2" charset="0"/>
+                <a:ea typeface="Open Sans Condensed Light" pitchFamily="2" charset="0"/>
+                <a:cs typeface="Open Sans Condensed Light" pitchFamily="2" charset="0"/>
+              </a:rPr>
+              <a:t> and </a:t>
+            </a:r>
+            <a:r>
+              <a:rPr lang="en-US" sz="2400" dirty="0">
+                <a:solidFill>
+                  <a:schemeClr val="accent5"/>
+                </a:solidFill>
+                <a:latin typeface="Open Sans Condensed" pitchFamily="2" charset="0"/>
+                <a:ea typeface="Open Sans Condensed" pitchFamily="2" charset="0"/>
+                <a:cs typeface="Open Sans Condensed" pitchFamily="2" charset="0"/>
+              </a:rPr>
+              <a:t>you</a:t>
+            </a:r>
+            <a:r>
+              <a:rPr lang="en-US" sz="2400" dirty="0">
+                <a:solidFill>
+                  <a:schemeClr val="bg1">
+                    <a:lumMod val="75000"/>
+                  </a:schemeClr>
+                </a:solidFill>
+                <a:latin typeface="Open Sans Condensed" pitchFamily="2" charset="0"/>
+                <a:ea typeface="Open Sans Condensed" pitchFamily="2" charset="0"/>
+                <a:cs typeface="Open Sans Condensed" pitchFamily="2" charset="0"/>
+              </a:rPr>
+              <a:t> </a:t>
+            </a:r>
+            <a:r>
+              <a:rPr lang="en-US" sz="2400" dirty="0">
+                <a:solidFill>
+                  <a:schemeClr val="accent4"/>
+                </a:solidFill>
+                <a:latin typeface="Open Sans Condensed" pitchFamily="2" charset="0"/>
+                <a:ea typeface="Open Sans Condensed" pitchFamily="2" charset="0"/>
+                <a:cs typeface="Open Sans Condensed" pitchFamily="2" charset="0"/>
+              </a:rPr>
+              <a:t>die</a:t>
+            </a:r>
+            <a:r>
+              <a:rPr lang="en-US" sz="2400" dirty="0">
+                <a:solidFill>
+                  <a:schemeClr val="bg1">
+                    <a:lumMod val="75000"/>
+                  </a:schemeClr>
+                </a:solidFill>
+                <a:latin typeface="Open Sans Condensed Light" pitchFamily="2" charset="0"/>
+                <a:ea typeface="Open Sans Condensed Light" pitchFamily="2" charset="0"/>
+                <a:cs typeface="Open Sans Condensed Light" pitchFamily="2" charset="0"/>
+              </a:rPr>
+              <a:t>.”</a:t>
+            </a:r>
+          </a:p>
+        </p:txBody>
+      </p:sp>
+      <p:sp>
+        <p:nvSpPr>
+          <p:cNvPr id="6" name="TextBox 5">
+            <a:extLst>
+              <a:ext uri="{FF2B5EF4-FFF2-40B4-BE49-F238E27FC236}">
+                <a16:creationId xmlns:a16="http://schemas.microsoft.com/office/drawing/2014/main" id="{5FE6339F-2AFE-ABE0-6796-198C75DE83EF}"/>
+              </a:ext>
+            </a:extLst>
+          </p:cNvPr>
+          <p:cNvSpPr txBox="1">
+            <a:spLocks noChangeAspect="1"/>
+          </p:cNvSpPr>
+          <p:nvPr/>
+        </p:nvSpPr>
+        <p:spPr>
+          <a:xfrm>
+            <a:off x="8010293" y="468416"/>
+            <a:ext cx="3906644" cy="2677656"/>
+          </a:xfrm>
+          <a:prstGeom prst="rect">
+            <a:avLst/>
+          </a:prstGeom>
+          <a:noFill/>
+        </p:spPr>
+        <p:txBody>
+          <a:bodyPr wrap="square" rtlCol="0">
+            <a:spAutoFit/>
+          </a:bodyPr>
+          <a:lstStyle/>
+          <a:p>
+            <a:r>
+              <a:rPr lang="en-US" sz="2400" dirty="0">
+                <a:latin typeface="Open Sans Light" pitchFamily="2" charset="0"/>
+                <a:ea typeface="Open Sans Light" pitchFamily="2" charset="0"/>
+                <a:cs typeface="Open Sans Light" pitchFamily="2" charset="0"/>
+              </a:rPr>
+              <a:t>I was running my spellchecker and totally didn't realize that this was a vandalized page. Please accept my apology. I will spellcheck a little slower next time.</a:t>
+            </a:r>
+          </a:p>
+        </p:txBody>
+      </p:sp>
+      <p:sp>
+        <p:nvSpPr>
+          <p:cNvPr id="7" name="TextBox 6">
+            <a:extLst>
+              <a:ext uri="{FF2B5EF4-FFF2-40B4-BE49-F238E27FC236}">
+                <a16:creationId xmlns:a16="http://schemas.microsoft.com/office/drawing/2014/main" id="{0BF1E1DD-2E14-90F2-999A-1246349B5F28}"/>
+              </a:ext>
+            </a:extLst>
+          </p:cNvPr>
+          <p:cNvSpPr txBox="1"/>
+          <p:nvPr/>
+        </p:nvSpPr>
+        <p:spPr>
+          <a:xfrm>
+            <a:off x="451262" y="687220"/>
+            <a:ext cx="1645889" cy="1768883"/>
+          </a:xfrm>
+          <a:prstGeom prst="rect">
+            <a:avLst/>
+          </a:prstGeom>
+          <a:noFill/>
+        </p:spPr>
+        <p:txBody>
+          <a:bodyPr wrap="square">
+            <a:noAutofit/>
+          </a:bodyPr>
+          <a:lstStyle/>
+          <a:p>
+            <a:pPr algn="r"/>
+            <a:r>
+              <a:rPr lang="en-US" b="1" dirty="0">
+                <a:solidFill>
+                  <a:schemeClr val="bg1">
+                    <a:lumMod val="50000"/>
+                  </a:schemeClr>
+                </a:solidFill>
+                <a:latin typeface="Open Sans Condensed" pitchFamily="2" charset="0"/>
+                <a:ea typeface="Open Sans Condensed" pitchFamily="2" charset="0"/>
+                <a:cs typeface="Open Sans Condensed" pitchFamily="2" charset="0"/>
+              </a:rPr>
+              <a:t>Circumplex</a:t>
+            </a:r>
+          </a:p>
+          <a:p>
+            <a:pPr algn="r"/>
+            <a:r>
+              <a:rPr lang="en-US" dirty="0">
+                <a:solidFill>
+                  <a:schemeClr val="accent6"/>
+                </a:solidFill>
+                <a:latin typeface="Open Sans Condensed Light" pitchFamily="2" charset="0"/>
+                <a:ea typeface="Open Sans Condensed Light" pitchFamily="2" charset="0"/>
+                <a:cs typeface="Open Sans Condensed Light" pitchFamily="2" charset="0"/>
+              </a:rPr>
+              <a:t>↓arousal</a:t>
+            </a:r>
+            <a:endParaRPr lang="en-US" sz="1800" dirty="0">
+              <a:solidFill>
+                <a:schemeClr val="accent6"/>
+              </a:solidFill>
+              <a:latin typeface="Open Sans Condensed Light" pitchFamily="2" charset="0"/>
+              <a:ea typeface="Open Sans Condensed Light" pitchFamily="2" charset="0"/>
+              <a:cs typeface="Open Sans Condensed Light" pitchFamily="2" charset="0"/>
+            </a:endParaRPr>
+          </a:p>
+          <a:p>
+            <a:pPr algn="r"/>
+            <a:r>
+              <a:rPr lang="en-US" sz="1800" dirty="0">
+                <a:solidFill>
+                  <a:schemeClr val="accent4"/>
+                </a:solidFill>
+                <a:latin typeface="Open Sans Condensed Light" pitchFamily="2" charset="0"/>
+                <a:ea typeface="Open Sans Condensed Light" pitchFamily="2" charset="0"/>
+                <a:cs typeface="Open Sans Condensed Light" pitchFamily="2" charset="0"/>
+              </a:rPr>
+              <a:t>↑</a:t>
+            </a:r>
+            <a:r>
+              <a:rPr lang="en-US" dirty="0">
+                <a:solidFill>
+                  <a:schemeClr val="accent4"/>
+                </a:solidFill>
+                <a:latin typeface="Open Sans Condensed Light" pitchFamily="2" charset="0"/>
+                <a:ea typeface="Open Sans Condensed Light" pitchFamily="2" charset="0"/>
+                <a:cs typeface="Open Sans Condensed Light" pitchFamily="2" charset="0"/>
+              </a:rPr>
+              <a:t>arousal, ↓valence</a:t>
+            </a:r>
+          </a:p>
+          <a:p>
+            <a:pPr algn="r"/>
+            <a:r>
+              <a:rPr lang="en-US" dirty="0">
+                <a:solidFill>
+                  <a:schemeClr val="accent2"/>
+                </a:solidFill>
+                <a:latin typeface="Open Sans Condensed Light" pitchFamily="2" charset="0"/>
+                <a:ea typeface="Open Sans Condensed Light" pitchFamily="2" charset="0"/>
+                <a:cs typeface="Open Sans Condensed Light" pitchFamily="2" charset="0"/>
+              </a:rPr>
+              <a:t>↓arousal, ↓valence</a:t>
+            </a:r>
+          </a:p>
+          <a:p>
+            <a:pPr algn="r"/>
+            <a:r>
+              <a:rPr lang="en-US" sz="1800" dirty="0">
+                <a:solidFill>
+                  <a:schemeClr val="accent5"/>
+                </a:solidFill>
+                <a:latin typeface="Open Sans Condensed Light" pitchFamily="2" charset="0"/>
+                <a:ea typeface="Open Sans Condensed Light" pitchFamily="2" charset="0"/>
+                <a:cs typeface="Open Sans Condensed Light" pitchFamily="2" charset="0"/>
+              </a:rPr>
+              <a:t>↑valence</a:t>
+            </a:r>
+            <a:endParaRPr lang="en-US" dirty="0">
+              <a:solidFill>
+                <a:schemeClr val="accent5"/>
+              </a:solidFill>
+              <a:latin typeface="Open Sans Condensed Light" pitchFamily="2" charset="0"/>
+              <a:ea typeface="Open Sans Condensed Light" pitchFamily="2" charset="0"/>
+              <a:cs typeface="Open Sans Condensed Light" pitchFamily="2" charset="0"/>
+            </a:endParaRPr>
+          </a:p>
+          <a:p>
+            <a:pPr algn="r"/>
+            <a:endParaRPr lang="en-US" dirty="0">
+              <a:solidFill>
+                <a:schemeClr val="accent4"/>
+              </a:solidFill>
+              <a:latin typeface="Open Sans Condensed Light" pitchFamily="2" charset="0"/>
+              <a:ea typeface="Open Sans Condensed Light" pitchFamily="2" charset="0"/>
+              <a:cs typeface="Open Sans Condensed Light" pitchFamily="2" charset="0"/>
+            </a:endParaRPr>
+          </a:p>
+        </p:txBody>
+      </p:sp>
+      <p:cxnSp>
+        <p:nvCxnSpPr>
+          <p:cNvPr id="4" name="Straight Connector 3">
+            <a:extLst>
+              <a:ext uri="{FF2B5EF4-FFF2-40B4-BE49-F238E27FC236}">
+                <a16:creationId xmlns:a16="http://schemas.microsoft.com/office/drawing/2014/main" id="{53718FD1-E292-C5EA-2EEB-93395784472A}"/>
+              </a:ext>
+            </a:extLst>
+          </p:cNvPr>
+          <p:cNvCxnSpPr>
+            <a:cxnSpLocks/>
+          </p:cNvCxnSpPr>
+          <p:nvPr/>
+        </p:nvCxnSpPr>
+        <p:spPr>
+          <a:xfrm>
+            <a:off x="2332468" y="602166"/>
+            <a:ext cx="0" cy="1938992"/>
+          </a:xfrm>
+          <a:prstGeom prst="line">
+            <a:avLst/>
+          </a:prstGeom>
+          <a:ln>
+            <a:solidFill>
+              <a:schemeClr val="bg1">
+                <a:lumMod val="75000"/>
+              </a:schemeClr>
+            </a:solidFill>
+          </a:ln>
+        </p:spPr>
+        <p:style>
+          <a:lnRef idx="2">
+            <a:schemeClr val="accent1"/>
+          </a:lnRef>
+          <a:fillRef idx="0">
+            <a:schemeClr val="accent1"/>
+          </a:fillRef>
+          <a:effectRef idx="1">
+            <a:schemeClr val="accent1"/>
+          </a:effectRef>
+          <a:fontRef idx="minor">
+            <a:schemeClr val="tx1"/>
+          </a:fontRef>
+        </p:style>
+      </p:cxnSp>
+    </p:spTree>
+    <p:extLst>
+      <p:ext uri="{BB962C8B-B14F-4D97-AF65-F5344CB8AC3E}">
+        <p14:creationId xmlns:p14="http://schemas.microsoft.com/office/powerpoint/2010/main" val="3602659272"/>
+      </p:ext>
+    </p:extLst>
+  </p:cSld>
+  <p:clrMapOvr>
+    <a:masterClrMapping/>
+  </p:clrMapOvr>
+</p:sld>
+</file>
+
+<file path=ppt/slides/slide7.xml><?xml version="1.0" encoding="utf-8"?>
+<p:sld xmlns:a="http://schemas.openxmlformats.org/drawingml/2006/main" xmlns:r="http://schemas.openxmlformats.org/officeDocument/2006/relationships" xmlns:p="http://schemas.openxmlformats.org/presentationml/2006/main">
+  <p:cSld>
+    <p:spTree>
+      <p:nvGrpSpPr>
+        <p:cNvPr id="1" name=""/>
+        <p:cNvGrpSpPr/>
+        <p:nvPr/>
+      </p:nvGrpSpPr>
+      <p:grpSpPr>
+        <a:xfrm>
+          <a:off x="0" y="0"/>
+          <a:ext cx="0" cy="0"/>
+          <a:chOff x="0" y="0"/>
+          <a:chExt cx="0" cy="0"/>
+        </a:xfrm>
+      </p:grpSpPr>
+      <p:pic>
+        <p:nvPicPr>
+          <p:cNvPr id="3" name="Graphic 2" descr="Female Profile outline">
+            <a:extLst>
+              <a:ext uri="{FF2B5EF4-FFF2-40B4-BE49-F238E27FC236}">
+                <a16:creationId xmlns:a16="http://schemas.microsoft.com/office/drawing/2014/main" id="{BF165D4E-9374-F76B-267B-3F2BE0BC6BE5}"/>
+              </a:ext>
+            </a:extLst>
+          </p:cNvPr>
+          <p:cNvPicPr>
+            <a:picLocks noChangeAspect="1"/>
+          </p:cNvPicPr>
+          <p:nvPr/>
+        </p:nvPicPr>
+        <p:blipFill>
+          <a:blip r:embed="rId2">
+            <a:extLst>
+              <a:ext uri="{96DAC541-7B7A-43D3-8B79-37D633B846F1}">
+                <asvg:svgBlip xmlns:asvg="http://schemas.microsoft.com/office/drawing/2016/SVG/main" r:embed="rId3"/>
+              </a:ext>
+            </a:extLst>
+          </a:blip>
+          <a:stretch>
+            <a:fillRect/>
+          </a:stretch>
+        </p:blipFill>
+        <p:spPr>
+          <a:xfrm>
+            <a:off x="8096769" y="3280402"/>
+            <a:ext cx="1501442" cy="1501442"/>
+          </a:xfrm>
+          <a:prstGeom prst="rect">
+            <a:avLst/>
+          </a:prstGeom>
+        </p:spPr>
+      </p:pic>
+      <p:grpSp>
+        <p:nvGrpSpPr>
+          <p:cNvPr id="28" name="Group 27">
+            <a:extLst>
+              <a:ext uri="{FF2B5EF4-FFF2-40B4-BE49-F238E27FC236}">
+                <a16:creationId xmlns:a16="http://schemas.microsoft.com/office/drawing/2014/main" id="{E9761D53-1602-3229-5E44-B25704086577}"/>
+              </a:ext>
+            </a:extLst>
+          </p:cNvPr>
+          <p:cNvGrpSpPr/>
+          <p:nvPr/>
+        </p:nvGrpSpPr>
+        <p:grpSpPr>
+          <a:xfrm>
+            <a:off x="798984" y="1838064"/>
+            <a:ext cx="2489453" cy="2126593"/>
+            <a:chOff x="576021" y="1508496"/>
+            <a:chExt cx="2489453" cy="2126593"/>
+          </a:xfrm>
+        </p:grpSpPr>
+        <p:pic>
+          <p:nvPicPr>
+            <p:cNvPr id="11" name="Picture 10" descr="Two dogs lying on a chair&#10;&#10;Description automatically generated">
+              <a:extLst>
+                <a:ext uri="{FF2B5EF4-FFF2-40B4-BE49-F238E27FC236}">
+                  <a16:creationId xmlns:a16="http://schemas.microsoft.com/office/drawing/2014/main" id="{266DA7A1-B338-4067-CADA-4FD693E309E5}"/>
+                </a:ext>
+              </a:extLst>
+            </p:cNvPr>
+            <p:cNvPicPr>
+              <a:picLocks noChangeAspect="1"/>
+            </p:cNvPicPr>
+            <p:nvPr/>
+          </p:nvPicPr>
+          <p:blipFill>
+            <a:blip r:embed="rId4"/>
+            <a:stretch>
+              <a:fillRect/>
+            </a:stretch>
+          </p:blipFill>
+          <p:spPr>
+            <a:xfrm>
+              <a:off x="576021" y="1877828"/>
+              <a:ext cx="2489453" cy="1757261"/>
+            </a:xfrm>
+            <a:prstGeom prst="rect">
+              <a:avLst/>
+            </a:prstGeom>
+          </p:spPr>
+        </p:pic>
+        <p:sp>
+          <p:nvSpPr>
+            <p:cNvPr id="12" name="TextBox 11">
+              <a:extLst>
+                <a:ext uri="{FF2B5EF4-FFF2-40B4-BE49-F238E27FC236}">
+                  <a16:creationId xmlns:a16="http://schemas.microsoft.com/office/drawing/2014/main" id="{105AAAEF-DEE0-6C06-EB24-BB9163267738}"/>
+                </a:ext>
+              </a:extLst>
+            </p:cNvPr>
+            <p:cNvSpPr txBox="1"/>
+            <p:nvPr/>
+          </p:nvSpPr>
+          <p:spPr>
+            <a:xfrm>
+              <a:off x="576021" y="1508496"/>
+              <a:ext cx="2489452" cy="369332"/>
+            </a:xfrm>
+            <a:prstGeom prst="rect">
+              <a:avLst/>
+            </a:prstGeom>
+            <a:noFill/>
+          </p:spPr>
+          <p:txBody>
+            <a:bodyPr wrap="square" rtlCol="0">
+              <a:spAutoFit/>
+            </a:bodyPr>
+            <a:lstStyle/>
+            <a:p>
+              <a:r>
+                <a:rPr lang="en-US" dirty="0">
+                  <a:latin typeface="Times New Roman" panose="02020603050405020304" pitchFamily="18" charset="0"/>
+                  <a:cs typeface="Times New Roman" panose="02020603050405020304" pitchFamily="18" charset="0"/>
+                </a:rPr>
+                <a:t>Predicted Expert Feature</a:t>
+              </a:r>
+            </a:p>
+          </p:txBody>
+        </p:sp>
+      </p:grpSp>
+      <p:grpSp>
+        <p:nvGrpSpPr>
+          <p:cNvPr id="20" name="Group 19">
+            <a:extLst>
+              <a:ext uri="{FF2B5EF4-FFF2-40B4-BE49-F238E27FC236}">
+                <a16:creationId xmlns:a16="http://schemas.microsoft.com/office/drawing/2014/main" id="{FBC3136C-D943-2EE6-A0B0-260164D68119}"/>
+              </a:ext>
+            </a:extLst>
+          </p:cNvPr>
+          <p:cNvGrpSpPr/>
+          <p:nvPr/>
+        </p:nvGrpSpPr>
+        <p:grpSpPr>
+          <a:xfrm>
+            <a:off x="4624969" y="3005540"/>
+            <a:ext cx="2935043" cy="1992609"/>
+            <a:chOff x="4998119" y="1632551"/>
+            <a:chExt cx="2489453" cy="1690097"/>
+          </a:xfrm>
+        </p:grpSpPr>
+        <p:pic>
+          <p:nvPicPr>
+            <p:cNvPr id="7" name="Picture 6" descr="Two dogs lying on a couch&#10;&#10;Description automatically generated">
+              <a:extLst>
+                <a:ext uri="{FF2B5EF4-FFF2-40B4-BE49-F238E27FC236}">
+                  <a16:creationId xmlns:a16="http://schemas.microsoft.com/office/drawing/2014/main" id="{B32A8E2B-DABC-9835-763E-A71AB0ADD1ED}"/>
+                </a:ext>
+              </a:extLst>
+            </p:cNvPr>
+            <p:cNvPicPr>
+              <a:picLocks noChangeAspect="1"/>
+            </p:cNvPicPr>
+            <p:nvPr/>
+          </p:nvPicPr>
+          <p:blipFill rotWithShape="1">
+            <a:blip r:embed="rId5"/>
+            <a:srcRect t="13611" b="11723"/>
+            <a:stretch/>
+          </p:blipFill>
+          <p:spPr>
+            <a:xfrm>
+              <a:off x="4998120" y="1632551"/>
+              <a:ext cx="2489452" cy="1312082"/>
+            </a:xfrm>
+            <a:prstGeom prst="roundRect">
+              <a:avLst/>
+            </a:prstGeom>
+            <a:ln w="28575">
+              <a:solidFill>
+                <a:schemeClr val="accent2"/>
+              </a:solidFill>
+            </a:ln>
+          </p:spPr>
+        </p:pic>
+        <p:sp>
+          <p:nvSpPr>
+            <p:cNvPr id="13" name="TextBox 12">
+              <a:extLst>
+                <a:ext uri="{FF2B5EF4-FFF2-40B4-BE49-F238E27FC236}">
+                  <a16:creationId xmlns:a16="http://schemas.microsoft.com/office/drawing/2014/main" id="{3CDA9E6C-84D6-8AC5-AA48-A10DEBE8F667}"/>
+                </a:ext>
+              </a:extLst>
+            </p:cNvPr>
+            <p:cNvSpPr txBox="1"/>
+            <p:nvPr/>
+          </p:nvSpPr>
+          <p:spPr>
+            <a:xfrm>
+              <a:off x="4998119" y="2976061"/>
+              <a:ext cx="2489451" cy="346587"/>
+            </a:xfrm>
+            <a:prstGeom prst="roundRect">
+              <a:avLst/>
+            </a:prstGeom>
+            <a:noFill/>
+          </p:spPr>
+          <p:txBody>
+            <a:bodyPr wrap="square" rtlCol="0">
+              <a:spAutoFit/>
+            </a:bodyPr>
+            <a:lstStyle/>
+            <a:p>
+              <a:pPr algn="ctr"/>
+              <a:r>
+                <a:rPr lang="en-US" dirty="0">
+                  <a:latin typeface="Times New Roman" panose="02020603050405020304" pitchFamily="18" charset="0"/>
+                  <a:cs typeface="Times New Roman" panose="02020603050405020304" pitchFamily="18" charset="0"/>
+                </a:rPr>
+                <a:t>Expert Annotation</a:t>
+              </a:r>
+            </a:p>
+          </p:txBody>
+        </p:sp>
+      </p:grpSp>
+      <p:grpSp>
+        <p:nvGrpSpPr>
+          <p:cNvPr id="21" name="Group 20">
+            <a:extLst>
+              <a:ext uri="{FF2B5EF4-FFF2-40B4-BE49-F238E27FC236}">
+                <a16:creationId xmlns:a16="http://schemas.microsoft.com/office/drawing/2014/main" id="{CD69F952-35E0-2A0C-EF12-1AB0ACF9F4EB}"/>
+              </a:ext>
+            </a:extLst>
+          </p:cNvPr>
+          <p:cNvGrpSpPr/>
+          <p:nvPr/>
+        </p:nvGrpSpPr>
+        <p:grpSpPr>
+          <a:xfrm>
+            <a:off x="4624969" y="1286075"/>
+            <a:ext cx="2935043" cy="1392798"/>
+            <a:chOff x="3902657" y="3083429"/>
+            <a:chExt cx="2935043" cy="1392798"/>
+          </a:xfrm>
+        </p:grpSpPr>
+        <p:sp>
+          <p:nvSpPr>
+            <p:cNvPr id="14" name="TextBox 13">
+              <a:extLst>
+                <a:ext uri="{FF2B5EF4-FFF2-40B4-BE49-F238E27FC236}">
+                  <a16:creationId xmlns:a16="http://schemas.microsoft.com/office/drawing/2014/main" id="{8AA7658A-F5A6-3E2A-C46A-5ACD29CBFA3E}"/>
+                </a:ext>
+              </a:extLst>
+            </p:cNvPr>
+            <p:cNvSpPr txBox="1"/>
+            <p:nvPr/>
+          </p:nvSpPr>
+          <p:spPr>
+            <a:xfrm>
+              <a:off x="4131049" y="3083429"/>
+              <a:ext cx="2478256" cy="408623"/>
+            </a:xfrm>
+            <a:prstGeom prst="roundRect">
+              <a:avLst/>
+            </a:prstGeom>
+            <a:noFill/>
+          </p:spPr>
+          <p:txBody>
+            <a:bodyPr wrap="none" rtlCol="0">
+              <a:spAutoFit/>
+            </a:bodyPr>
+            <a:lstStyle/>
+            <a:p>
+              <a:pPr algn="ctr"/>
+              <a:r>
+                <a:rPr lang="en-US" dirty="0">
+                  <a:latin typeface="Times New Roman" panose="02020603050405020304" pitchFamily="18" charset="0"/>
+                  <a:cs typeface="Times New Roman" panose="02020603050405020304" pitchFamily="18" charset="0"/>
+                </a:rPr>
+                <a:t>Expert Scoring Function</a:t>
+              </a:r>
+            </a:p>
+          </p:txBody>
+        </p:sp>
+        <mc:AlternateContent xmlns:mc="http://schemas.openxmlformats.org/markup-compatibility/2006" xmlns:a14="http://schemas.microsoft.com/office/drawing/2010/main">
+          <mc:Choice Requires="a14">
+            <p:sp>
+              <p:nvSpPr>
+                <p:cNvPr id="17" name="TextBox 16">
+                  <a:extLst>
+                    <a:ext uri="{FF2B5EF4-FFF2-40B4-BE49-F238E27FC236}">
+                      <a16:creationId xmlns:a16="http://schemas.microsoft.com/office/drawing/2014/main" id="{81861B9A-8DC9-FCA2-2B2F-E6605A13B646}"/>
+                    </a:ext>
+                  </a:extLst>
+                </p:cNvPr>
+                <p:cNvSpPr txBox="1"/>
+                <p:nvPr/>
+              </p:nvSpPr>
+              <p:spPr>
+                <a:xfrm>
+                  <a:off x="3902657" y="3479713"/>
+                  <a:ext cx="2935043" cy="996514"/>
+                </a:xfrm>
+                <a:prstGeom prst="roundRect">
+                  <a:avLst/>
+                </a:prstGeom>
+                <a:solidFill>
+                  <a:schemeClr val="tx2">
+                    <a:lumMod val="10000"/>
+                    <a:lumOff val="90000"/>
+                  </a:schemeClr>
+                </a:solidFill>
+                <a:ln w="28575">
+                  <a:solidFill>
+                    <a:schemeClr val="tx2">
+                      <a:lumMod val="50000"/>
+                      <a:lumOff val="50000"/>
+                    </a:schemeClr>
+                  </a:solidFill>
+                </a:ln>
+              </p:spPr>
+              <p:txBody>
+                <a:bodyPr wrap="square">
+                  <a:spAutoFit/>
+                </a:bodyPr>
+                <a:lstStyle/>
+                <a:p>
+                  <a:pPr/>
+                  <a14:m>
+                    <m:oMathPara xmlns:m="http://schemas.openxmlformats.org/officeDocument/2006/math">
+                      <m:oMathParaPr>
+                        <m:jc m:val="centerGroup"/>
+                      </m:oMathParaPr>
+                      <m:oMath xmlns:m="http://schemas.openxmlformats.org/officeDocument/2006/math">
+                        <m:sSub>
+                          <m:sSubPr>
+                            <m:ctrlPr>
+                              <a:rPr lang="en-US" sz="4800" b="0" i="1" smtClean="0">
+                                <a:latin typeface="Cambria Math" panose="02040503050406030204" pitchFamily="18" charset="0"/>
+                                <a:cs typeface="Times New Roman" panose="02020603050405020304" pitchFamily="18" charset="0"/>
+                              </a:rPr>
+                            </m:ctrlPr>
+                          </m:sSubPr>
+                          <m:e>
+                            <m:r>
+                              <a:rPr lang="en-US" sz="4800" b="0" i="1" smtClean="0">
+                                <a:latin typeface="Cambria Math" panose="02040503050406030204" pitchFamily="18" charset="0"/>
+                                <a:cs typeface="Times New Roman" panose="02020603050405020304" pitchFamily="18" charset="0"/>
+                              </a:rPr>
+                              <m:t>𝑓</m:t>
+                            </m:r>
+                          </m:e>
+                          <m:sub>
+                            <m:r>
+                              <m:rPr>
+                                <m:sty m:val="p"/>
+                              </m:rPr>
+                              <a:rPr lang="en-US" sz="4800" b="0" i="0" smtClean="0">
+                                <a:latin typeface="Cambria Math" panose="02040503050406030204" pitchFamily="18" charset="0"/>
+                                <a:cs typeface="Times New Roman" panose="02020603050405020304" pitchFamily="18" charset="0"/>
+                              </a:rPr>
+                              <m:t>align</m:t>
+                            </m:r>
+                          </m:sub>
+                        </m:sSub>
+                        <m:r>
+                          <a:rPr lang="en-US" sz="4800" b="0" i="0" smtClean="0">
+                            <a:latin typeface="Cambria Math" panose="02040503050406030204" pitchFamily="18" charset="0"/>
+                            <a:cs typeface="Times New Roman" panose="02020603050405020304" pitchFamily="18" charset="0"/>
+                          </a:rPr>
+                          <m:t>(</m:t>
+                        </m:r>
+                        <m:r>
+                          <a:rPr lang="en-US" sz="4800" b="0" i="1" smtClean="0">
+                            <a:latin typeface="Cambria Math" panose="02040503050406030204" pitchFamily="18" charset="0"/>
+                            <a:cs typeface="Times New Roman" panose="02020603050405020304" pitchFamily="18" charset="0"/>
+                          </a:rPr>
+                          <m:t>       </m:t>
+                        </m:r>
+                        <m:r>
+                          <a:rPr lang="en-US" sz="4800" b="0" i="0" smtClean="0">
+                            <a:latin typeface="Cambria Math" panose="02040503050406030204" pitchFamily="18" charset="0"/>
+                            <a:cs typeface="Times New Roman" panose="02020603050405020304" pitchFamily="18" charset="0"/>
+                          </a:rPr>
+                          <m:t>)</m:t>
+                        </m:r>
+                      </m:oMath>
+                    </m:oMathPara>
+                  </a14:m>
+                  <a:endParaRPr lang="en-US" sz="4800" dirty="0"/>
+                </a:p>
+              </p:txBody>
+            </p:sp>
+          </mc:Choice>
+          <mc:Fallback xmlns="">
+            <p:sp>
+              <p:nvSpPr>
+                <p:cNvPr id="17" name="TextBox 16">
+                  <a:extLst>
+                    <a:ext uri="{FF2B5EF4-FFF2-40B4-BE49-F238E27FC236}">
+                      <a16:creationId xmlns:a16="http://schemas.microsoft.com/office/drawing/2014/main" id="{81861B9A-8DC9-FCA2-2B2F-E6605A13B646}"/>
+                    </a:ext>
+                  </a:extLst>
+                </p:cNvPr>
+                <p:cNvSpPr txBox="1">
+                  <a:spLocks noRot="1" noChangeAspect="1" noMove="1" noResize="1" noEditPoints="1" noAdjustHandles="1" noChangeArrowheads="1" noChangeShapeType="1" noTextEdit="1"/>
+                </p:cNvSpPr>
+                <p:nvPr/>
+              </p:nvSpPr>
+              <p:spPr>
+                <a:xfrm>
+                  <a:off x="3902657" y="3479713"/>
+                  <a:ext cx="2935043" cy="996514"/>
+                </a:xfrm>
+                <a:prstGeom prst="roundRect">
+                  <a:avLst/>
+                </a:prstGeom>
+                <a:blipFill>
+                  <a:blip r:embed="rId6"/>
+                  <a:stretch>
+                    <a:fillRect l="-4701" r="-8547" b="-9756"/>
+                  </a:stretch>
+                </a:blipFill>
+                <a:ln w="28575">
+                  <a:solidFill>
+                    <a:schemeClr val="tx2">
+                      <a:lumMod val="50000"/>
+                      <a:lumOff val="50000"/>
+                    </a:schemeClr>
+                  </a:solidFill>
+                </a:ln>
+              </p:spPr>
+              <p:txBody>
+                <a:bodyPr/>
+                <a:lstStyle/>
+                <a:p>
+                  <a:r>
+                    <a:rPr lang="en-US">
+                      <a:noFill/>
+                    </a:rPr>
+                    <a:t> </a:t>
+                  </a:r>
+                </a:p>
+              </p:txBody>
+            </p:sp>
+          </mc:Fallback>
+        </mc:AlternateContent>
+        <p:pic>
+          <p:nvPicPr>
+            <p:cNvPr id="15" name="Picture 14" descr="Two dogs lying on a chair&#10;&#10;Description automatically generated">
+              <a:extLst>
+                <a:ext uri="{FF2B5EF4-FFF2-40B4-BE49-F238E27FC236}">
+                  <a16:creationId xmlns:a16="http://schemas.microsoft.com/office/drawing/2014/main" id="{D4BA045E-A79A-5D0C-FE7C-D64C2027B626}"/>
+                </a:ext>
+              </a:extLst>
+            </p:cNvPr>
+            <p:cNvPicPr>
+              <a:picLocks noChangeAspect="1"/>
+            </p:cNvPicPr>
+            <p:nvPr/>
+          </p:nvPicPr>
+          <p:blipFill>
+            <a:blip r:embed="rId4"/>
+            <a:stretch>
+              <a:fillRect/>
+            </a:stretch>
+          </p:blipFill>
+          <p:spPr>
+            <a:xfrm>
+              <a:off x="5599475" y="3675431"/>
+              <a:ext cx="824022" cy="581662"/>
+            </a:xfrm>
+            <a:prstGeom prst="roundRect">
+              <a:avLst/>
+            </a:prstGeom>
+          </p:spPr>
+        </p:pic>
+      </p:grpSp>
+      <p:cxnSp>
+        <p:nvCxnSpPr>
+          <p:cNvPr id="23" name="Straight Arrow Connector 22">
+            <a:extLst>
+              <a:ext uri="{FF2B5EF4-FFF2-40B4-BE49-F238E27FC236}">
+                <a16:creationId xmlns:a16="http://schemas.microsoft.com/office/drawing/2014/main" id="{BC82587A-DCEE-1580-89DE-4ED7A7FA97F7}"/>
+              </a:ext>
+            </a:extLst>
+          </p:cNvPr>
+          <p:cNvCxnSpPr/>
+          <p:nvPr/>
+        </p:nvCxnSpPr>
+        <p:spPr>
+          <a:xfrm flipV="1">
+            <a:off x="3467753" y="2108127"/>
+            <a:ext cx="977900" cy="977900"/>
+          </a:xfrm>
+          <a:prstGeom prst="straightConnector1">
+            <a:avLst/>
+          </a:prstGeom>
+          <a:ln>
+            <a:tailEnd type="triangle"/>
+          </a:ln>
+        </p:spPr>
+        <p:style>
+          <a:lnRef idx="2">
+            <a:schemeClr val="dk1"/>
+          </a:lnRef>
+          <a:fillRef idx="0">
+            <a:schemeClr val="dk1"/>
+          </a:fillRef>
+          <a:effectRef idx="1">
+            <a:schemeClr val="dk1"/>
+          </a:effectRef>
+          <a:fontRef idx="minor">
+            <a:schemeClr val="tx1"/>
+          </a:fontRef>
+        </p:style>
+      </p:cxnSp>
+      <p:cxnSp>
+        <p:nvCxnSpPr>
+          <p:cNvPr id="27" name="Straight Arrow Connector 26">
+            <a:extLst>
+              <a:ext uri="{FF2B5EF4-FFF2-40B4-BE49-F238E27FC236}">
+                <a16:creationId xmlns:a16="http://schemas.microsoft.com/office/drawing/2014/main" id="{5B8FA5C5-6FDD-0766-6280-4A02554BC9B9}"/>
+              </a:ext>
+            </a:extLst>
+          </p:cNvPr>
+          <p:cNvCxnSpPr/>
+          <p:nvPr/>
+        </p:nvCxnSpPr>
+        <p:spPr>
+          <a:xfrm>
+            <a:off x="3454998" y="3095915"/>
+            <a:ext cx="1009576" cy="1009576"/>
+          </a:xfrm>
+          <a:prstGeom prst="straightConnector1">
+            <a:avLst/>
+          </a:prstGeom>
+          <a:ln>
+            <a:tailEnd type="triangle"/>
+          </a:ln>
+        </p:spPr>
+        <p:style>
+          <a:lnRef idx="2">
+            <a:schemeClr val="dk1"/>
+          </a:lnRef>
+          <a:fillRef idx="0">
+            <a:schemeClr val="dk1"/>
+          </a:fillRef>
+          <a:effectRef idx="1">
+            <a:schemeClr val="dk1"/>
+          </a:effectRef>
+          <a:fontRef idx="minor">
+            <a:schemeClr val="tx1"/>
+          </a:fontRef>
+        </p:style>
+      </p:cxnSp>
+      <p:sp>
+        <p:nvSpPr>
+          <p:cNvPr id="35" name="TextBox 34">
+            <a:extLst>
+              <a:ext uri="{FF2B5EF4-FFF2-40B4-BE49-F238E27FC236}">
+                <a16:creationId xmlns:a16="http://schemas.microsoft.com/office/drawing/2014/main" id="{9C455D3D-40C8-017C-6682-6A762D553158}"/>
+              </a:ext>
+            </a:extLst>
+          </p:cNvPr>
+          <p:cNvSpPr txBox="1"/>
+          <p:nvPr/>
+        </p:nvSpPr>
+        <p:spPr>
+          <a:xfrm rot="18900000">
+            <a:off x="3219444" y="2284906"/>
+            <a:ext cx="1114470" cy="369332"/>
+          </a:xfrm>
+          <a:prstGeom prst="rect">
+            <a:avLst/>
+          </a:prstGeom>
+          <a:noFill/>
+        </p:spPr>
+        <p:txBody>
+          <a:bodyPr wrap="square" rtlCol="0">
+            <a:spAutoFit/>
+          </a:bodyPr>
+          <a:lstStyle/>
+          <a:p>
+            <a:pPr algn="ctr"/>
+            <a:r>
+              <a:rPr lang="en-US" dirty="0">
+                <a:latin typeface="Times New Roman" panose="02020603050405020304" pitchFamily="18" charset="0"/>
+                <a:cs typeface="Times New Roman" panose="02020603050405020304" pitchFamily="18" charset="0"/>
+              </a:rPr>
+              <a:t>Implicit</a:t>
+            </a:r>
+          </a:p>
+        </p:txBody>
+      </p:sp>
+      <p:sp>
+        <p:nvSpPr>
+          <p:cNvPr id="36" name="TextBox 35">
+            <a:extLst>
+              <a:ext uri="{FF2B5EF4-FFF2-40B4-BE49-F238E27FC236}">
+                <a16:creationId xmlns:a16="http://schemas.microsoft.com/office/drawing/2014/main" id="{5B2B9CD3-930B-1BC6-512B-F86215A3AE02}"/>
+              </a:ext>
+            </a:extLst>
+          </p:cNvPr>
+          <p:cNvSpPr txBox="1"/>
+          <p:nvPr/>
+        </p:nvSpPr>
+        <p:spPr>
+          <a:xfrm rot="2700000">
+            <a:off x="3243216" y="3531279"/>
+            <a:ext cx="1114470" cy="369332"/>
+          </a:xfrm>
+          <a:prstGeom prst="rect">
+            <a:avLst/>
+          </a:prstGeom>
+          <a:noFill/>
+        </p:spPr>
+        <p:txBody>
+          <a:bodyPr wrap="square" rtlCol="0">
+            <a:spAutoFit/>
+          </a:bodyPr>
+          <a:lstStyle/>
+          <a:p>
+            <a:pPr algn="ctr"/>
+            <a:r>
+              <a:rPr lang="en-US" dirty="0">
+                <a:latin typeface="Times New Roman" panose="02020603050405020304" pitchFamily="18" charset="0"/>
+                <a:cs typeface="Times New Roman" panose="02020603050405020304" pitchFamily="18" charset="0"/>
+              </a:rPr>
+              <a:t>Explicit</a:t>
+            </a:r>
+          </a:p>
+        </p:txBody>
+      </p:sp>
+      <p:sp>
+        <p:nvSpPr>
+          <p:cNvPr id="37" name="Oval 36">
+            <a:extLst>
+              <a:ext uri="{FF2B5EF4-FFF2-40B4-BE49-F238E27FC236}">
+                <a16:creationId xmlns:a16="http://schemas.microsoft.com/office/drawing/2014/main" id="{6CD35791-002B-40CD-84BA-F40E7FBB34B5}"/>
+              </a:ext>
+            </a:extLst>
+          </p:cNvPr>
+          <p:cNvSpPr/>
+          <p:nvPr/>
+        </p:nvSpPr>
+        <p:spPr>
+          <a:xfrm>
+            <a:off x="8174626" y="2735572"/>
+            <a:ext cx="219828" cy="219828"/>
+          </a:xfrm>
+          <a:prstGeom prst="ellipse">
+            <a:avLst/>
+          </a:prstGeom>
+          <a:noFill/>
+          <a:ln w="28575">
+            <a:solidFill>
+              <a:schemeClr val="tx2">
+                <a:lumMod val="50000"/>
+                <a:lumOff val="50000"/>
+              </a:schemeClr>
+            </a:solidFill>
+          </a:ln>
+        </p:spPr>
+        <p:style>
+          <a:lnRef idx="2">
+            <a:schemeClr val="accent1">
+              <a:shade val="15000"/>
+            </a:schemeClr>
+          </a:lnRef>
+          <a:fillRef idx="1">
+            <a:schemeClr val="accent1"/>
+          </a:fillRef>
+          <a:effectRef idx="0">
+            <a:schemeClr val="accent1"/>
+          </a:effectRef>
+          <a:fontRef idx="minor">
+            <a:schemeClr val="lt1"/>
+          </a:fontRef>
+        </p:style>
+        <p:txBody>
+          <a:bodyPr rtlCol="0" anchor="ctr"/>
+          <a:lstStyle/>
+          <a:p>
+            <a:pPr algn="ctr"/>
+            <a:endParaRPr lang="en-US"/>
+          </a:p>
+        </p:txBody>
+      </p:sp>
+      <p:sp>
+        <p:nvSpPr>
+          <p:cNvPr id="38" name="Oval 37">
+            <a:extLst>
+              <a:ext uri="{FF2B5EF4-FFF2-40B4-BE49-F238E27FC236}">
+                <a16:creationId xmlns:a16="http://schemas.microsoft.com/office/drawing/2014/main" id="{3115218F-6DC4-E2C0-DF9A-45B7F8B35BB0}"/>
+              </a:ext>
+            </a:extLst>
+          </p:cNvPr>
+          <p:cNvSpPr/>
+          <p:nvPr/>
+        </p:nvSpPr>
+        <p:spPr>
+          <a:xfrm>
+            <a:off x="7726433" y="2524489"/>
+            <a:ext cx="317548" cy="317548"/>
+          </a:xfrm>
+          <a:prstGeom prst="ellipse">
+            <a:avLst/>
+          </a:prstGeom>
+          <a:noFill/>
+          <a:ln w="28575">
+            <a:solidFill>
+              <a:schemeClr val="tx2">
+                <a:lumMod val="50000"/>
+                <a:lumOff val="50000"/>
+              </a:schemeClr>
+            </a:solidFill>
+          </a:ln>
+        </p:spPr>
+        <p:style>
+          <a:lnRef idx="2">
+            <a:schemeClr val="accent1">
+              <a:shade val="15000"/>
+            </a:schemeClr>
+          </a:lnRef>
+          <a:fillRef idx="1">
+            <a:schemeClr val="accent1"/>
+          </a:fillRef>
+          <a:effectRef idx="0">
+            <a:schemeClr val="accent1"/>
+          </a:effectRef>
+          <a:fontRef idx="minor">
+            <a:schemeClr val="lt1"/>
+          </a:fontRef>
+        </p:style>
+        <p:txBody>
+          <a:bodyPr rtlCol="0" anchor="ctr"/>
+          <a:lstStyle/>
+          <a:p>
+            <a:pPr algn="ctr"/>
+            <a:endParaRPr lang="en-US"/>
+          </a:p>
+        </p:txBody>
+      </p:sp>
+      <p:sp>
+        <p:nvSpPr>
+          <p:cNvPr id="39" name="Oval 38">
+            <a:extLst>
+              <a:ext uri="{FF2B5EF4-FFF2-40B4-BE49-F238E27FC236}">
+                <a16:creationId xmlns:a16="http://schemas.microsoft.com/office/drawing/2014/main" id="{61211854-F6FD-3EEA-A2B0-84FE9F3A6963}"/>
+              </a:ext>
+            </a:extLst>
+          </p:cNvPr>
+          <p:cNvSpPr/>
+          <p:nvPr/>
+        </p:nvSpPr>
+        <p:spPr>
+          <a:xfrm>
+            <a:off x="8092690" y="3417426"/>
+            <a:ext cx="164695" cy="164695"/>
+          </a:xfrm>
+          <a:prstGeom prst="ellipse">
+            <a:avLst/>
+          </a:prstGeom>
+          <a:noFill/>
+          <a:ln w="28575">
+            <a:solidFill>
+              <a:schemeClr val="accent2"/>
+            </a:solidFill>
+          </a:ln>
+        </p:spPr>
+        <p:style>
+          <a:lnRef idx="2">
+            <a:schemeClr val="accent1">
+              <a:shade val="15000"/>
+            </a:schemeClr>
+          </a:lnRef>
+          <a:fillRef idx="1">
+            <a:schemeClr val="accent1"/>
+          </a:fillRef>
+          <a:effectRef idx="0">
+            <a:schemeClr val="accent1"/>
+          </a:effectRef>
+          <a:fontRef idx="minor">
+            <a:schemeClr val="lt1"/>
+          </a:fontRef>
+        </p:style>
+        <p:txBody>
+          <a:bodyPr rtlCol="0" anchor="ctr"/>
+          <a:lstStyle/>
+          <a:p>
+            <a:pPr algn="ctr"/>
+            <a:endParaRPr lang="en-US"/>
+          </a:p>
+        </p:txBody>
+      </p:sp>
+      <p:sp>
+        <p:nvSpPr>
+          <p:cNvPr id="40" name="Oval 39">
+            <a:extLst>
+              <a:ext uri="{FF2B5EF4-FFF2-40B4-BE49-F238E27FC236}">
+                <a16:creationId xmlns:a16="http://schemas.microsoft.com/office/drawing/2014/main" id="{FA000778-9928-2865-8085-3FB20BA10D07}"/>
+              </a:ext>
+            </a:extLst>
+          </p:cNvPr>
+          <p:cNvSpPr/>
+          <p:nvPr/>
+        </p:nvSpPr>
+        <p:spPr>
+          <a:xfrm>
+            <a:off x="7667284" y="3462867"/>
+            <a:ext cx="317548" cy="317548"/>
+          </a:xfrm>
+          <a:prstGeom prst="ellipse">
+            <a:avLst/>
+          </a:prstGeom>
+          <a:noFill/>
+          <a:ln w="28575">
+            <a:solidFill>
+              <a:schemeClr val="accent2"/>
+            </a:solidFill>
+          </a:ln>
+        </p:spPr>
+        <p:style>
+          <a:lnRef idx="2">
+            <a:schemeClr val="accent1">
+              <a:shade val="15000"/>
+            </a:schemeClr>
+          </a:lnRef>
+          <a:fillRef idx="1">
+            <a:schemeClr val="accent1"/>
+          </a:fillRef>
+          <a:effectRef idx="0">
+            <a:schemeClr val="accent1"/>
+          </a:effectRef>
+          <a:fontRef idx="minor">
+            <a:schemeClr val="lt1"/>
+          </a:fontRef>
+        </p:style>
+        <p:txBody>
+          <a:bodyPr rtlCol="0" anchor="ctr"/>
+          <a:lstStyle/>
+          <a:p>
+            <a:pPr algn="ctr"/>
+            <a:endParaRPr lang="en-US"/>
+          </a:p>
+        </p:txBody>
+      </p:sp>
+      <p:sp>
+        <p:nvSpPr>
+          <p:cNvPr id="41" name="Oval 40">
+            <a:extLst>
+              <a:ext uri="{FF2B5EF4-FFF2-40B4-BE49-F238E27FC236}">
+                <a16:creationId xmlns:a16="http://schemas.microsoft.com/office/drawing/2014/main" id="{752013EF-6604-A0BF-B681-B1C9D3EE795E}"/>
+              </a:ext>
+            </a:extLst>
+          </p:cNvPr>
+          <p:cNvSpPr/>
+          <p:nvPr/>
+        </p:nvSpPr>
+        <p:spPr>
+          <a:xfrm>
+            <a:off x="8420423" y="3011052"/>
+            <a:ext cx="140967" cy="140967"/>
+          </a:xfrm>
+          <a:prstGeom prst="ellipse">
+            <a:avLst/>
+          </a:prstGeom>
+          <a:noFill/>
+          <a:ln w="28575">
+            <a:solidFill>
+              <a:schemeClr val="tx2">
+                <a:lumMod val="50000"/>
+                <a:lumOff val="50000"/>
+              </a:schemeClr>
+            </a:solidFill>
+          </a:ln>
+        </p:spPr>
+        <p:style>
+          <a:lnRef idx="2">
+            <a:schemeClr val="accent1">
+              <a:shade val="15000"/>
+            </a:schemeClr>
+          </a:lnRef>
+          <a:fillRef idx="1">
+            <a:schemeClr val="accent1"/>
+          </a:fillRef>
+          <a:effectRef idx="0">
+            <a:schemeClr val="accent1"/>
+          </a:effectRef>
+          <a:fontRef idx="minor">
+            <a:schemeClr val="lt1"/>
+          </a:fontRef>
+        </p:style>
+        <p:txBody>
+          <a:bodyPr rtlCol="0" anchor="ctr"/>
+          <a:lstStyle/>
+          <a:p>
+            <a:pPr algn="ctr"/>
+            <a:endParaRPr lang="en-US"/>
+          </a:p>
+        </p:txBody>
+      </p:sp>
+      <p:sp>
+        <p:nvSpPr>
+          <p:cNvPr id="44" name="Oval 43">
+            <a:extLst>
+              <a:ext uri="{FF2B5EF4-FFF2-40B4-BE49-F238E27FC236}">
+                <a16:creationId xmlns:a16="http://schemas.microsoft.com/office/drawing/2014/main" id="{00F5FB79-D118-ADFB-BC2C-D06D296CB529}"/>
+              </a:ext>
+            </a:extLst>
+          </p:cNvPr>
+          <p:cNvSpPr/>
+          <p:nvPr/>
+        </p:nvSpPr>
+        <p:spPr>
+          <a:xfrm>
+            <a:off x="8365896" y="3539918"/>
+            <a:ext cx="87512" cy="87512"/>
+          </a:xfrm>
+          <a:prstGeom prst="ellipse">
+            <a:avLst/>
+          </a:prstGeom>
+          <a:noFill/>
+          <a:ln w="28575">
+            <a:solidFill>
+              <a:schemeClr val="accent2"/>
+            </a:solidFill>
+          </a:ln>
+        </p:spPr>
+        <p:style>
+          <a:lnRef idx="2">
+            <a:schemeClr val="accent1">
+              <a:shade val="15000"/>
+            </a:schemeClr>
+          </a:lnRef>
+          <a:fillRef idx="1">
+            <a:schemeClr val="accent1"/>
+          </a:fillRef>
+          <a:effectRef idx="0">
+            <a:schemeClr val="accent1"/>
+          </a:effectRef>
+          <a:fontRef idx="minor">
+            <a:schemeClr val="lt1"/>
+          </a:fontRef>
+        </p:style>
+        <p:txBody>
+          <a:bodyPr rtlCol="0" anchor="ctr"/>
+          <a:lstStyle/>
+          <a:p>
+            <a:pPr algn="ctr"/>
+            <a:endParaRPr lang="en-US"/>
+          </a:p>
+        </p:txBody>
+      </p:sp>
+      <p:sp>
+        <p:nvSpPr>
+          <p:cNvPr id="45" name="Oval 44">
+            <a:extLst>
+              <a:ext uri="{FF2B5EF4-FFF2-40B4-BE49-F238E27FC236}">
+                <a16:creationId xmlns:a16="http://schemas.microsoft.com/office/drawing/2014/main" id="{8936AB2E-BCDF-01E6-63A0-AFF02CEE7628}"/>
+              </a:ext>
+            </a:extLst>
+          </p:cNvPr>
+          <p:cNvSpPr/>
+          <p:nvPr/>
+        </p:nvSpPr>
+        <p:spPr>
+          <a:xfrm>
+            <a:off x="8553152" y="3248099"/>
+            <a:ext cx="87512" cy="87512"/>
+          </a:xfrm>
+          <a:prstGeom prst="ellipse">
+            <a:avLst/>
+          </a:prstGeom>
+          <a:noFill/>
+          <a:ln w="28575">
+            <a:solidFill>
+              <a:schemeClr val="tx2">
+                <a:lumMod val="50000"/>
+                <a:lumOff val="50000"/>
+              </a:schemeClr>
+            </a:solidFill>
+          </a:ln>
+        </p:spPr>
+        <p:style>
+          <a:lnRef idx="2">
+            <a:schemeClr val="accent1">
+              <a:shade val="15000"/>
+            </a:schemeClr>
+          </a:lnRef>
+          <a:fillRef idx="1">
+            <a:schemeClr val="accent1"/>
+          </a:fillRef>
+          <a:effectRef idx="0">
+            <a:schemeClr val="accent1"/>
+          </a:effectRef>
+          <a:fontRef idx="minor">
+            <a:schemeClr val="lt1"/>
+          </a:fontRef>
+        </p:style>
+        <p:txBody>
+          <a:bodyPr rtlCol="0" anchor="ctr"/>
+          <a:lstStyle/>
+          <a:p>
+            <a:pPr algn="ctr"/>
+            <a:endParaRPr lang="en-US"/>
+          </a:p>
+        </p:txBody>
+      </p:sp>
+      <p:sp>
+        <p:nvSpPr>
+          <p:cNvPr id="46" name="TextBox 45">
+            <a:extLst>
+              <a:ext uri="{FF2B5EF4-FFF2-40B4-BE49-F238E27FC236}">
+                <a16:creationId xmlns:a16="http://schemas.microsoft.com/office/drawing/2014/main" id="{C66565F9-C9CB-7DB1-3E48-B6331BC75DA9}"/>
+              </a:ext>
+            </a:extLst>
+          </p:cNvPr>
+          <p:cNvSpPr txBox="1"/>
+          <p:nvPr/>
+        </p:nvSpPr>
+        <p:spPr>
+          <a:xfrm>
+            <a:off x="7992118" y="4592030"/>
+            <a:ext cx="1710744" cy="369332"/>
+          </a:xfrm>
+          <a:prstGeom prst="rect">
+            <a:avLst/>
+          </a:prstGeom>
+          <a:noFill/>
+        </p:spPr>
+        <p:txBody>
+          <a:bodyPr wrap="square" rtlCol="0">
+            <a:spAutoFit/>
+          </a:bodyPr>
+          <a:lstStyle/>
+          <a:p>
+            <a:pPr algn="ctr"/>
+            <a:r>
+              <a:rPr lang="en-US" dirty="0">
+                <a:latin typeface="Times New Roman" panose="02020603050405020304" pitchFamily="18" charset="0"/>
+                <a:cs typeface="Times New Roman" panose="02020603050405020304" pitchFamily="18" charset="0"/>
+              </a:rPr>
+              <a:t>Domain Expert</a:t>
+            </a:r>
+          </a:p>
+        </p:txBody>
+      </p:sp>
+      <p:grpSp>
+        <p:nvGrpSpPr>
+          <p:cNvPr id="50" name="Group 49">
+            <a:extLst>
+              <a:ext uri="{FF2B5EF4-FFF2-40B4-BE49-F238E27FC236}">
+                <a16:creationId xmlns:a16="http://schemas.microsoft.com/office/drawing/2014/main" id="{07B950D3-776B-2B6E-642D-E8FE7D44D324}"/>
+              </a:ext>
+            </a:extLst>
+          </p:cNvPr>
+          <p:cNvGrpSpPr/>
+          <p:nvPr/>
+        </p:nvGrpSpPr>
+        <p:grpSpPr>
+          <a:xfrm>
+            <a:off x="8807283" y="1286075"/>
+            <a:ext cx="1463265" cy="1429177"/>
+            <a:chOff x="9132166" y="1385703"/>
+            <a:chExt cx="1576024" cy="1539309"/>
+          </a:xfrm>
+        </p:grpSpPr>
+        <p:pic>
+          <p:nvPicPr>
+            <p:cNvPr id="48" name="Picture 47">
+              <a:extLst>
+                <a:ext uri="{FF2B5EF4-FFF2-40B4-BE49-F238E27FC236}">
+                  <a16:creationId xmlns:a16="http://schemas.microsoft.com/office/drawing/2014/main" id="{8EBC454D-F64C-D7CB-479C-3027733546B9}"/>
+                </a:ext>
+              </a:extLst>
+            </p:cNvPr>
+            <p:cNvPicPr>
+              <a:picLocks noChangeAspect="1"/>
+            </p:cNvPicPr>
+            <p:nvPr/>
+          </p:nvPicPr>
+          <p:blipFill>
+            <a:blip r:embed="rId7"/>
+            <a:stretch>
+              <a:fillRect/>
+            </a:stretch>
+          </p:blipFill>
+          <p:spPr>
+            <a:xfrm>
+              <a:off x="9132166" y="1812525"/>
+              <a:ext cx="1576024" cy="1112487"/>
+            </a:xfrm>
+            <a:prstGeom prst="roundRect">
+              <a:avLst/>
+            </a:prstGeom>
+            <a:ln w="28575">
+              <a:solidFill>
+                <a:schemeClr val="accent5">
+                  <a:lumMod val="60000"/>
+                  <a:lumOff val="40000"/>
+                </a:schemeClr>
+              </a:solidFill>
+            </a:ln>
+          </p:spPr>
+        </p:pic>
+        <p:sp>
+          <p:nvSpPr>
+            <p:cNvPr id="49" name="TextBox 48">
+              <a:extLst>
+                <a:ext uri="{FF2B5EF4-FFF2-40B4-BE49-F238E27FC236}">
+                  <a16:creationId xmlns:a16="http://schemas.microsoft.com/office/drawing/2014/main" id="{C3754835-6171-A66D-30F1-5E9F3D509435}"/>
+                </a:ext>
+              </a:extLst>
+            </p:cNvPr>
+            <p:cNvSpPr txBox="1"/>
+            <p:nvPr/>
+          </p:nvSpPr>
+          <p:spPr>
+            <a:xfrm>
+              <a:off x="9537300" y="1385703"/>
+              <a:ext cx="765759" cy="440111"/>
+            </a:xfrm>
+            <a:prstGeom prst="roundRect">
+              <a:avLst/>
+            </a:prstGeom>
+            <a:noFill/>
+          </p:spPr>
+          <p:txBody>
+            <a:bodyPr wrap="none" rtlCol="0">
+              <a:spAutoFit/>
+            </a:bodyPr>
+            <a:lstStyle/>
+            <a:p>
+              <a:pPr algn="ctr"/>
+              <a:r>
+                <a:rPr lang="en-US" dirty="0">
+                  <a:latin typeface="Times New Roman" panose="02020603050405020304" pitchFamily="18" charset="0"/>
+                  <a:cs typeface="Times New Roman" panose="02020603050405020304" pitchFamily="18" charset="0"/>
+                </a:rPr>
+                <a:t>Input</a:t>
+              </a:r>
+            </a:p>
+          </p:txBody>
+        </p:sp>
+      </p:grpSp>
+      <p:sp>
+        <p:nvSpPr>
+          <p:cNvPr id="51" name="Oval 50">
+            <a:extLst>
+              <a:ext uri="{FF2B5EF4-FFF2-40B4-BE49-F238E27FC236}">
+                <a16:creationId xmlns:a16="http://schemas.microsoft.com/office/drawing/2014/main" id="{B6F56771-5A7C-F5D6-EBB4-E2622617F8E0}"/>
+              </a:ext>
+            </a:extLst>
+          </p:cNvPr>
+          <p:cNvSpPr/>
+          <p:nvPr/>
+        </p:nvSpPr>
+        <p:spPr>
+          <a:xfrm>
+            <a:off x="9188526" y="2795402"/>
+            <a:ext cx="219828" cy="219828"/>
+          </a:xfrm>
+          <a:prstGeom prst="ellipse">
+            <a:avLst/>
+          </a:prstGeom>
+          <a:noFill/>
+          <a:ln w="28575">
+            <a:solidFill>
+              <a:schemeClr val="accent5">
+                <a:lumMod val="60000"/>
+                <a:lumOff val="40000"/>
+              </a:schemeClr>
+            </a:solidFill>
+          </a:ln>
+        </p:spPr>
+        <p:style>
+          <a:lnRef idx="2">
+            <a:schemeClr val="accent1">
+              <a:shade val="15000"/>
+            </a:schemeClr>
+          </a:lnRef>
+          <a:fillRef idx="1">
+            <a:schemeClr val="accent1"/>
+          </a:fillRef>
+          <a:effectRef idx="0">
+            <a:schemeClr val="accent1"/>
+          </a:effectRef>
+          <a:fontRef idx="minor">
+            <a:schemeClr val="lt1"/>
+          </a:fontRef>
+        </p:style>
+        <p:txBody>
+          <a:bodyPr rtlCol="0" anchor="ctr"/>
+          <a:lstStyle/>
+          <a:p>
+            <a:pPr algn="ctr"/>
+            <a:endParaRPr lang="en-US">
+              <a:solidFill>
+                <a:schemeClr val="tx1"/>
+              </a:solidFill>
+            </a:endParaRPr>
+          </a:p>
+        </p:txBody>
+      </p:sp>
+      <p:sp>
+        <p:nvSpPr>
+          <p:cNvPr id="52" name="Oval 51">
+            <a:extLst>
+              <a:ext uri="{FF2B5EF4-FFF2-40B4-BE49-F238E27FC236}">
+                <a16:creationId xmlns:a16="http://schemas.microsoft.com/office/drawing/2014/main" id="{44A15CCE-079E-5945-0E63-ED0FCEACD7B6}"/>
+              </a:ext>
+            </a:extLst>
+          </p:cNvPr>
+          <p:cNvSpPr/>
+          <p:nvPr/>
+        </p:nvSpPr>
+        <p:spPr>
+          <a:xfrm>
+            <a:off x="9015584" y="3026329"/>
+            <a:ext cx="140967" cy="140967"/>
+          </a:xfrm>
+          <a:prstGeom prst="ellipse">
+            <a:avLst/>
+          </a:prstGeom>
+          <a:noFill/>
+          <a:ln w="28575">
+            <a:solidFill>
+              <a:schemeClr val="accent5">
+                <a:lumMod val="60000"/>
+                <a:lumOff val="40000"/>
+              </a:schemeClr>
+            </a:solidFill>
+          </a:ln>
+        </p:spPr>
+        <p:style>
+          <a:lnRef idx="2">
+            <a:schemeClr val="accent1">
+              <a:shade val="15000"/>
+            </a:schemeClr>
+          </a:lnRef>
+          <a:fillRef idx="1">
+            <a:schemeClr val="accent1"/>
+          </a:fillRef>
+          <a:effectRef idx="0">
+            <a:schemeClr val="accent1"/>
+          </a:effectRef>
+          <a:fontRef idx="minor">
+            <a:schemeClr val="lt1"/>
+          </a:fontRef>
+        </p:style>
+        <p:txBody>
+          <a:bodyPr rtlCol="0" anchor="ctr"/>
+          <a:lstStyle/>
+          <a:p>
+            <a:pPr algn="ctr"/>
+            <a:endParaRPr lang="en-US">
+              <a:solidFill>
+                <a:schemeClr val="tx1"/>
+              </a:solidFill>
+            </a:endParaRPr>
+          </a:p>
+        </p:txBody>
+      </p:sp>
+      <p:sp>
+        <p:nvSpPr>
+          <p:cNvPr id="53" name="Oval 52">
+            <a:extLst>
+              <a:ext uri="{FF2B5EF4-FFF2-40B4-BE49-F238E27FC236}">
+                <a16:creationId xmlns:a16="http://schemas.microsoft.com/office/drawing/2014/main" id="{0F143743-0380-0F28-1372-8411A820745F}"/>
+              </a:ext>
+            </a:extLst>
+          </p:cNvPr>
+          <p:cNvSpPr/>
+          <p:nvPr/>
+        </p:nvSpPr>
+        <p:spPr>
+          <a:xfrm>
+            <a:off x="8916658" y="3239494"/>
+            <a:ext cx="87512" cy="87512"/>
+          </a:xfrm>
+          <a:prstGeom prst="ellipse">
+            <a:avLst/>
+          </a:prstGeom>
+          <a:noFill/>
+          <a:ln w="28575">
+            <a:solidFill>
+              <a:schemeClr val="accent5">
+                <a:lumMod val="60000"/>
+                <a:lumOff val="40000"/>
+              </a:schemeClr>
+            </a:solidFill>
+          </a:ln>
+        </p:spPr>
+        <p:style>
+          <a:lnRef idx="2">
+            <a:schemeClr val="accent1">
+              <a:shade val="15000"/>
+            </a:schemeClr>
+          </a:lnRef>
+          <a:fillRef idx="1">
+            <a:schemeClr val="accent1"/>
+          </a:fillRef>
+          <a:effectRef idx="0">
+            <a:schemeClr val="accent1"/>
+          </a:effectRef>
+          <a:fontRef idx="minor">
+            <a:schemeClr val="lt1"/>
+          </a:fontRef>
+        </p:style>
+        <p:txBody>
+          <a:bodyPr rtlCol="0" anchor="ctr"/>
+          <a:lstStyle/>
+          <a:p>
+            <a:pPr algn="ctr"/>
+            <a:endParaRPr lang="en-US">
+              <a:solidFill>
+                <a:schemeClr val="tx1"/>
+              </a:solidFill>
+            </a:endParaRPr>
+          </a:p>
+        </p:txBody>
+      </p:sp>
+    </p:spTree>
+    <p:extLst>
+      <p:ext uri="{BB962C8B-B14F-4D97-AF65-F5344CB8AC3E}">
+        <p14:creationId xmlns:p14="http://schemas.microsoft.com/office/powerpoint/2010/main" val="3459938818"/>
+      </p:ext>
+    </p:extLst>
+  </p:cSld>
+  <p:clrMapOvr>
+    <a:masterClrMapping/>
+  </p:clrMapOvr>
+</p:sld>
+</file>
+
+<file path=ppt/slides/slide8.xml><?xml version="1.0" encoding="utf-8"?>
+<p:sld xmlns:a="http://schemas.openxmlformats.org/drawingml/2006/main" xmlns:r="http://schemas.openxmlformats.org/officeDocument/2006/relationships" xmlns:p="http://schemas.openxmlformats.org/presentationml/2006/main">
+  <p:cSld>
+    <p:spTree>
+      <p:nvGrpSpPr>
+        <p:cNvPr id="1" name=""/>
+        <p:cNvGrpSpPr/>
+        <p:nvPr/>
+      </p:nvGrpSpPr>
+      <p:grpSpPr>
+        <a:xfrm>
+          <a:off x="0" y="0"/>
+          <a:ext cx="0" cy="0"/>
+          <a:chOff x="0" y="0"/>
+          <a:chExt cx="0" cy="0"/>
+        </a:xfrm>
+      </p:grpSpPr>
+      <p:grpSp>
+        <p:nvGrpSpPr>
+          <p:cNvPr id="20" name="Group 19">
+            <a:extLst>
+              <a:ext uri="{FF2B5EF4-FFF2-40B4-BE49-F238E27FC236}">
+                <a16:creationId xmlns:a16="http://schemas.microsoft.com/office/drawing/2014/main" id="{FBC3136C-D943-2EE6-A0B0-260164D68119}"/>
+              </a:ext>
+            </a:extLst>
+          </p:cNvPr>
+          <p:cNvGrpSpPr/>
+          <p:nvPr/>
+        </p:nvGrpSpPr>
+        <p:grpSpPr>
+          <a:xfrm>
+            <a:off x="6658786" y="3005540"/>
+            <a:ext cx="2935043" cy="1992609"/>
+            <a:chOff x="4998119" y="1632551"/>
+            <a:chExt cx="2489453" cy="1690097"/>
+          </a:xfrm>
+        </p:grpSpPr>
+        <p:pic>
+          <p:nvPicPr>
+            <p:cNvPr id="7" name="Picture 6" descr="Two dogs lying on a couch&#10;&#10;Description automatically generated">
+              <a:extLst>
+                <a:ext uri="{FF2B5EF4-FFF2-40B4-BE49-F238E27FC236}">
+                  <a16:creationId xmlns:a16="http://schemas.microsoft.com/office/drawing/2014/main" id="{B32A8E2B-DABC-9835-763E-A71AB0ADD1ED}"/>
+                </a:ext>
+              </a:extLst>
+            </p:cNvPr>
+            <p:cNvPicPr>
+              <a:picLocks noChangeAspect="1"/>
+            </p:cNvPicPr>
+            <p:nvPr/>
+          </p:nvPicPr>
+          <p:blipFill rotWithShape="1">
+            <a:blip r:embed="rId2"/>
+            <a:srcRect t="13611" b="11723"/>
+            <a:stretch/>
+          </p:blipFill>
+          <p:spPr>
+            <a:xfrm>
+              <a:off x="4998120" y="1632551"/>
+              <a:ext cx="2489452" cy="1312082"/>
+            </a:xfrm>
+            <a:prstGeom prst="roundRect">
+              <a:avLst/>
+            </a:prstGeom>
+            <a:ln w="28575">
+              <a:solidFill>
+                <a:schemeClr val="accent2"/>
+              </a:solidFill>
+            </a:ln>
+          </p:spPr>
+        </p:pic>
+        <p:sp>
+          <p:nvSpPr>
+            <p:cNvPr id="13" name="TextBox 12">
+              <a:extLst>
+                <a:ext uri="{FF2B5EF4-FFF2-40B4-BE49-F238E27FC236}">
+                  <a16:creationId xmlns:a16="http://schemas.microsoft.com/office/drawing/2014/main" id="{3CDA9E6C-84D6-8AC5-AA48-A10DEBE8F667}"/>
+                </a:ext>
+              </a:extLst>
+            </p:cNvPr>
+            <p:cNvSpPr txBox="1"/>
+            <p:nvPr/>
+          </p:nvSpPr>
+          <p:spPr>
+            <a:xfrm>
+              <a:off x="4998119" y="2976061"/>
+              <a:ext cx="2489451" cy="346587"/>
+            </a:xfrm>
+            <a:prstGeom prst="roundRect">
+              <a:avLst/>
+            </a:prstGeom>
+            <a:noFill/>
+          </p:spPr>
+          <p:txBody>
+            <a:bodyPr wrap="square" rtlCol="0">
+              <a:spAutoFit/>
+            </a:bodyPr>
+            <a:lstStyle/>
+            <a:p>
+              <a:pPr algn="ctr"/>
+              <a:r>
+                <a:rPr lang="en-US" dirty="0">
+                  <a:latin typeface="Times New Roman" panose="02020603050405020304" pitchFamily="18" charset="0"/>
+                  <a:cs typeface="Times New Roman" panose="02020603050405020304" pitchFamily="18" charset="0"/>
+                </a:rPr>
+                <a:t>Expert Annotation</a:t>
+              </a:r>
+            </a:p>
+          </p:txBody>
+        </p:sp>
+      </p:grpSp>
+      <p:grpSp>
+        <p:nvGrpSpPr>
+          <p:cNvPr id="21" name="Group 20">
+            <a:extLst>
+              <a:ext uri="{FF2B5EF4-FFF2-40B4-BE49-F238E27FC236}">
+                <a16:creationId xmlns:a16="http://schemas.microsoft.com/office/drawing/2014/main" id="{CD69F952-35E0-2A0C-EF12-1AB0ACF9F4EB}"/>
+              </a:ext>
+            </a:extLst>
+          </p:cNvPr>
+          <p:cNvGrpSpPr/>
+          <p:nvPr/>
+        </p:nvGrpSpPr>
+        <p:grpSpPr>
+          <a:xfrm>
+            <a:off x="6658784" y="1286075"/>
+            <a:ext cx="2935043" cy="1392798"/>
+            <a:chOff x="3902657" y="3083429"/>
+            <a:chExt cx="2935043" cy="1392798"/>
+          </a:xfrm>
+        </p:grpSpPr>
+        <p:sp>
+          <p:nvSpPr>
+            <p:cNvPr id="14" name="TextBox 13">
+              <a:extLst>
+                <a:ext uri="{FF2B5EF4-FFF2-40B4-BE49-F238E27FC236}">
+                  <a16:creationId xmlns:a16="http://schemas.microsoft.com/office/drawing/2014/main" id="{8AA7658A-F5A6-3E2A-C46A-5ACD29CBFA3E}"/>
+                </a:ext>
+              </a:extLst>
+            </p:cNvPr>
+            <p:cNvSpPr txBox="1"/>
+            <p:nvPr/>
+          </p:nvSpPr>
+          <p:spPr>
+            <a:xfrm>
+              <a:off x="4131049" y="3083429"/>
+              <a:ext cx="2478256" cy="408623"/>
+            </a:xfrm>
+            <a:prstGeom prst="roundRect">
+              <a:avLst/>
+            </a:prstGeom>
+            <a:noFill/>
+          </p:spPr>
+          <p:txBody>
+            <a:bodyPr wrap="none" rtlCol="0">
+              <a:spAutoFit/>
+            </a:bodyPr>
+            <a:lstStyle/>
+            <a:p>
+              <a:pPr algn="ctr"/>
+              <a:r>
+                <a:rPr lang="en-US" dirty="0">
+                  <a:latin typeface="Times New Roman" panose="02020603050405020304" pitchFamily="18" charset="0"/>
+                  <a:cs typeface="Times New Roman" panose="02020603050405020304" pitchFamily="18" charset="0"/>
+                </a:rPr>
+                <a:t>Expert Scoring Function</a:t>
+              </a:r>
+            </a:p>
+          </p:txBody>
+        </p:sp>
+        <mc:AlternateContent xmlns:mc="http://schemas.openxmlformats.org/markup-compatibility/2006" xmlns:a14="http://schemas.microsoft.com/office/drawing/2010/main">
+          <mc:Choice Requires="a14">
+            <p:sp>
+              <p:nvSpPr>
+                <p:cNvPr id="17" name="TextBox 16">
+                  <a:extLst>
+                    <a:ext uri="{FF2B5EF4-FFF2-40B4-BE49-F238E27FC236}">
+                      <a16:creationId xmlns:a16="http://schemas.microsoft.com/office/drawing/2014/main" id="{81861B9A-8DC9-FCA2-2B2F-E6605A13B646}"/>
+                    </a:ext>
+                  </a:extLst>
+                </p:cNvPr>
+                <p:cNvSpPr txBox="1"/>
+                <p:nvPr/>
+              </p:nvSpPr>
+              <p:spPr>
+                <a:xfrm>
+                  <a:off x="3902657" y="3479713"/>
+                  <a:ext cx="2935043" cy="996514"/>
+                </a:xfrm>
+                <a:prstGeom prst="roundRect">
+                  <a:avLst/>
+                </a:prstGeom>
+                <a:solidFill>
+                  <a:schemeClr val="tx2">
+                    <a:lumMod val="10000"/>
+                    <a:lumOff val="90000"/>
+                  </a:schemeClr>
+                </a:solidFill>
+                <a:ln w="28575">
+                  <a:solidFill>
+                    <a:schemeClr val="tx2">
+                      <a:lumMod val="50000"/>
+                      <a:lumOff val="50000"/>
+                    </a:schemeClr>
+                  </a:solidFill>
+                </a:ln>
+              </p:spPr>
+              <p:txBody>
+                <a:bodyPr wrap="square">
+                  <a:spAutoFit/>
+                </a:bodyPr>
+                <a:lstStyle/>
+                <a:p>
+                  <a:pPr/>
+                  <a14:m>
+                    <m:oMathPara xmlns:m="http://schemas.openxmlformats.org/officeDocument/2006/math">
+                      <m:oMathParaPr>
+                        <m:jc m:val="centerGroup"/>
+                      </m:oMathParaPr>
+                      <m:oMath xmlns:m="http://schemas.openxmlformats.org/officeDocument/2006/math">
+                        <m:sSub>
+                          <m:sSubPr>
+                            <m:ctrlPr>
+                              <a:rPr lang="en-US" sz="4800" b="0" i="1" smtClean="0">
+                                <a:latin typeface="Cambria Math" panose="02040503050406030204" pitchFamily="18" charset="0"/>
+                                <a:cs typeface="Times New Roman" panose="02020603050405020304" pitchFamily="18" charset="0"/>
+                              </a:rPr>
+                            </m:ctrlPr>
+                          </m:sSubPr>
+                          <m:e>
+                            <m:r>
+                              <a:rPr lang="en-US" sz="4800" b="0" i="1" smtClean="0">
+                                <a:latin typeface="Cambria Math" panose="02040503050406030204" pitchFamily="18" charset="0"/>
+                                <a:cs typeface="Times New Roman" panose="02020603050405020304" pitchFamily="18" charset="0"/>
+                              </a:rPr>
+                              <m:t>𝑓</m:t>
+                            </m:r>
+                          </m:e>
+                          <m:sub>
+                            <m:r>
+                              <m:rPr>
+                                <m:sty m:val="p"/>
+                              </m:rPr>
+                              <a:rPr lang="en-US" sz="4800" b="0" i="0" smtClean="0">
+                                <a:latin typeface="Cambria Math" panose="02040503050406030204" pitchFamily="18" charset="0"/>
+                                <a:cs typeface="Times New Roman" panose="02020603050405020304" pitchFamily="18" charset="0"/>
+                              </a:rPr>
+                              <m:t>align</m:t>
+                            </m:r>
+                          </m:sub>
+                        </m:sSub>
+                        <m:r>
+                          <a:rPr lang="en-US" sz="4800" b="0" i="0" smtClean="0">
+                            <a:latin typeface="Cambria Math" panose="02040503050406030204" pitchFamily="18" charset="0"/>
+                            <a:cs typeface="Times New Roman" panose="02020603050405020304" pitchFamily="18" charset="0"/>
+                          </a:rPr>
+                          <m:t>(</m:t>
+                        </m:r>
+                        <m:r>
+                          <a:rPr lang="en-US" sz="4800" b="0" i="1" smtClean="0">
+                            <a:latin typeface="Cambria Math" panose="02040503050406030204" pitchFamily="18" charset="0"/>
+                            <a:cs typeface="Times New Roman" panose="02020603050405020304" pitchFamily="18" charset="0"/>
+                          </a:rPr>
+                          <m:t>       </m:t>
+                        </m:r>
+                        <m:r>
+                          <a:rPr lang="en-US" sz="4800" b="0" i="0" smtClean="0">
+                            <a:latin typeface="Cambria Math" panose="02040503050406030204" pitchFamily="18" charset="0"/>
+                            <a:cs typeface="Times New Roman" panose="02020603050405020304" pitchFamily="18" charset="0"/>
+                          </a:rPr>
+                          <m:t>)</m:t>
+                        </m:r>
+                      </m:oMath>
+                    </m:oMathPara>
+                  </a14:m>
+                  <a:endParaRPr lang="en-US" sz="4800" dirty="0"/>
+                </a:p>
+              </p:txBody>
+            </p:sp>
+          </mc:Choice>
+          <mc:Fallback xmlns="">
+            <p:sp>
+              <p:nvSpPr>
+                <p:cNvPr id="17" name="TextBox 16">
+                  <a:extLst>
+                    <a:ext uri="{FF2B5EF4-FFF2-40B4-BE49-F238E27FC236}">
+                      <a16:creationId xmlns:a16="http://schemas.microsoft.com/office/drawing/2014/main" id="{81861B9A-8DC9-FCA2-2B2F-E6605A13B646}"/>
+                    </a:ext>
+                  </a:extLst>
+                </p:cNvPr>
+                <p:cNvSpPr txBox="1">
+                  <a:spLocks noRot="1" noChangeAspect="1" noMove="1" noResize="1" noEditPoints="1" noAdjustHandles="1" noChangeArrowheads="1" noChangeShapeType="1" noTextEdit="1"/>
+                </p:cNvSpPr>
+                <p:nvPr/>
+              </p:nvSpPr>
+              <p:spPr>
+                <a:xfrm>
+                  <a:off x="3902657" y="3479713"/>
+                  <a:ext cx="2935043" cy="996514"/>
+                </a:xfrm>
+                <a:prstGeom prst="roundRect">
+                  <a:avLst/>
+                </a:prstGeom>
+                <a:blipFill>
+                  <a:blip r:embed="rId3"/>
+                  <a:stretch>
+                    <a:fillRect l="-4274" r="-8547" b="-9756"/>
+                  </a:stretch>
+                </a:blipFill>
+                <a:ln w="28575">
+                  <a:solidFill>
+                    <a:schemeClr val="tx2">
+                      <a:lumMod val="50000"/>
+                      <a:lumOff val="50000"/>
+                    </a:schemeClr>
+                  </a:solidFill>
+                </a:ln>
+              </p:spPr>
+              <p:txBody>
+                <a:bodyPr/>
+                <a:lstStyle/>
+                <a:p>
+                  <a:r>
+                    <a:rPr lang="en-US">
+                      <a:noFill/>
+                    </a:rPr>
+                    <a:t> </a:t>
+                  </a:r>
+                </a:p>
+              </p:txBody>
+            </p:sp>
+          </mc:Fallback>
+        </mc:AlternateContent>
+        <p:pic>
+          <p:nvPicPr>
+            <p:cNvPr id="15" name="Picture 14" descr="Two dogs lying on a chair&#10;&#10;Description automatically generated">
+              <a:extLst>
+                <a:ext uri="{FF2B5EF4-FFF2-40B4-BE49-F238E27FC236}">
+                  <a16:creationId xmlns:a16="http://schemas.microsoft.com/office/drawing/2014/main" id="{D4BA045E-A79A-5D0C-FE7C-D64C2027B626}"/>
+                </a:ext>
+              </a:extLst>
+            </p:cNvPr>
+            <p:cNvPicPr>
+              <a:picLocks noChangeAspect="1"/>
+            </p:cNvPicPr>
+            <p:nvPr/>
+          </p:nvPicPr>
+          <p:blipFill>
+            <a:blip r:embed="rId4"/>
+            <a:stretch>
+              <a:fillRect/>
+            </a:stretch>
+          </p:blipFill>
+          <p:spPr>
+            <a:xfrm>
+              <a:off x="5686130" y="3705328"/>
+              <a:ext cx="824022" cy="581662"/>
+            </a:xfrm>
+            <a:prstGeom prst="roundRect">
+              <a:avLst/>
+            </a:prstGeom>
+          </p:spPr>
+        </p:pic>
+      </p:grpSp>
+      <p:sp>
+        <p:nvSpPr>
+          <p:cNvPr id="35" name="TextBox 34">
+            <a:extLst>
+              <a:ext uri="{FF2B5EF4-FFF2-40B4-BE49-F238E27FC236}">
+                <a16:creationId xmlns:a16="http://schemas.microsoft.com/office/drawing/2014/main" id="{9C455D3D-40C8-017C-6682-6A762D553158}"/>
+              </a:ext>
+            </a:extLst>
+          </p:cNvPr>
+          <p:cNvSpPr txBox="1"/>
+          <p:nvPr/>
+        </p:nvSpPr>
+        <p:spPr>
+          <a:xfrm>
+            <a:off x="5214943" y="2286521"/>
+            <a:ext cx="1114470" cy="276999"/>
+          </a:xfrm>
+          <a:prstGeom prst="rect">
+            <a:avLst/>
+          </a:prstGeom>
+          <a:noFill/>
+        </p:spPr>
+        <p:txBody>
+          <a:bodyPr wrap="square" rtlCol="0">
+            <a:spAutoFit/>
+          </a:bodyPr>
+          <a:lstStyle/>
+          <a:p>
+            <a:pPr algn="ctr"/>
+            <a:r>
+              <a:rPr lang="en-US" sz="1200" dirty="0">
+                <a:latin typeface="Times New Roman" panose="02020603050405020304" pitchFamily="18" charset="0"/>
+                <a:cs typeface="Times New Roman" panose="02020603050405020304" pitchFamily="18" charset="0"/>
+              </a:rPr>
+              <a:t>Implicit</a:t>
+            </a:r>
+          </a:p>
+        </p:txBody>
+      </p:sp>
+      <p:sp>
+        <p:nvSpPr>
+          <p:cNvPr id="36" name="TextBox 35">
+            <a:extLst>
+              <a:ext uri="{FF2B5EF4-FFF2-40B4-BE49-F238E27FC236}">
+                <a16:creationId xmlns:a16="http://schemas.microsoft.com/office/drawing/2014/main" id="{5B2B9CD3-930B-1BC6-512B-F86215A3AE02}"/>
+              </a:ext>
+            </a:extLst>
+          </p:cNvPr>
+          <p:cNvSpPr txBox="1"/>
+          <p:nvPr/>
+        </p:nvSpPr>
+        <p:spPr>
+          <a:xfrm>
+            <a:off x="5547054" y="3773238"/>
+            <a:ext cx="1114470" cy="276999"/>
+          </a:xfrm>
+          <a:prstGeom prst="rect">
+            <a:avLst/>
+          </a:prstGeom>
+          <a:noFill/>
+        </p:spPr>
+        <p:txBody>
+          <a:bodyPr wrap="square" rtlCol="0">
+            <a:spAutoFit/>
+          </a:bodyPr>
+          <a:lstStyle/>
+          <a:p>
+            <a:pPr algn="ctr"/>
+            <a:r>
+              <a:rPr lang="en-US" sz="1200" dirty="0">
+                <a:latin typeface="Times New Roman" panose="02020603050405020304" pitchFamily="18" charset="0"/>
+                <a:cs typeface="Times New Roman" panose="02020603050405020304" pitchFamily="18" charset="0"/>
+              </a:rPr>
+              <a:t>Explicit</a:t>
+            </a:r>
+          </a:p>
+        </p:txBody>
+      </p:sp>
+      <p:sp>
+        <p:nvSpPr>
+          <p:cNvPr id="37" name="Oval 36">
+            <a:extLst>
+              <a:ext uri="{FF2B5EF4-FFF2-40B4-BE49-F238E27FC236}">
+                <a16:creationId xmlns:a16="http://schemas.microsoft.com/office/drawing/2014/main" id="{6CD35791-002B-40CD-84BA-F40E7FBB34B5}"/>
+              </a:ext>
+            </a:extLst>
+          </p:cNvPr>
+          <p:cNvSpPr/>
+          <p:nvPr/>
+        </p:nvSpPr>
+        <p:spPr>
+          <a:xfrm>
+            <a:off x="5772178" y="2615605"/>
+            <a:ext cx="219828" cy="219828"/>
+          </a:xfrm>
+          <a:prstGeom prst="ellipse">
+            <a:avLst/>
+          </a:prstGeom>
+          <a:noFill/>
+          <a:ln w="28575">
+            <a:solidFill>
+              <a:schemeClr val="tx2">
+                <a:lumMod val="50000"/>
+                <a:lumOff val="50000"/>
+              </a:schemeClr>
+            </a:solidFill>
+          </a:ln>
+        </p:spPr>
+        <p:style>
+          <a:lnRef idx="2">
+            <a:schemeClr val="accent1">
+              <a:shade val="15000"/>
+            </a:schemeClr>
+          </a:lnRef>
+          <a:fillRef idx="1">
+            <a:schemeClr val="accent1"/>
+          </a:fillRef>
+          <a:effectRef idx="0">
+            <a:schemeClr val="accent1"/>
+          </a:effectRef>
+          <a:fontRef idx="minor">
+            <a:schemeClr val="lt1"/>
+          </a:fontRef>
+        </p:style>
+        <p:txBody>
+          <a:bodyPr rtlCol="0" anchor="ctr"/>
+          <a:lstStyle/>
+          <a:p>
+            <a:pPr algn="ctr"/>
+            <a:endParaRPr lang="en-US"/>
+          </a:p>
+        </p:txBody>
+      </p:sp>
+      <p:sp>
+        <p:nvSpPr>
+          <p:cNvPr id="38" name="Oval 37">
+            <a:extLst>
+              <a:ext uri="{FF2B5EF4-FFF2-40B4-BE49-F238E27FC236}">
+                <a16:creationId xmlns:a16="http://schemas.microsoft.com/office/drawing/2014/main" id="{3115218F-6DC4-E2C0-DF9A-45B7F8B35BB0}"/>
+              </a:ext>
+            </a:extLst>
+          </p:cNvPr>
+          <p:cNvSpPr/>
+          <p:nvPr/>
+        </p:nvSpPr>
+        <p:spPr>
+          <a:xfrm>
+            <a:off x="6159685" y="2456591"/>
+            <a:ext cx="317548" cy="317548"/>
+          </a:xfrm>
+          <a:prstGeom prst="ellipse">
+            <a:avLst/>
+          </a:prstGeom>
+          <a:noFill/>
+          <a:ln w="28575">
+            <a:solidFill>
+              <a:schemeClr val="tx2">
+                <a:lumMod val="50000"/>
+                <a:lumOff val="50000"/>
+              </a:schemeClr>
+            </a:solidFill>
+          </a:ln>
+        </p:spPr>
+        <p:style>
+          <a:lnRef idx="2">
+            <a:schemeClr val="accent1">
+              <a:shade val="15000"/>
+            </a:schemeClr>
+          </a:lnRef>
+          <a:fillRef idx="1">
+            <a:schemeClr val="accent1"/>
+          </a:fillRef>
+          <a:effectRef idx="0">
+            <a:schemeClr val="accent1"/>
+          </a:effectRef>
+          <a:fontRef idx="minor">
+            <a:schemeClr val="lt1"/>
+          </a:fontRef>
+        </p:style>
+        <p:txBody>
+          <a:bodyPr rtlCol="0" anchor="ctr"/>
+          <a:lstStyle/>
+          <a:p>
+            <a:pPr algn="ctr"/>
+            <a:endParaRPr lang="en-US"/>
+          </a:p>
+        </p:txBody>
+      </p:sp>
+      <p:sp>
+        <p:nvSpPr>
+          <p:cNvPr id="41" name="Oval 40">
+            <a:extLst>
+              <a:ext uri="{FF2B5EF4-FFF2-40B4-BE49-F238E27FC236}">
+                <a16:creationId xmlns:a16="http://schemas.microsoft.com/office/drawing/2014/main" id="{752013EF-6604-A0BF-B681-B1C9D3EE795E}"/>
+              </a:ext>
+            </a:extLst>
+          </p:cNvPr>
+          <p:cNvSpPr/>
+          <p:nvPr/>
+        </p:nvSpPr>
+        <p:spPr>
+          <a:xfrm>
+            <a:off x="5527862" y="2899337"/>
+            <a:ext cx="140967" cy="140967"/>
+          </a:xfrm>
+          <a:prstGeom prst="ellipse">
+            <a:avLst/>
+          </a:prstGeom>
+          <a:noFill/>
+          <a:ln w="28575">
+            <a:solidFill>
+              <a:schemeClr val="tx2">
+                <a:lumMod val="50000"/>
+                <a:lumOff val="50000"/>
+              </a:schemeClr>
+            </a:solidFill>
+          </a:ln>
+        </p:spPr>
+        <p:style>
+          <a:lnRef idx="2">
+            <a:schemeClr val="accent1">
+              <a:shade val="15000"/>
+            </a:schemeClr>
+          </a:lnRef>
+          <a:fillRef idx="1">
+            <a:schemeClr val="accent1"/>
+          </a:fillRef>
+          <a:effectRef idx="0">
+            <a:schemeClr val="accent1"/>
+          </a:effectRef>
+          <a:fontRef idx="minor">
+            <a:schemeClr val="lt1"/>
+          </a:fontRef>
+        </p:style>
+        <p:txBody>
+          <a:bodyPr rtlCol="0" anchor="ctr"/>
+          <a:lstStyle/>
+          <a:p>
+            <a:pPr algn="ctr"/>
+            <a:endParaRPr lang="en-US"/>
+          </a:p>
+        </p:txBody>
+      </p:sp>
+      <p:grpSp>
+        <p:nvGrpSpPr>
+          <p:cNvPr id="4" name="Group 3">
+            <a:extLst>
+              <a:ext uri="{FF2B5EF4-FFF2-40B4-BE49-F238E27FC236}">
+                <a16:creationId xmlns:a16="http://schemas.microsoft.com/office/drawing/2014/main" id="{0EFB2464-D864-13AA-DA98-02CFDFAB70C7}"/>
+              </a:ext>
+            </a:extLst>
+          </p:cNvPr>
+          <p:cNvGrpSpPr/>
+          <p:nvPr/>
+        </p:nvGrpSpPr>
+        <p:grpSpPr>
+          <a:xfrm>
+            <a:off x="5668829" y="3461248"/>
+            <a:ext cx="853445" cy="340924"/>
+            <a:chOff x="9309268" y="3417426"/>
+            <a:chExt cx="853445" cy="340924"/>
+          </a:xfrm>
+        </p:grpSpPr>
+        <p:sp>
+          <p:nvSpPr>
+            <p:cNvPr id="39" name="Oval 38">
+              <a:extLst>
+                <a:ext uri="{FF2B5EF4-FFF2-40B4-BE49-F238E27FC236}">
+                  <a16:creationId xmlns:a16="http://schemas.microsoft.com/office/drawing/2014/main" id="{61211854-F6FD-3EEA-A2B0-84FE9F3A6963}"/>
+                </a:ext>
+              </a:extLst>
+            </p:cNvPr>
+            <p:cNvSpPr/>
+            <p:nvPr/>
+          </p:nvSpPr>
+          <p:spPr>
+            <a:xfrm>
+              <a:off x="9563721" y="3417426"/>
+              <a:ext cx="164695" cy="164695"/>
+            </a:xfrm>
+            <a:prstGeom prst="ellipse">
+              <a:avLst/>
+            </a:prstGeom>
+            <a:noFill/>
+            <a:ln w="28575">
+              <a:solidFill>
+                <a:schemeClr val="accent2"/>
+              </a:solidFill>
+            </a:ln>
+          </p:spPr>
+          <p:style>
+            <a:lnRef idx="2">
+              <a:schemeClr val="accent1">
+                <a:shade val="15000"/>
+              </a:schemeClr>
+            </a:lnRef>
+            <a:fillRef idx="1">
+              <a:schemeClr val="accent1"/>
+            </a:fillRef>
+            <a:effectRef idx="0">
+              <a:schemeClr val="accent1"/>
+            </a:effectRef>
+            <a:fontRef idx="minor">
+              <a:schemeClr val="lt1"/>
+            </a:fontRef>
+          </p:style>
+          <p:txBody>
+            <a:bodyPr rtlCol="0" anchor="ctr"/>
+            <a:lstStyle/>
+            <a:p>
+              <a:pPr algn="ctr"/>
+              <a:endParaRPr lang="en-US"/>
+            </a:p>
+          </p:txBody>
+        </p:sp>
+        <p:sp>
+          <p:nvSpPr>
+            <p:cNvPr id="40" name="Oval 39">
+              <a:extLst>
+                <a:ext uri="{FF2B5EF4-FFF2-40B4-BE49-F238E27FC236}">
+                  <a16:creationId xmlns:a16="http://schemas.microsoft.com/office/drawing/2014/main" id="{FA000778-9928-2865-8085-3FB20BA10D07}"/>
+                </a:ext>
+              </a:extLst>
+            </p:cNvPr>
+            <p:cNvSpPr/>
+            <p:nvPr/>
+          </p:nvSpPr>
+          <p:spPr>
+            <a:xfrm>
+              <a:off x="9845165" y="3440802"/>
+              <a:ext cx="317548" cy="317548"/>
+            </a:xfrm>
+            <a:prstGeom prst="ellipse">
+              <a:avLst/>
+            </a:prstGeom>
+            <a:noFill/>
+            <a:ln w="28575">
+              <a:solidFill>
+                <a:schemeClr val="accent2"/>
+              </a:solidFill>
+            </a:ln>
+          </p:spPr>
+          <p:style>
+            <a:lnRef idx="2">
+              <a:schemeClr val="accent1">
+                <a:shade val="15000"/>
+              </a:schemeClr>
+            </a:lnRef>
+            <a:fillRef idx="1">
+              <a:schemeClr val="accent1"/>
+            </a:fillRef>
+            <a:effectRef idx="0">
+              <a:schemeClr val="accent1"/>
+            </a:effectRef>
+            <a:fontRef idx="minor">
+              <a:schemeClr val="lt1"/>
+            </a:fontRef>
+          </p:style>
+          <p:txBody>
+            <a:bodyPr rtlCol="0" anchor="ctr"/>
+            <a:lstStyle/>
+            <a:p>
+              <a:pPr algn="ctr"/>
+              <a:endParaRPr lang="en-US"/>
+            </a:p>
+          </p:txBody>
+        </p:sp>
+        <p:sp>
+          <p:nvSpPr>
+            <p:cNvPr id="44" name="Oval 43">
+              <a:extLst>
+                <a:ext uri="{FF2B5EF4-FFF2-40B4-BE49-F238E27FC236}">
+                  <a16:creationId xmlns:a16="http://schemas.microsoft.com/office/drawing/2014/main" id="{00F5FB79-D118-ADFB-BC2C-D06D296CB529}"/>
+                </a:ext>
+              </a:extLst>
+            </p:cNvPr>
+            <p:cNvSpPr/>
+            <p:nvPr/>
+          </p:nvSpPr>
+          <p:spPr>
+            <a:xfrm>
+              <a:off x="9309268" y="3423033"/>
+              <a:ext cx="87512" cy="87512"/>
+            </a:xfrm>
+            <a:prstGeom prst="ellipse">
+              <a:avLst/>
+            </a:prstGeom>
+            <a:noFill/>
+            <a:ln w="28575">
+              <a:solidFill>
+                <a:schemeClr val="accent2"/>
+              </a:solidFill>
+            </a:ln>
+          </p:spPr>
+          <p:style>
+            <a:lnRef idx="2">
+              <a:schemeClr val="accent1">
+                <a:shade val="15000"/>
+              </a:schemeClr>
+            </a:lnRef>
+            <a:fillRef idx="1">
+              <a:schemeClr val="accent1"/>
+            </a:fillRef>
+            <a:effectRef idx="0">
+              <a:schemeClr val="accent1"/>
+            </a:effectRef>
+            <a:fontRef idx="minor">
+              <a:schemeClr val="lt1"/>
+            </a:fontRef>
+          </p:style>
+          <p:txBody>
+            <a:bodyPr rtlCol="0" anchor="ctr"/>
+            <a:lstStyle/>
+            <a:p>
+              <a:pPr algn="ctr"/>
+              <a:endParaRPr lang="en-US"/>
+            </a:p>
+          </p:txBody>
+        </p:sp>
+      </p:grpSp>
+      <p:sp>
+        <p:nvSpPr>
+          <p:cNvPr id="45" name="Oval 44">
+            <a:extLst>
+              <a:ext uri="{FF2B5EF4-FFF2-40B4-BE49-F238E27FC236}">
+                <a16:creationId xmlns:a16="http://schemas.microsoft.com/office/drawing/2014/main" id="{8936AB2E-BCDF-01E6-63A0-AFF02CEE7628}"/>
+              </a:ext>
+            </a:extLst>
+          </p:cNvPr>
+          <p:cNvSpPr/>
+          <p:nvPr/>
+        </p:nvSpPr>
+        <p:spPr>
+          <a:xfrm>
+            <a:off x="5375085" y="3178508"/>
+            <a:ext cx="87512" cy="87512"/>
+          </a:xfrm>
+          <a:prstGeom prst="ellipse">
+            <a:avLst/>
+          </a:prstGeom>
+          <a:noFill/>
+          <a:ln w="28575">
+            <a:solidFill>
+              <a:schemeClr val="tx2">
+                <a:lumMod val="50000"/>
+                <a:lumOff val="50000"/>
+              </a:schemeClr>
+            </a:solidFill>
+          </a:ln>
+        </p:spPr>
+        <p:style>
+          <a:lnRef idx="2">
+            <a:schemeClr val="accent1">
+              <a:shade val="15000"/>
+            </a:schemeClr>
+          </a:lnRef>
+          <a:fillRef idx="1">
+            <a:schemeClr val="accent1"/>
+          </a:fillRef>
+          <a:effectRef idx="0">
+            <a:schemeClr val="accent1"/>
+          </a:effectRef>
+          <a:fontRef idx="minor">
+            <a:schemeClr val="lt1"/>
+          </a:fontRef>
+        </p:style>
+        <p:txBody>
+          <a:bodyPr rtlCol="0" anchor="ctr"/>
+          <a:lstStyle/>
+          <a:p>
+            <a:pPr algn="ctr"/>
+            <a:endParaRPr lang="en-US"/>
+          </a:p>
+        </p:txBody>
+      </p:sp>
+      <p:grpSp>
+        <p:nvGrpSpPr>
+          <p:cNvPr id="2" name="Group 1">
+            <a:extLst>
+              <a:ext uri="{FF2B5EF4-FFF2-40B4-BE49-F238E27FC236}">
+                <a16:creationId xmlns:a16="http://schemas.microsoft.com/office/drawing/2014/main" id="{8730098E-71C6-F7EF-EE5C-60D7A03B1883}"/>
+              </a:ext>
+            </a:extLst>
+          </p:cNvPr>
+          <p:cNvGrpSpPr/>
+          <p:nvPr/>
+        </p:nvGrpSpPr>
+        <p:grpSpPr>
+          <a:xfrm>
+            <a:off x="4359571" y="3326099"/>
+            <a:ext cx="1710744" cy="1652404"/>
+            <a:chOff x="9448550" y="3326099"/>
+            <a:chExt cx="1710744" cy="1652404"/>
+          </a:xfrm>
+        </p:grpSpPr>
+        <p:pic>
+          <p:nvPicPr>
+            <p:cNvPr id="3" name="Graphic 2" descr="Female Profile outline">
+              <a:extLst>
+                <a:ext uri="{FF2B5EF4-FFF2-40B4-BE49-F238E27FC236}">
+                  <a16:creationId xmlns:a16="http://schemas.microsoft.com/office/drawing/2014/main" id="{BF165D4E-9374-F76B-267B-3F2BE0BC6BE5}"/>
+                </a:ext>
+              </a:extLst>
+            </p:cNvPr>
+            <p:cNvPicPr>
+              <a:picLocks noChangeAspect="1"/>
+            </p:cNvPicPr>
+            <p:nvPr/>
+          </p:nvPicPr>
+          <p:blipFill>
+            <a:blip r:embed="rId5">
+              <a:extLst>
+                <a:ext uri="{96DAC541-7B7A-43D3-8B79-37D633B846F1}">
+                  <asvg:svgBlip xmlns:asvg="http://schemas.microsoft.com/office/drawing/2016/SVG/main" r:embed="rId6"/>
+                </a:ext>
+              </a:extLst>
+            </a:blip>
+            <a:stretch>
+              <a:fillRect/>
+            </a:stretch>
+          </p:blipFill>
+          <p:spPr>
+            <a:xfrm>
+              <a:off x="9567800" y="3326099"/>
+              <a:ext cx="1501442" cy="1501442"/>
+            </a:xfrm>
+            <a:prstGeom prst="rect">
+              <a:avLst/>
+            </a:prstGeom>
+          </p:spPr>
+        </p:pic>
+        <p:sp>
+          <p:nvSpPr>
+            <p:cNvPr id="46" name="TextBox 45">
+              <a:extLst>
+                <a:ext uri="{FF2B5EF4-FFF2-40B4-BE49-F238E27FC236}">
+                  <a16:creationId xmlns:a16="http://schemas.microsoft.com/office/drawing/2014/main" id="{C66565F9-C9CB-7DB1-3E48-B6331BC75DA9}"/>
+                </a:ext>
+              </a:extLst>
+            </p:cNvPr>
+            <p:cNvSpPr txBox="1"/>
+            <p:nvPr/>
+          </p:nvSpPr>
+          <p:spPr>
+            <a:xfrm>
+              <a:off x="9448550" y="4609171"/>
+              <a:ext cx="1710744" cy="369332"/>
+            </a:xfrm>
+            <a:prstGeom prst="rect">
+              <a:avLst/>
+            </a:prstGeom>
+            <a:noFill/>
+          </p:spPr>
+          <p:txBody>
+            <a:bodyPr wrap="square" rtlCol="0">
+              <a:spAutoFit/>
+            </a:bodyPr>
+            <a:lstStyle/>
+            <a:p>
+              <a:pPr algn="ctr"/>
+              <a:r>
+                <a:rPr lang="en-US" dirty="0">
+                  <a:latin typeface="Times New Roman" panose="02020603050405020304" pitchFamily="18" charset="0"/>
+                  <a:cs typeface="Times New Roman" panose="02020603050405020304" pitchFamily="18" charset="0"/>
+                </a:rPr>
+                <a:t>Domain Expert</a:t>
+              </a:r>
+            </a:p>
+          </p:txBody>
+        </p:sp>
+      </p:grpSp>
+      <p:grpSp>
+        <p:nvGrpSpPr>
+          <p:cNvPr id="65" name="Group 64">
+            <a:extLst>
+              <a:ext uri="{FF2B5EF4-FFF2-40B4-BE49-F238E27FC236}">
+                <a16:creationId xmlns:a16="http://schemas.microsoft.com/office/drawing/2014/main" id="{639B1D67-DD13-E418-07E3-FDAFB80DC7D3}"/>
+              </a:ext>
+            </a:extLst>
+          </p:cNvPr>
+          <p:cNvGrpSpPr/>
+          <p:nvPr/>
+        </p:nvGrpSpPr>
+        <p:grpSpPr>
+          <a:xfrm>
+            <a:off x="1983411" y="1286075"/>
+            <a:ext cx="2189692" cy="3641304"/>
+            <a:chOff x="1312616" y="1286075"/>
+            <a:chExt cx="2189692" cy="3641304"/>
+          </a:xfrm>
+        </p:grpSpPr>
+        <p:sp>
+          <p:nvSpPr>
+            <p:cNvPr id="9" name="Rectangle 8">
+              <a:extLst>
+                <a:ext uri="{FF2B5EF4-FFF2-40B4-BE49-F238E27FC236}">
+                  <a16:creationId xmlns:a16="http://schemas.microsoft.com/office/drawing/2014/main" id="{01055EBC-3A77-6490-598F-22303A393F78}"/>
+                </a:ext>
+              </a:extLst>
+            </p:cNvPr>
+            <p:cNvSpPr/>
+            <p:nvPr/>
+          </p:nvSpPr>
+          <p:spPr>
+            <a:xfrm>
+              <a:off x="1312616" y="1286075"/>
+              <a:ext cx="2189692" cy="3641304"/>
+            </a:xfrm>
+            <a:prstGeom prst="rect">
+              <a:avLst/>
+            </a:prstGeom>
+            <a:solidFill>
+              <a:schemeClr val="bg1">
+                <a:lumMod val="85000"/>
+              </a:schemeClr>
+            </a:solidFill>
+            <a:ln w="28575">
+              <a:solidFill>
+                <a:schemeClr val="bg1">
+                  <a:lumMod val="75000"/>
+                </a:schemeClr>
+              </a:solidFill>
+            </a:ln>
+          </p:spPr>
+          <p:style>
+            <a:lnRef idx="1">
+              <a:schemeClr val="dk1"/>
+            </a:lnRef>
+            <a:fillRef idx="2">
+              <a:schemeClr val="dk1"/>
+            </a:fillRef>
+            <a:effectRef idx="1">
+              <a:schemeClr val="dk1"/>
+            </a:effectRef>
+            <a:fontRef idx="minor">
+              <a:schemeClr val="dk1"/>
+            </a:fontRef>
+          </p:style>
+          <p:txBody>
+            <a:bodyPr rtlCol="0" anchor="ctr"/>
+            <a:lstStyle/>
+            <a:p>
+              <a:pPr algn="ctr"/>
+              <a:endParaRPr lang="en-US"/>
+            </a:p>
+          </p:txBody>
+        </p:sp>
+        <p:grpSp>
+          <p:nvGrpSpPr>
+            <p:cNvPr id="10" name="Group 9">
+              <a:extLst>
+                <a:ext uri="{FF2B5EF4-FFF2-40B4-BE49-F238E27FC236}">
+                  <a16:creationId xmlns:a16="http://schemas.microsoft.com/office/drawing/2014/main" id="{7ACD7015-5A68-4ADD-2E9B-22E1842D74A1}"/>
+                </a:ext>
+              </a:extLst>
+            </p:cNvPr>
+            <p:cNvGrpSpPr/>
+            <p:nvPr/>
+          </p:nvGrpSpPr>
+          <p:grpSpPr>
+            <a:xfrm>
+              <a:off x="1399716" y="1983146"/>
+              <a:ext cx="2005642" cy="2843307"/>
+              <a:chOff x="1412209" y="1983146"/>
+              <a:chExt cx="2005642" cy="2843307"/>
+            </a:xfrm>
+          </p:grpSpPr>
+          <p:pic>
+            <p:nvPicPr>
+              <p:cNvPr id="11" name="Picture 10" descr="Two dogs lying on a chair&#10;&#10;Description automatically generated">
+                <a:extLst>
+                  <a:ext uri="{FF2B5EF4-FFF2-40B4-BE49-F238E27FC236}">
+                    <a16:creationId xmlns:a16="http://schemas.microsoft.com/office/drawing/2014/main" id="{266DA7A1-B338-4067-CADA-4FD693E309E5}"/>
+                  </a:ext>
+                </a:extLst>
+              </p:cNvPr>
+              <p:cNvPicPr>
+                <a:picLocks noChangeAspect="1"/>
+              </p:cNvPicPr>
+              <p:nvPr/>
+            </p:nvPicPr>
+            <p:blipFill rotWithShape="1">
+              <a:blip r:embed="rId4"/>
+              <a:srcRect t="10783" b="6481"/>
+              <a:stretch/>
+            </p:blipFill>
+            <p:spPr>
+              <a:xfrm>
+                <a:off x="1412209" y="3655117"/>
+                <a:ext cx="2005642" cy="1171336"/>
+              </a:xfrm>
+              <a:prstGeom prst="rect">
+                <a:avLst/>
+              </a:prstGeom>
+            </p:spPr>
+          </p:pic>
+          <p:pic>
+            <p:nvPicPr>
+              <p:cNvPr id="48" name="Picture 47">
+                <a:extLst>
+                  <a:ext uri="{FF2B5EF4-FFF2-40B4-BE49-F238E27FC236}">
+                    <a16:creationId xmlns:a16="http://schemas.microsoft.com/office/drawing/2014/main" id="{8EBC454D-F64C-D7CB-479C-3027733546B9}"/>
+                  </a:ext>
+                </a:extLst>
+              </p:cNvPr>
+              <p:cNvPicPr>
+                <a:picLocks noChangeAspect="1"/>
+              </p:cNvPicPr>
+              <p:nvPr/>
+            </p:nvPicPr>
+            <p:blipFill rotWithShape="1">
+              <a:blip r:embed="rId7"/>
+              <a:srcRect t="10783" b="6481"/>
+              <a:stretch/>
+            </p:blipFill>
+            <p:spPr>
+              <a:xfrm>
+                <a:off x="1412210" y="1983146"/>
+                <a:ext cx="2005641" cy="1171336"/>
+              </a:xfrm>
+              <a:prstGeom prst="rect">
+                <a:avLst/>
+              </a:prstGeom>
+              <a:ln w="28575">
+                <a:noFill/>
+              </a:ln>
+            </p:spPr>
+          </p:pic>
+          <p:sp>
+            <p:nvSpPr>
+              <p:cNvPr id="6" name="Down Arrow 5">
+                <a:extLst>
+                  <a:ext uri="{FF2B5EF4-FFF2-40B4-BE49-F238E27FC236}">
+                    <a16:creationId xmlns:a16="http://schemas.microsoft.com/office/drawing/2014/main" id="{2572843D-8EAE-56A8-27A3-C74B8CB97CEF}"/>
+                  </a:ext>
+                </a:extLst>
+              </p:cNvPr>
+              <p:cNvSpPr/>
+              <p:nvPr/>
+            </p:nvSpPr>
+            <p:spPr>
+              <a:xfrm>
+                <a:off x="2182372" y="3247732"/>
+                <a:ext cx="450179" cy="347680"/>
+              </a:xfrm>
+              <a:prstGeom prst="downArrow">
+                <a:avLst/>
+              </a:prstGeom>
+              <a:ln w="28575">
+                <a:noFill/>
+              </a:ln>
+            </p:spPr>
+            <p:style>
+              <a:lnRef idx="1">
+                <a:schemeClr val="accent6"/>
+              </a:lnRef>
+              <a:fillRef idx="2">
+                <a:schemeClr val="accent6"/>
+              </a:fillRef>
+              <a:effectRef idx="1">
+                <a:schemeClr val="accent6"/>
+              </a:effectRef>
+              <a:fontRef idx="minor">
+                <a:schemeClr val="dk1"/>
+              </a:fontRef>
+            </p:style>
+            <p:txBody>
+              <a:bodyPr rtlCol="0" anchor="ctr"/>
+              <a:lstStyle/>
+              <a:p>
+                <a:pPr algn="ctr"/>
+                <a:endParaRPr lang="en-US" dirty="0">
+                  <a:latin typeface="Times New Roman" panose="02020603050405020304" pitchFamily="18" charset="0"/>
+                  <a:cs typeface="Times New Roman" panose="02020603050405020304" pitchFamily="18" charset="0"/>
+                </a:endParaRPr>
+              </a:p>
+            </p:txBody>
+          </p:sp>
+        </p:grpSp>
+        <p:sp>
+          <p:nvSpPr>
+            <p:cNvPr id="8" name="TextBox 7">
+              <a:extLst>
+                <a:ext uri="{FF2B5EF4-FFF2-40B4-BE49-F238E27FC236}">
+                  <a16:creationId xmlns:a16="http://schemas.microsoft.com/office/drawing/2014/main" id="{2AD91BFC-83AB-E98B-A018-E460A4C990AE}"/>
+                </a:ext>
+              </a:extLst>
+            </p:cNvPr>
+            <p:cNvSpPr txBox="1"/>
+            <p:nvPr/>
+          </p:nvSpPr>
+          <p:spPr>
+            <a:xfrm>
+              <a:off x="1353624" y="1286075"/>
+              <a:ext cx="2077492" cy="646331"/>
+            </a:xfrm>
+            <a:prstGeom prst="rect">
+              <a:avLst/>
+            </a:prstGeom>
+            <a:noFill/>
+          </p:spPr>
+          <p:txBody>
+            <a:bodyPr wrap="square" rtlCol="0">
+              <a:spAutoFit/>
+            </a:bodyPr>
+            <a:lstStyle/>
+            <a:p>
+              <a:pPr algn="ctr"/>
+              <a:r>
+                <a:rPr lang="en-US" dirty="0">
+                  <a:latin typeface="Times New Roman" panose="02020603050405020304" pitchFamily="18" charset="0"/>
+                  <a:cs typeface="Times New Roman" panose="02020603050405020304" pitchFamily="18" charset="0"/>
+                </a:rPr>
+                <a:t>Interpretable Feature Extraction</a:t>
+              </a:r>
+            </a:p>
+          </p:txBody>
+        </p:sp>
+      </p:grpSp>
+      <p:pic>
+        <p:nvPicPr>
+          <p:cNvPr id="42" name="Picture 41" descr="A black background with a black square&#10;&#10;Description automatically generated with medium confidence">
+            <a:extLst>
+              <a:ext uri="{FF2B5EF4-FFF2-40B4-BE49-F238E27FC236}">
+                <a16:creationId xmlns:a16="http://schemas.microsoft.com/office/drawing/2014/main" id="{025C3E34-B9BE-3761-34F9-CB77A53F1EFB}"/>
+              </a:ext>
+            </a:extLst>
+          </p:cNvPr>
+          <p:cNvPicPr>
+            <a:picLocks noChangeAspect="1"/>
+          </p:cNvPicPr>
+          <p:nvPr/>
+        </p:nvPicPr>
+        <p:blipFill>
+          <a:blip r:embed="rId8"/>
+          <a:stretch>
+            <a:fillRect/>
+          </a:stretch>
+        </p:blipFill>
+        <p:spPr>
+          <a:xfrm>
+            <a:off x="5053308" y="3746362"/>
+            <a:ext cx="341651" cy="134646"/>
+          </a:xfrm>
+          <a:prstGeom prst="rect">
+            <a:avLst/>
+          </a:prstGeom>
+        </p:spPr>
+      </p:pic>
+      <p:cxnSp>
+        <p:nvCxnSpPr>
+          <p:cNvPr id="47" name="Straight Connector 46">
+            <a:extLst>
+              <a:ext uri="{FF2B5EF4-FFF2-40B4-BE49-F238E27FC236}">
+                <a16:creationId xmlns:a16="http://schemas.microsoft.com/office/drawing/2014/main" id="{13712CCE-AB78-37F9-7ED2-38040D066316}"/>
+              </a:ext>
+            </a:extLst>
+          </p:cNvPr>
+          <p:cNvCxnSpPr>
+            <a:cxnSpLocks/>
+          </p:cNvCxnSpPr>
+          <p:nvPr/>
+        </p:nvCxnSpPr>
+        <p:spPr>
+          <a:xfrm flipH="1">
+            <a:off x="2727569" y="3746362"/>
+            <a:ext cx="2140122" cy="0"/>
+          </a:xfrm>
+          <a:prstGeom prst="line">
+            <a:avLst/>
+          </a:prstGeom>
+          <a:ln>
+            <a:solidFill>
+              <a:schemeClr val="accent6">
+                <a:alpha val="60000"/>
+              </a:schemeClr>
+            </a:solidFill>
+          </a:ln>
+        </p:spPr>
+        <p:style>
+          <a:lnRef idx="2">
+            <a:schemeClr val="accent1"/>
+          </a:lnRef>
+          <a:fillRef idx="0">
+            <a:schemeClr val="accent1"/>
+          </a:fillRef>
+          <a:effectRef idx="1">
+            <a:schemeClr val="accent1"/>
+          </a:effectRef>
+          <a:fontRef idx="minor">
+            <a:schemeClr val="tx1"/>
+          </a:fontRef>
+        </p:style>
+      </p:cxnSp>
+      <p:cxnSp>
+        <p:nvCxnSpPr>
+          <p:cNvPr id="55" name="Straight Connector 54">
+            <a:extLst>
+              <a:ext uri="{FF2B5EF4-FFF2-40B4-BE49-F238E27FC236}">
+                <a16:creationId xmlns:a16="http://schemas.microsoft.com/office/drawing/2014/main" id="{B5A17FDF-5CE6-BFC5-40A9-5C39F2E2057B}"/>
+              </a:ext>
+            </a:extLst>
+          </p:cNvPr>
+          <p:cNvCxnSpPr>
+            <a:cxnSpLocks/>
+          </p:cNvCxnSpPr>
+          <p:nvPr/>
+        </p:nvCxnSpPr>
+        <p:spPr>
+          <a:xfrm flipH="1">
+            <a:off x="2892425" y="3915048"/>
+            <a:ext cx="1975266" cy="721076"/>
+          </a:xfrm>
+          <a:prstGeom prst="line">
+            <a:avLst/>
+          </a:prstGeom>
+          <a:ln>
+            <a:solidFill>
+              <a:schemeClr val="accent6">
+                <a:alpha val="60000"/>
+              </a:schemeClr>
+            </a:solidFill>
+          </a:ln>
+        </p:spPr>
+        <p:style>
+          <a:lnRef idx="2">
+            <a:schemeClr val="accent1"/>
+          </a:lnRef>
+          <a:fillRef idx="0">
+            <a:schemeClr val="accent1"/>
+          </a:fillRef>
+          <a:effectRef idx="1">
+            <a:schemeClr val="accent1"/>
+          </a:effectRef>
+          <a:fontRef idx="minor">
+            <a:schemeClr val="tx1"/>
+          </a:fontRef>
+        </p:style>
+      </p:cxnSp>
+      <p:sp>
+        <p:nvSpPr>
+          <p:cNvPr id="70" name="Right Arrow 69">
+            <a:extLst>
+              <a:ext uri="{FF2B5EF4-FFF2-40B4-BE49-F238E27FC236}">
+                <a16:creationId xmlns:a16="http://schemas.microsoft.com/office/drawing/2014/main" id="{38BA63E5-E626-FC20-5674-BE817DAE0704}"/>
+              </a:ext>
+            </a:extLst>
+          </p:cNvPr>
+          <p:cNvSpPr/>
+          <p:nvPr/>
+        </p:nvSpPr>
+        <p:spPr>
+          <a:xfrm rot="10176472">
+            <a:off x="4534963" y="3797279"/>
+            <a:ext cx="211015" cy="125367"/>
+          </a:xfrm>
+          <a:prstGeom prst="rightArrow">
+            <a:avLst/>
+          </a:prstGeom>
+          <a:solidFill>
+            <a:schemeClr val="accent6">
+              <a:alpha val="80000"/>
+            </a:schemeClr>
+          </a:solidFill>
+          <a:ln>
+            <a:noFill/>
+          </a:ln>
+        </p:spPr>
+        <p:style>
+          <a:lnRef idx="2">
+            <a:schemeClr val="accent1">
+              <a:shade val="15000"/>
+            </a:schemeClr>
+          </a:lnRef>
+          <a:fillRef idx="1">
+            <a:schemeClr val="accent1"/>
+          </a:fillRef>
+          <a:effectRef idx="0">
+            <a:schemeClr val="accent1"/>
+          </a:effectRef>
+          <a:fontRef idx="minor">
+            <a:schemeClr val="lt1"/>
+          </a:fontRef>
+        </p:style>
+        <p:txBody>
+          <a:bodyPr rtlCol="0" anchor="ctr"/>
+          <a:lstStyle/>
+          <a:p>
+            <a:pPr algn="ctr"/>
+            <a:endParaRPr lang="en-US"/>
+          </a:p>
+        </p:txBody>
+      </p:sp>
+      <p:sp>
+        <p:nvSpPr>
+          <p:cNvPr id="74" name="Right Arrow 73">
+            <a:extLst>
+              <a:ext uri="{FF2B5EF4-FFF2-40B4-BE49-F238E27FC236}">
+                <a16:creationId xmlns:a16="http://schemas.microsoft.com/office/drawing/2014/main" id="{0D840333-F8BC-0710-1930-728ECFEE165F}"/>
+              </a:ext>
+            </a:extLst>
+          </p:cNvPr>
+          <p:cNvSpPr/>
+          <p:nvPr/>
+        </p:nvSpPr>
+        <p:spPr>
+          <a:xfrm rot="10176472">
+            <a:off x="4196348" y="3857711"/>
+            <a:ext cx="211015" cy="125367"/>
+          </a:xfrm>
+          <a:prstGeom prst="rightArrow">
+            <a:avLst/>
+          </a:prstGeom>
+          <a:solidFill>
+            <a:schemeClr val="accent6">
+              <a:alpha val="80000"/>
+            </a:schemeClr>
+          </a:solidFill>
+          <a:ln>
+            <a:noFill/>
+          </a:ln>
+        </p:spPr>
+        <p:style>
+          <a:lnRef idx="2">
+            <a:schemeClr val="accent1">
+              <a:shade val="15000"/>
+            </a:schemeClr>
+          </a:lnRef>
+          <a:fillRef idx="1">
+            <a:schemeClr val="accent1"/>
+          </a:fillRef>
+          <a:effectRef idx="0">
+            <a:schemeClr val="accent1"/>
+          </a:effectRef>
+          <a:fontRef idx="minor">
+            <a:schemeClr val="lt1"/>
+          </a:fontRef>
+        </p:style>
+        <p:txBody>
+          <a:bodyPr rtlCol="0" anchor="ctr"/>
+          <a:lstStyle/>
+          <a:p>
+            <a:pPr algn="ctr"/>
+            <a:endParaRPr lang="en-US" dirty="0"/>
+          </a:p>
+        </p:txBody>
+      </p:sp>
+      <p:sp>
+        <p:nvSpPr>
+          <p:cNvPr id="75" name="Right Arrow 74">
+            <a:extLst>
+              <a:ext uri="{FF2B5EF4-FFF2-40B4-BE49-F238E27FC236}">
+                <a16:creationId xmlns:a16="http://schemas.microsoft.com/office/drawing/2014/main" id="{C9ADB759-1C33-194B-249E-44A6A5A0BC6C}"/>
+              </a:ext>
+            </a:extLst>
+          </p:cNvPr>
+          <p:cNvSpPr/>
+          <p:nvPr/>
+        </p:nvSpPr>
+        <p:spPr>
+          <a:xfrm rot="10176472">
+            <a:off x="3854571" y="3915834"/>
+            <a:ext cx="211015" cy="125367"/>
+          </a:xfrm>
+          <a:prstGeom prst="rightArrow">
+            <a:avLst/>
+          </a:prstGeom>
+          <a:solidFill>
+            <a:schemeClr val="accent6">
+              <a:alpha val="80000"/>
+            </a:schemeClr>
+          </a:solidFill>
+          <a:ln>
+            <a:noFill/>
+          </a:ln>
+        </p:spPr>
+        <p:style>
+          <a:lnRef idx="2">
+            <a:schemeClr val="accent1">
+              <a:shade val="15000"/>
+            </a:schemeClr>
+          </a:lnRef>
+          <a:fillRef idx="1">
+            <a:schemeClr val="accent1"/>
+          </a:fillRef>
+          <a:effectRef idx="0">
+            <a:schemeClr val="accent1"/>
+          </a:effectRef>
+          <a:fontRef idx="minor">
+            <a:schemeClr val="lt1"/>
+          </a:fontRef>
+        </p:style>
+        <p:txBody>
+          <a:bodyPr rtlCol="0" anchor="ctr"/>
+          <a:lstStyle/>
+          <a:p>
+            <a:pPr algn="ctr"/>
+            <a:endParaRPr lang="en-US"/>
+          </a:p>
+        </p:txBody>
+      </p:sp>
+      <p:sp>
+        <p:nvSpPr>
+          <p:cNvPr id="82" name="Right Arrow 81">
+            <a:extLst>
+              <a:ext uri="{FF2B5EF4-FFF2-40B4-BE49-F238E27FC236}">
+                <a16:creationId xmlns:a16="http://schemas.microsoft.com/office/drawing/2014/main" id="{18AD47DC-9F3C-C1BC-DB43-A26C5F15A843}"/>
+              </a:ext>
+            </a:extLst>
+          </p:cNvPr>
+          <p:cNvSpPr/>
+          <p:nvPr/>
+        </p:nvSpPr>
+        <p:spPr>
+          <a:xfrm rot="10176472">
+            <a:off x="3531748" y="3969924"/>
+            <a:ext cx="211015" cy="125367"/>
+          </a:xfrm>
+          <a:prstGeom prst="rightArrow">
+            <a:avLst/>
+          </a:prstGeom>
+          <a:solidFill>
+            <a:schemeClr val="accent6">
+              <a:alpha val="80000"/>
+            </a:schemeClr>
+          </a:solidFill>
+          <a:ln>
+            <a:noFill/>
+          </a:ln>
+        </p:spPr>
+        <p:style>
+          <a:lnRef idx="2">
+            <a:schemeClr val="accent1">
+              <a:shade val="15000"/>
+            </a:schemeClr>
+          </a:lnRef>
+          <a:fillRef idx="1">
+            <a:schemeClr val="accent1"/>
+          </a:fillRef>
+          <a:effectRef idx="0">
+            <a:schemeClr val="accent1"/>
+          </a:effectRef>
+          <a:fontRef idx="minor">
+            <a:schemeClr val="lt1"/>
+          </a:fontRef>
+        </p:style>
+        <p:txBody>
+          <a:bodyPr rtlCol="0" anchor="ctr"/>
+          <a:lstStyle/>
+          <a:p>
+            <a:pPr algn="ctr"/>
+            <a:endParaRPr lang="en-US"/>
+          </a:p>
+        </p:txBody>
+      </p:sp>
+      <p:sp>
+        <p:nvSpPr>
+          <p:cNvPr id="83" name="Right Arrow 82">
+            <a:extLst>
+              <a:ext uri="{FF2B5EF4-FFF2-40B4-BE49-F238E27FC236}">
+                <a16:creationId xmlns:a16="http://schemas.microsoft.com/office/drawing/2014/main" id="{77626FE7-B3A2-8FA4-7585-4EC91D3BD880}"/>
+              </a:ext>
+            </a:extLst>
+          </p:cNvPr>
+          <p:cNvSpPr/>
+          <p:nvPr/>
+        </p:nvSpPr>
+        <p:spPr>
+          <a:xfrm rot="10176472">
+            <a:off x="3223846" y="4029773"/>
+            <a:ext cx="211015" cy="125367"/>
+          </a:xfrm>
+          <a:prstGeom prst="rightArrow">
+            <a:avLst/>
+          </a:prstGeom>
+          <a:solidFill>
+            <a:schemeClr val="accent6">
+              <a:alpha val="80000"/>
+            </a:schemeClr>
+          </a:solidFill>
+          <a:ln>
+            <a:noFill/>
+          </a:ln>
+        </p:spPr>
+        <p:style>
+          <a:lnRef idx="2">
+            <a:schemeClr val="accent1">
+              <a:shade val="15000"/>
+            </a:schemeClr>
+          </a:lnRef>
+          <a:fillRef idx="1">
+            <a:schemeClr val="accent1"/>
+          </a:fillRef>
+          <a:effectRef idx="0">
+            <a:schemeClr val="accent1"/>
+          </a:effectRef>
+          <a:fontRef idx="minor">
+            <a:schemeClr val="lt1"/>
+          </a:fontRef>
+        </p:style>
+        <p:txBody>
+          <a:bodyPr rtlCol="0" anchor="ctr"/>
+          <a:lstStyle/>
+          <a:p>
+            <a:pPr algn="ctr"/>
+            <a:endParaRPr lang="en-US"/>
+          </a:p>
+        </p:txBody>
+      </p:sp>
+    </p:spTree>
+    <p:extLst>
+      <p:ext uri="{BB962C8B-B14F-4D97-AF65-F5344CB8AC3E}">
+        <p14:creationId xmlns:p14="http://schemas.microsoft.com/office/powerpoint/2010/main" val="2264183888"/>
+      </p:ext>
+    </p:extLst>
+  </p:cSld>
+  <p:clrMapOvr>
+    <a:masterClrMapping/>
+  </p:clrMapOvr>
+</p:sld>
+</file>
+
+<file path=ppt/slides/slide9.xml><?xml version="1.0" encoding="utf-8"?>
+<p:sld xmlns:a="http://schemas.openxmlformats.org/drawingml/2006/main" xmlns:r="http://schemas.openxmlformats.org/officeDocument/2006/relationships" xmlns:p="http://schemas.openxmlformats.org/presentationml/2006/main">
+  <p:cSld>
+    <p:spTree>
+      <p:nvGrpSpPr>
+        <p:cNvPr id="1" name=""/>
+        <p:cNvGrpSpPr/>
+        <p:nvPr/>
+      </p:nvGrpSpPr>
+      <p:grpSpPr>
+        <a:xfrm>
+          <a:off x="0" y="0"/>
+          <a:ext cx="0" cy="0"/>
+          <a:chOff x="0" y="0"/>
+          <a:chExt cx="0" cy="0"/>
+        </a:xfrm>
+      </p:grpSpPr>
+      <p:grpSp>
+        <p:nvGrpSpPr>
+          <p:cNvPr id="20" name="Group 19">
+            <a:extLst>
+              <a:ext uri="{FF2B5EF4-FFF2-40B4-BE49-F238E27FC236}">
+                <a16:creationId xmlns:a16="http://schemas.microsoft.com/office/drawing/2014/main" id="{FBC3136C-D943-2EE6-A0B0-260164D68119}"/>
+              </a:ext>
+            </a:extLst>
+          </p:cNvPr>
+          <p:cNvGrpSpPr/>
+          <p:nvPr/>
+        </p:nvGrpSpPr>
+        <p:grpSpPr>
+          <a:xfrm>
+            <a:off x="6658785" y="3248139"/>
+            <a:ext cx="2485214" cy="1629552"/>
+            <a:chOff x="4998119" y="1632551"/>
+            <a:chExt cx="2489453" cy="1632332"/>
+          </a:xfrm>
+        </p:grpSpPr>
+        <p:pic>
+          <p:nvPicPr>
+            <p:cNvPr id="7" name="Picture 6" descr="Two dogs lying on a couch&#10;&#10;Description automatically generated">
+              <a:extLst>
+                <a:ext uri="{FF2B5EF4-FFF2-40B4-BE49-F238E27FC236}">
+                  <a16:creationId xmlns:a16="http://schemas.microsoft.com/office/drawing/2014/main" id="{B32A8E2B-DABC-9835-763E-A71AB0ADD1ED}"/>
+                </a:ext>
+              </a:extLst>
+            </p:cNvPr>
+            <p:cNvPicPr>
+              <a:picLocks noChangeAspect="1"/>
+            </p:cNvPicPr>
+            <p:nvPr/>
+          </p:nvPicPr>
+          <p:blipFill rotWithShape="1">
+            <a:blip r:embed="rId2"/>
+            <a:srcRect t="13611" b="11723"/>
+            <a:stretch/>
+          </p:blipFill>
+          <p:spPr>
+            <a:xfrm>
+              <a:off x="4998120" y="1632551"/>
+              <a:ext cx="2489452" cy="1312082"/>
+            </a:xfrm>
+            <a:prstGeom prst="roundRect">
+              <a:avLst/>
+            </a:prstGeom>
+            <a:ln w="28575">
+              <a:solidFill>
+                <a:schemeClr val="accent2"/>
+              </a:solidFill>
+            </a:ln>
+          </p:spPr>
+        </p:pic>
+        <p:sp>
+          <p:nvSpPr>
+            <p:cNvPr id="13" name="TextBox 12">
+              <a:extLst>
+                <a:ext uri="{FF2B5EF4-FFF2-40B4-BE49-F238E27FC236}">
+                  <a16:creationId xmlns:a16="http://schemas.microsoft.com/office/drawing/2014/main" id="{3CDA9E6C-84D6-8AC5-AA48-A10DEBE8F667}"/>
+                </a:ext>
+              </a:extLst>
+            </p:cNvPr>
+            <p:cNvSpPr txBox="1"/>
+            <p:nvPr/>
+          </p:nvSpPr>
+          <p:spPr>
+            <a:xfrm>
+              <a:off x="4998119" y="2976061"/>
+              <a:ext cx="2489451" cy="288822"/>
+            </a:xfrm>
+            <a:prstGeom prst="roundRect">
+              <a:avLst/>
+            </a:prstGeom>
+            <a:noFill/>
+          </p:spPr>
+          <p:txBody>
+            <a:bodyPr wrap="square" rtlCol="0">
+              <a:spAutoFit/>
+            </a:bodyPr>
+            <a:lstStyle/>
+            <a:p>
+              <a:pPr algn="ctr"/>
+              <a:r>
+                <a:rPr lang="en-US" sz="1400" dirty="0">
+                  <a:latin typeface="Times New Roman" panose="02020603050405020304" pitchFamily="18" charset="0"/>
+                  <a:cs typeface="Times New Roman" panose="02020603050405020304" pitchFamily="18" charset="0"/>
+                </a:rPr>
+                <a:t>Explicit Expert Annotation</a:t>
+              </a:r>
+            </a:p>
+          </p:txBody>
+        </p:sp>
+      </p:grpSp>
+      <p:grpSp>
+        <p:nvGrpSpPr>
+          <p:cNvPr id="21" name="Group 20">
+            <a:extLst>
+              <a:ext uri="{FF2B5EF4-FFF2-40B4-BE49-F238E27FC236}">
+                <a16:creationId xmlns:a16="http://schemas.microsoft.com/office/drawing/2014/main" id="{CD69F952-35E0-2A0C-EF12-1AB0ACF9F4EB}"/>
+              </a:ext>
+            </a:extLst>
+          </p:cNvPr>
+          <p:cNvGrpSpPr/>
+          <p:nvPr/>
+        </p:nvGrpSpPr>
+        <p:grpSpPr>
+          <a:xfrm>
+            <a:off x="5322349" y="2061353"/>
+            <a:ext cx="3821650" cy="959715"/>
+            <a:chOff x="3016051" y="3098880"/>
+            <a:chExt cx="3821650" cy="959715"/>
+          </a:xfrm>
+        </p:grpSpPr>
+        <p:sp>
+          <p:nvSpPr>
+            <p:cNvPr id="14" name="TextBox 13">
+              <a:extLst>
+                <a:ext uri="{FF2B5EF4-FFF2-40B4-BE49-F238E27FC236}">
+                  <a16:creationId xmlns:a16="http://schemas.microsoft.com/office/drawing/2014/main" id="{8AA7658A-F5A6-3E2A-C46A-5ACD29CBFA3E}"/>
+                </a:ext>
+              </a:extLst>
+            </p:cNvPr>
+            <p:cNvSpPr txBox="1"/>
+            <p:nvPr/>
+          </p:nvSpPr>
+          <p:spPr>
+            <a:xfrm>
+              <a:off x="3898160" y="3098880"/>
+              <a:ext cx="2057445" cy="340519"/>
+            </a:xfrm>
+            <a:prstGeom prst="roundRect">
+              <a:avLst/>
+            </a:prstGeom>
+            <a:noFill/>
+          </p:spPr>
+          <p:txBody>
+            <a:bodyPr wrap="none" rtlCol="0">
+              <a:spAutoFit/>
+            </a:bodyPr>
+            <a:lstStyle/>
+            <a:p>
+              <a:pPr algn="ctr"/>
+              <a:r>
+                <a:rPr lang="en-US" sz="1400" dirty="0">
+                  <a:latin typeface="Times New Roman" panose="02020603050405020304" pitchFamily="18" charset="0"/>
+                  <a:cs typeface="Times New Roman" panose="02020603050405020304" pitchFamily="18" charset="0"/>
+                </a:rPr>
+                <a:t>Implicit Scoring Function</a:t>
+              </a:r>
+            </a:p>
+          </p:txBody>
+        </p:sp>
+        <mc:AlternateContent xmlns:mc="http://schemas.openxmlformats.org/markup-compatibility/2006" xmlns:a14="http://schemas.microsoft.com/office/drawing/2010/main">
+          <mc:Choice Requires="a14">
+            <p:sp>
+              <p:nvSpPr>
+                <p:cNvPr id="17" name="TextBox 16">
+                  <a:extLst>
+                    <a:ext uri="{FF2B5EF4-FFF2-40B4-BE49-F238E27FC236}">
+                      <a16:creationId xmlns:a16="http://schemas.microsoft.com/office/drawing/2014/main" id="{81861B9A-8DC9-FCA2-2B2F-E6605A13B646}"/>
+                    </a:ext>
+                  </a:extLst>
+                </p:cNvPr>
+                <p:cNvSpPr txBox="1"/>
+                <p:nvPr/>
+              </p:nvSpPr>
+              <p:spPr>
+                <a:xfrm>
+                  <a:off x="3016051" y="3479713"/>
+                  <a:ext cx="3821650" cy="578882"/>
+                </a:xfrm>
+                <a:prstGeom prst="roundRect">
+                  <a:avLst/>
+                </a:prstGeom>
+                <a:solidFill>
+                  <a:schemeClr val="tx2">
+                    <a:lumMod val="10000"/>
+                    <a:lumOff val="90000"/>
+                  </a:schemeClr>
+                </a:solidFill>
+                <a:ln w="28575">
+                  <a:solidFill>
+                    <a:schemeClr val="tx2">
+                      <a:lumMod val="50000"/>
+                      <a:lumOff val="50000"/>
+                    </a:schemeClr>
+                  </a:solidFill>
+                </a:ln>
+              </p:spPr>
+              <p:txBody>
+                <a:bodyPr wrap="square">
+                  <a:spAutoFit/>
+                </a:bodyPr>
+                <a:lstStyle/>
+                <a:p>
+                  <a:pPr/>
+                  <a14:m>
+                    <m:oMathPara xmlns:m="http://schemas.openxmlformats.org/officeDocument/2006/math">
+                      <m:oMathParaPr>
+                        <m:jc m:val="centerGroup"/>
+                      </m:oMathParaPr>
+                      <m:oMath xmlns:m="http://schemas.openxmlformats.org/officeDocument/2006/math">
+                        <m:r>
+                          <m:rPr>
+                            <m:sty m:val="p"/>
+                          </m:rPr>
+                          <a:rPr lang="en-US" sz="2800" b="0" i="0" smtClean="0">
+                            <a:latin typeface="Cambria Math" panose="02040503050406030204" pitchFamily="18" charset="0"/>
+                            <a:cs typeface="Times New Roman" panose="02020603050405020304" pitchFamily="18" charset="0"/>
+                          </a:rPr>
+                          <m:t>ExpertAlign</m:t>
+                        </m:r>
+                        <m:r>
+                          <a:rPr lang="en-US" sz="2800" b="0" i="0" smtClean="0">
+                            <a:latin typeface="Cambria Math" panose="02040503050406030204" pitchFamily="18" charset="0"/>
+                            <a:cs typeface="Times New Roman" panose="02020603050405020304" pitchFamily="18" charset="0"/>
+                          </a:rPr>
+                          <m:t>(</m:t>
+                        </m:r>
+                        <m:r>
+                          <a:rPr lang="en-US" sz="2800" b="0" i="1" smtClean="0">
+                            <a:latin typeface="Cambria Math" panose="02040503050406030204" pitchFamily="18" charset="0"/>
+                            <a:cs typeface="Times New Roman" panose="02020603050405020304" pitchFamily="18" charset="0"/>
+                          </a:rPr>
+                          <m:t>          </m:t>
+                        </m:r>
+                        <m:r>
+                          <a:rPr lang="en-US" sz="2800" b="0" i="0" smtClean="0">
+                            <a:latin typeface="Cambria Math" panose="02040503050406030204" pitchFamily="18" charset="0"/>
+                            <a:cs typeface="Times New Roman" panose="02020603050405020304" pitchFamily="18" charset="0"/>
+                          </a:rPr>
+                          <m:t>)</m:t>
+                        </m:r>
+                      </m:oMath>
+                    </m:oMathPara>
+                  </a14:m>
+                  <a:endParaRPr lang="en-US" sz="2800" dirty="0"/>
+                </a:p>
+              </p:txBody>
+            </p:sp>
+          </mc:Choice>
+          <mc:Fallback xmlns="">
+            <p:sp>
+              <p:nvSpPr>
+                <p:cNvPr id="17" name="TextBox 16">
+                  <a:extLst>
+                    <a:ext uri="{FF2B5EF4-FFF2-40B4-BE49-F238E27FC236}">
+                      <a16:creationId xmlns:a16="http://schemas.microsoft.com/office/drawing/2014/main" id="{81861B9A-8DC9-FCA2-2B2F-E6605A13B646}"/>
+                    </a:ext>
+                  </a:extLst>
+                </p:cNvPr>
+                <p:cNvSpPr txBox="1">
+                  <a:spLocks noRot="1" noChangeAspect="1" noMove="1" noResize="1" noEditPoints="1" noAdjustHandles="1" noChangeArrowheads="1" noChangeShapeType="1" noTextEdit="1"/>
+                </p:cNvSpPr>
+                <p:nvPr/>
+              </p:nvSpPr>
+              <p:spPr>
+                <a:xfrm>
+                  <a:off x="3016051" y="3479713"/>
+                  <a:ext cx="3821650" cy="578882"/>
+                </a:xfrm>
+                <a:prstGeom prst="roundRect">
+                  <a:avLst/>
+                </a:prstGeom>
+                <a:blipFill>
+                  <a:blip r:embed="rId3"/>
+                  <a:stretch>
+                    <a:fillRect b="-10204"/>
+                  </a:stretch>
+                </a:blipFill>
+                <a:ln w="28575">
+                  <a:solidFill>
+                    <a:schemeClr val="tx2">
+                      <a:lumMod val="50000"/>
+                      <a:lumOff val="50000"/>
+                    </a:schemeClr>
+                  </a:solidFill>
+                </a:ln>
+              </p:spPr>
+              <p:txBody>
+                <a:bodyPr/>
+                <a:lstStyle/>
+                <a:p>
+                  <a:r>
+                    <a:rPr lang="en-US">
+                      <a:noFill/>
+                    </a:rPr>
+                    <a:t> </a:t>
+                  </a:r>
+                </a:p>
+              </p:txBody>
+            </p:sp>
+          </mc:Fallback>
+        </mc:AlternateContent>
+        <p:pic>
+          <p:nvPicPr>
+            <p:cNvPr id="15" name="Picture 14" descr="Two dogs lying on a chair&#10;&#10;Description automatically generated">
+              <a:extLst>
+                <a:ext uri="{FF2B5EF4-FFF2-40B4-BE49-F238E27FC236}">
+                  <a16:creationId xmlns:a16="http://schemas.microsoft.com/office/drawing/2014/main" id="{D4BA045E-A79A-5D0C-FE7C-D64C2027B626}"/>
+                </a:ext>
+              </a:extLst>
+            </p:cNvPr>
+            <p:cNvPicPr>
+              <a:picLocks noChangeAspect="1"/>
+            </p:cNvPicPr>
+            <p:nvPr/>
+          </p:nvPicPr>
+          <p:blipFill>
+            <a:blip r:embed="rId4"/>
+            <a:stretch>
+              <a:fillRect/>
+            </a:stretch>
+          </p:blipFill>
+          <p:spPr>
+            <a:xfrm>
+              <a:off x="5509074" y="3560341"/>
+              <a:ext cx="635731" cy="448751"/>
+            </a:xfrm>
+            <a:prstGeom prst="roundRect">
+              <a:avLst/>
+            </a:prstGeom>
+          </p:spPr>
+        </p:pic>
+      </p:grpSp>
+      <p:sp>
+        <p:nvSpPr>
+          <p:cNvPr id="38" name="Oval 37">
+            <a:extLst>
+              <a:ext uri="{FF2B5EF4-FFF2-40B4-BE49-F238E27FC236}">
+                <a16:creationId xmlns:a16="http://schemas.microsoft.com/office/drawing/2014/main" id="{3115218F-6DC4-E2C0-DF9A-45B7F8B35BB0}"/>
+              </a:ext>
+            </a:extLst>
+          </p:cNvPr>
+          <p:cNvSpPr/>
+          <p:nvPr/>
+        </p:nvSpPr>
+        <p:spPr>
+          <a:xfrm>
+            <a:off x="4912838" y="2840113"/>
+            <a:ext cx="317548" cy="317548"/>
+          </a:xfrm>
+          <a:prstGeom prst="ellipse">
+            <a:avLst/>
+          </a:prstGeom>
+          <a:noFill/>
+          <a:ln w="28575">
+            <a:solidFill>
+              <a:schemeClr val="tx2">
+                <a:lumMod val="50000"/>
+                <a:lumOff val="50000"/>
+              </a:schemeClr>
+            </a:solidFill>
+          </a:ln>
+        </p:spPr>
+        <p:style>
+          <a:lnRef idx="2">
+            <a:schemeClr val="accent1">
+              <a:shade val="15000"/>
+            </a:schemeClr>
+          </a:lnRef>
+          <a:fillRef idx="1">
+            <a:schemeClr val="accent1"/>
+          </a:fillRef>
+          <a:effectRef idx="0">
+            <a:schemeClr val="accent1"/>
+          </a:effectRef>
+          <a:fontRef idx="minor">
+            <a:schemeClr val="lt1"/>
+          </a:fontRef>
+        </p:style>
+        <p:txBody>
+          <a:bodyPr rtlCol="0" anchor="ctr"/>
+          <a:lstStyle/>
+          <a:p>
+            <a:pPr algn="ctr"/>
+            <a:endParaRPr lang="en-US"/>
+          </a:p>
+        </p:txBody>
+      </p:sp>
+      <p:grpSp>
+        <p:nvGrpSpPr>
+          <p:cNvPr id="4" name="Group 3">
+            <a:extLst>
+              <a:ext uri="{FF2B5EF4-FFF2-40B4-BE49-F238E27FC236}">
+                <a16:creationId xmlns:a16="http://schemas.microsoft.com/office/drawing/2014/main" id="{0EFB2464-D864-13AA-DA98-02CFDFAB70C7}"/>
+              </a:ext>
+            </a:extLst>
+          </p:cNvPr>
+          <p:cNvGrpSpPr/>
+          <p:nvPr/>
+        </p:nvGrpSpPr>
+        <p:grpSpPr>
+          <a:xfrm>
+            <a:off x="5668829" y="3461248"/>
+            <a:ext cx="853445" cy="340924"/>
+            <a:chOff x="9309268" y="3417426"/>
+            <a:chExt cx="853445" cy="340924"/>
+          </a:xfrm>
+        </p:grpSpPr>
+        <p:sp>
+          <p:nvSpPr>
+            <p:cNvPr id="39" name="Oval 38">
+              <a:extLst>
+                <a:ext uri="{FF2B5EF4-FFF2-40B4-BE49-F238E27FC236}">
+                  <a16:creationId xmlns:a16="http://schemas.microsoft.com/office/drawing/2014/main" id="{61211854-F6FD-3EEA-A2B0-84FE9F3A6963}"/>
+                </a:ext>
+              </a:extLst>
+            </p:cNvPr>
+            <p:cNvSpPr/>
+            <p:nvPr/>
+          </p:nvSpPr>
+          <p:spPr>
+            <a:xfrm>
+              <a:off x="9563721" y="3417426"/>
+              <a:ext cx="164695" cy="164695"/>
+            </a:xfrm>
+            <a:prstGeom prst="ellipse">
+              <a:avLst/>
+            </a:prstGeom>
+            <a:noFill/>
+            <a:ln w="28575">
+              <a:solidFill>
+                <a:schemeClr val="accent2"/>
+              </a:solidFill>
+            </a:ln>
+          </p:spPr>
+          <p:style>
+            <a:lnRef idx="2">
+              <a:schemeClr val="accent1">
+                <a:shade val="15000"/>
+              </a:schemeClr>
+            </a:lnRef>
+            <a:fillRef idx="1">
+              <a:schemeClr val="accent1"/>
+            </a:fillRef>
+            <a:effectRef idx="0">
+              <a:schemeClr val="accent1"/>
+            </a:effectRef>
+            <a:fontRef idx="minor">
+              <a:schemeClr val="lt1"/>
+            </a:fontRef>
+          </p:style>
+          <p:txBody>
+            <a:bodyPr rtlCol="0" anchor="ctr"/>
+            <a:lstStyle/>
+            <a:p>
+              <a:pPr algn="ctr"/>
+              <a:endParaRPr lang="en-US"/>
+            </a:p>
+          </p:txBody>
+        </p:sp>
+        <p:sp>
+          <p:nvSpPr>
+            <p:cNvPr id="40" name="Oval 39">
+              <a:extLst>
+                <a:ext uri="{FF2B5EF4-FFF2-40B4-BE49-F238E27FC236}">
+                  <a16:creationId xmlns:a16="http://schemas.microsoft.com/office/drawing/2014/main" id="{FA000778-9928-2865-8085-3FB20BA10D07}"/>
+                </a:ext>
+              </a:extLst>
+            </p:cNvPr>
+            <p:cNvSpPr/>
+            <p:nvPr/>
+          </p:nvSpPr>
+          <p:spPr>
+            <a:xfrm>
+              <a:off x="9845165" y="3440802"/>
+              <a:ext cx="317548" cy="317548"/>
+            </a:xfrm>
+            <a:prstGeom prst="ellipse">
+              <a:avLst/>
+            </a:prstGeom>
+            <a:noFill/>
+            <a:ln w="28575">
+              <a:solidFill>
+                <a:schemeClr val="accent2"/>
+              </a:solidFill>
+            </a:ln>
+          </p:spPr>
+          <p:style>
+            <a:lnRef idx="2">
+              <a:schemeClr val="accent1">
+                <a:shade val="15000"/>
+              </a:schemeClr>
+            </a:lnRef>
+            <a:fillRef idx="1">
+              <a:schemeClr val="accent1"/>
+            </a:fillRef>
+            <a:effectRef idx="0">
+              <a:schemeClr val="accent1"/>
+            </a:effectRef>
+            <a:fontRef idx="minor">
+              <a:schemeClr val="lt1"/>
+            </a:fontRef>
+          </p:style>
+          <p:txBody>
+            <a:bodyPr rtlCol="0" anchor="ctr"/>
+            <a:lstStyle/>
+            <a:p>
+              <a:pPr algn="ctr"/>
+              <a:endParaRPr lang="en-US"/>
+            </a:p>
+          </p:txBody>
+        </p:sp>
+        <p:sp>
+          <p:nvSpPr>
+            <p:cNvPr id="44" name="Oval 43">
+              <a:extLst>
+                <a:ext uri="{FF2B5EF4-FFF2-40B4-BE49-F238E27FC236}">
+                  <a16:creationId xmlns:a16="http://schemas.microsoft.com/office/drawing/2014/main" id="{00F5FB79-D118-ADFB-BC2C-D06D296CB529}"/>
+                </a:ext>
+              </a:extLst>
+            </p:cNvPr>
+            <p:cNvSpPr/>
+            <p:nvPr/>
+          </p:nvSpPr>
+          <p:spPr>
+            <a:xfrm>
+              <a:off x="9309268" y="3423033"/>
+              <a:ext cx="87512" cy="87512"/>
+            </a:xfrm>
+            <a:prstGeom prst="ellipse">
+              <a:avLst/>
+            </a:prstGeom>
+            <a:noFill/>
+            <a:ln w="28575">
+              <a:solidFill>
+                <a:schemeClr val="accent2"/>
+              </a:solidFill>
+            </a:ln>
+          </p:spPr>
+          <p:style>
+            <a:lnRef idx="2">
+              <a:schemeClr val="accent1">
+                <a:shade val="15000"/>
+              </a:schemeClr>
+            </a:lnRef>
+            <a:fillRef idx="1">
+              <a:schemeClr val="accent1"/>
+            </a:fillRef>
+            <a:effectRef idx="0">
+              <a:schemeClr val="accent1"/>
+            </a:effectRef>
+            <a:fontRef idx="minor">
+              <a:schemeClr val="lt1"/>
+            </a:fontRef>
+          </p:style>
+          <p:txBody>
+            <a:bodyPr rtlCol="0" anchor="ctr"/>
+            <a:lstStyle/>
+            <a:p>
+              <a:pPr algn="ctr"/>
+              <a:endParaRPr lang="en-US"/>
+            </a:p>
+          </p:txBody>
+        </p:sp>
+      </p:grpSp>
+      <p:sp>
+        <p:nvSpPr>
+          <p:cNvPr id="45" name="Oval 44">
+            <a:extLst>
+              <a:ext uri="{FF2B5EF4-FFF2-40B4-BE49-F238E27FC236}">
+                <a16:creationId xmlns:a16="http://schemas.microsoft.com/office/drawing/2014/main" id="{8936AB2E-BCDF-01E6-63A0-AFF02CEE7628}"/>
+              </a:ext>
+            </a:extLst>
+          </p:cNvPr>
+          <p:cNvSpPr/>
+          <p:nvPr/>
+        </p:nvSpPr>
+        <p:spPr>
+          <a:xfrm>
+            <a:off x="4830064" y="3419542"/>
+            <a:ext cx="87512" cy="87512"/>
+          </a:xfrm>
+          <a:prstGeom prst="ellipse">
+            <a:avLst/>
+          </a:prstGeom>
+          <a:noFill/>
+          <a:ln w="28575">
+            <a:solidFill>
+              <a:schemeClr val="tx2">
+                <a:lumMod val="50000"/>
+                <a:lumOff val="50000"/>
+              </a:schemeClr>
+            </a:solidFill>
+          </a:ln>
+        </p:spPr>
+        <p:style>
+          <a:lnRef idx="2">
+            <a:schemeClr val="accent1">
+              <a:shade val="15000"/>
+            </a:schemeClr>
+          </a:lnRef>
+          <a:fillRef idx="1">
+            <a:schemeClr val="accent1"/>
+          </a:fillRef>
+          <a:effectRef idx="0">
+            <a:schemeClr val="accent1"/>
+          </a:effectRef>
+          <a:fontRef idx="minor">
+            <a:schemeClr val="lt1"/>
+          </a:fontRef>
+        </p:style>
+        <p:txBody>
+          <a:bodyPr rtlCol="0" anchor="ctr"/>
+          <a:lstStyle/>
+          <a:p>
+            <a:pPr algn="ctr"/>
+            <a:endParaRPr lang="en-US"/>
+          </a:p>
+        </p:txBody>
+      </p:sp>
+      <p:grpSp>
+        <p:nvGrpSpPr>
+          <p:cNvPr id="2" name="Group 1">
+            <a:extLst>
+              <a:ext uri="{FF2B5EF4-FFF2-40B4-BE49-F238E27FC236}">
+                <a16:creationId xmlns:a16="http://schemas.microsoft.com/office/drawing/2014/main" id="{8730098E-71C6-F7EF-EE5C-60D7A03B1883}"/>
+              </a:ext>
+            </a:extLst>
+          </p:cNvPr>
+          <p:cNvGrpSpPr/>
+          <p:nvPr/>
+        </p:nvGrpSpPr>
+        <p:grpSpPr>
+          <a:xfrm>
+            <a:off x="4359571" y="3326099"/>
+            <a:ext cx="1710744" cy="1590849"/>
+            <a:chOff x="9448550" y="3326099"/>
+            <a:chExt cx="1710744" cy="1590849"/>
+          </a:xfrm>
+        </p:grpSpPr>
+        <p:pic>
+          <p:nvPicPr>
+            <p:cNvPr id="3" name="Graphic 2" descr="Female Profile outline">
+              <a:extLst>
+                <a:ext uri="{FF2B5EF4-FFF2-40B4-BE49-F238E27FC236}">
+                  <a16:creationId xmlns:a16="http://schemas.microsoft.com/office/drawing/2014/main" id="{BF165D4E-9374-F76B-267B-3F2BE0BC6BE5}"/>
+                </a:ext>
+              </a:extLst>
+            </p:cNvPr>
+            <p:cNvPicPr>
+              <a:picLocks noChangeAspect="1"/>
+            </p:cNvPicPr>
+            <p:nvPr/>
+          </p:nvPicPr>
+          <p:blipFill>
+            <a:blip r:embed="rId5">
+              <a:extLst>
+                <a:ext uri="{96DAC541-7B7A-43D3-8B79-37D633B846F1}">
+                  <asvg:svgBlip xmlns:asvg="http://schemas.microsoft.com/office/drawing/2016/SVG/main" r:embed="rId6"/>
+                </a:ext>
+              </a:extLst>
+            </a:blip>
+            <a:stretch>
+              <a:fillRect/>
+            </a:stretch>
+          </p:blipFill>
+          <p:spPr>
+            <a:xfrm>
+              <a:off x="9567800" y="3326099"/>
+              <a:ext cx="1501442" cy="1501442"/>
+            </a:xfrm>
+            <a:prstGeom prst="rect">
+              <a:avLst/>
+            </a:prstGeom>
+          </p:spPr>
+        </p:pic>
+        <p:sp>
+          <p:nvSpPr>
+            <p:cNvPr id="46" name="TextBox 45">
+              <a:extLst>
+                <a:ext uri="{FF2B5EF4-FFF2-40B4-BE49-F238E27FC236}">
+                  <a16:creationId xmlns:a16="http://schemas.microsoft.com/office/drawing/2014/main" id="{C66565F9-C9CB-7DB1-3E48-B6331BC75DA9}"/>
+                </a:ext>
+              </a:extLst>
+            </p:cNvPr>
+            <p:cNvSpPr txBox="1"/>
+            <p:nvPr/>
+          </p:nvSpPr>
+          <p:spPr>
+            <a:xfrm>
+              <a:off x="9448550" y="4609171"/>
+              <a:ext cx="1710744" cy="307777"/>
+            </a:xfrm>
+            <a:prstGeom prst="rect">
+              <a:avLst/>
+            </a:prstGeom>
+            <a:noFill/>
+          </p:spPr>
+          <p:txBody>
+            <a:bodyPr wrap="square" rtlCol="0">
+              <a:spAutoFit/>
+            </a:bodyPr>
+            <a:lstStyle/>
+            <a:p>
+              <a:pPr algn="ctr"/>
+              <a:r>
+                <a:rPr lang="en-US" sz="1400" dirty="0">
+                  <a:latin typeface="Times New Roman" panose="02020603050405020304" pitchFamily="18" charset="0"/>
+                  <a:cs typeface="Times New Roman" panose="02020603050405020304" pitchFamily="18" charset="0"/>
+                </a:rPr>
+                <a:t>Domain Expert</a:t>
+              </a:r>
+            </a:p>
+          </p:txBody>
+        </p:sp>
+      </p:grpSp>
+      <p:grpSp>
+        <p:nvGrpSpPr>
+          <p:cNvPr id="65" name="Group 64">
+            <a:extLst>
+              <a:ext uri="{FF2B5EF4-FFF2-40B4-BE49-F238E27FC236}">
+                <a16:creationId xmlns:a16="http://schemas.microsoft.com/office/drawing/2014/main" id="{639B1D67-DD13-E418-07E3-FDAFB80DC7D3}"/>
+              </a:ext>
+            </a:extLst>
+          </p:cNvPr>
+          <p:cNvGrpSpPr/>
+          <p:nvPr/>
+        </p:nvGrpSpPr>
+        <p:grpSpPr>
+          <a:xfrm>
+            <a:off x="2560556" y="2152666"/>
+            <a:ext cx="1725070" cy="2719324"/>
+            <a:chOff x="1312616" y="1475644"/>
+            <a:chExt cx="2189692" cy="3451733"/>
+          </a:xfrm>
+        </p:grpSpPr>
+        <p:sp>
+          <p:nvSpPr>
+            <p:cNvPr id="9" name="Rectangle 8">
+              <a:extLst>
+                <a:ext uri="{FF2B5EF4-FFF2-40B4-BE49-F238E27FC236}">
+                  <a16:creationId xmlns:a16="http://schemas.microsoft.com/office/drawing/2014/main" id="{01055EBC-3A77-6490-598F-22303A393F78}"/>
+                </a:ext>
+              </a:extLst>
+            </p:cNvPr>
+            <p:cNvSpPr/>
+            <p:nvPr/>
+          </p:nvSpPr>
+          <p:spPr>
+            <a:xfrm>
+              <a:off x="1312616" y="1475644"/>
+              <a:ext cx="2189692" cy="3451733"/>
+            </a:xfrm>
+            <a:prstGeom prst="rect">
+              <a:avLst/>
+            </a:prstGeom>
+            <a:solidFill>
+              <a:schemeClr val="bg1">
+                <a:lumMod val="85000"/>
+              </a:schemeClr>
+            </a:solidFill>
+            <a:ln w="28575">
+              <a:solidFill>
+                <a:schemeClr val="bg1">
+                  <a:lumMod val="75000"/>
+                </a:schemeClr>
+              </a:solidFill>
+            </a:ln>
+          </p:spPr>
+          <p:style>
+            <a:lnRef idx="1">
+              <a:schemeClr val="dk1"/>
+            </a:lnRef>
+            <a:fillRef idx="2">
+              <a:schemeClr val="dk1"/>
+            </a:fillRef>
+            <a:effectRef idx="1">
+              <a:schemeClr val="dk1"/>
+            </a:effectRef>
+            <a:fontRef idx="minor">
+              <a:schemeClr val="dk1"/>
+            </a:fontRef>
+          </p:style>
+          <p:txBody>
+            <a:bodyPr rtlCol="0" anchor="ctr"/>
+            <a:lstStyle/>
+            <a:p>
+              <a:pPr algn="ctr"/>
+              <a:endParaRPr lang="en-US"/>
+            </a:p>
+          </p:txBody>
+        </p:sp>
+        <p:grpSp>
+          <p:nvGrpSpPr>
+            <p:cNvPr id="10" name="Group 9">
+              <a:extLst>
+                <a:ext uri="{FF2B5EF4-FFF2-40B4-BE49-F238E27FC236}">
+                  <a16:creationId xmlns:a16="http://schemas.microsoft.com/office/drawing/2014/main" id="{7ACD7015-5A68-4ADD-2E9B-22E1842D74A1}"/>
+                </a:ext>
+              </a:extLst>
+            </p:cNvPr>
+            <p:cNvGrpSpPr/>
+            <p:nvPr/>
+          </p:nvGrpSpPr>
+          <p:grpSpPr>
+            <a:xfrm>
+              <a:off x="1399716" y="2108455"/>
+              <a:ext cx="2005642" cy="2717998"/>
+              <a:chOff x="1412209" y="2108455"/>
+              <a:chExt cx="2005642" cy="2717998"/>
+            </a:xfrm>
+          </p:grpSpPr>
+          <p:pic>
+            <p:nvPicPr>
+              <p:cNvPr id="11" name="Picture 10" descr="Two dogs lying on a chair&#10;&#10;Description automatically generated">
+                <a:extLst>
+                  <a:ext uri="{FF2B5EF4-FFF2-40B4-BE49-F238E27FC236}">
+                    <a16:creationId xmlns:a16="http://schemas.microsoft.com/office/drawing/2014/main" id="{266DA7A1-B338-4067-CADA-4FD693E309E5}"/>
+                  </a:ext>
+                </a:extLst>
+              </p:cNvPr>
+              <p:cNvPicPr>
+                <a:picLocks noChangeAspect="1"/>
+              </p:cNvPicPr>
+              <p:nvPr/>
+            </p:nvPicPr>
+            <p:blipFill rotWithShape="1">
+              <a:blip r:embed="rId4"/>
+              <a:srcRect t="10783" b="6481"/>
+              <a:stretch/>
+            </p:blipFill>
+            <p:spPr>
+              <a:xfrm>
+                <a:off x="1412209" y="3655117"/>
+                <a:ext cx="2005642" cy="1171336"/>
+              </a:xfrm>
+              <a:prstGeom prst="rect">
+                <a:avLst/>
+              </a:prstGeom>
+            </p:spPr>
+          </p:pic>
+          <p:pic>
+            <p:nvPicPr>
+              <p:cNvPr id="48" name="Picture 47">
+                <a:extLst>
+                  <a:ext uri="{FF2B5EF4-FFF2-40B4-BE49-F238E27FC236}">
+                    <a16:creationId xmlns:a16="http://schemas.microsoft.com/office/drawing/2014/main" id="{8EBC454D-F64C-D7CB-479C-3027733546B9}"/>
+                  </a:ext>
+                </a:extLst>
+              </p:cNvPr>
+              <p:cNvPicPr>
+                <a:picLocks noChangeAspect="1"/>
+              </p:cNvPicPr>
+              <p:nvPr/>
+            </p:nvPicPr>
+            <p:blipFill rotWithShape="1">
+              <a:blip r:embed="rId7"/>
+              <a:srcRect t="10783" b="6481"/>
+              <a:stretch/>
+            </p:blipFill>
+            <p:spPr>
+              <a:xfrm>
+                <a:off x="1412210" y="2108455"/>
+                <a:ext cx="2005641" cy="1171336"/>
+              </a:xfrm>
+              <a:prstGeom prst="rect">
+                <a:avLst/>
+              </a:prstGeom>
+              <a:ln w="28575">
+                <a:noFill/>
+              </a:ln>
+            </p:spPr>
+          </p:pic>
+          <p:sp>
+            <p:nvSpPr>
+              <p:cNvPr id="6" name="Down Arrow 5">
+                <a:extLst>
+                  <a:ext uri="{FF2B5EF4-FFF2-40B4-BE49-F238E27FC236}">
+                    <a16:creationId xmlns:a16="http://schemas.microsoft.com/office/drawing/2014/main" id="{2572843D-8EAE-56A8-27A3-C74B8CB97CEF}"/>
+                  </a:ext>
+                </a:extLst>
+              </p:cNvPr>
+              <p:cNvSpPr/>
+              <p:nvPr/>
+            </p:nvSpPr>
+            <p:spPr>
+              <a:xfrm>
+                <a:off x="2182372" y="3363280"/>
+                <a:ext cx="450179" cy="232132"/>
+              </a:xfrm>
+              <a:prstGeom prst="downArrow">
+                <a:avLst/>
+              </a:prstGeom>
+              <a:ln w="28575">
+                <a:noFill/>
+              </a:ln>
+            </p:spPr>
+            <p:style>
+              <a:lnRef idx="1">
+                <a:schemeClr val="accent6"/>
+              </a:lnRef>
+              <a:fillRef idx="2">
+                <a:schemeClr val="accent6"/>
+              </a:fillRef>
+              <a:effectRef idx="1">
+                <a:schemeClr val="accent6"/>
+              </a:effectRef>
+              <a:fontRef idx="minor">
+                <a:schemeClr val="dk1"/>
+              </a:fontRef>
+            </p:style>
+            <p:txBody>
+              <a:bodyPr rtlCol="0" anchor="ctr"/>
+              <a:lstStyle/>
+              <a:p>
+                <a:pPr algn="ctr"/>
+                <a:endParaRPr lang="en-US" dirty="0">
+                  <a:latin typeface="Times New Roman" panose="02020603050405020304" pitchFamily="18" charset="0"/>
+                  <a:cs typeface="Times New Roman" panose="02020603050405020304" pitchFamily="18" charset="0"/>
+                </a:endParaRPr>
+              </a:p>
+            </p:txBody>
+          </p:sp>
+        </p:grpSp>
+        <p:sp>
+          <p:nvSpPr>
+            <p:cNvPr id="8" name="TextBox 7">
+              <a:extLst>
+                <a:ext uri="{FF2B5EF4-FFF2-40B4-BE49-F238E27FC236}">
+                  <a16:creationId xmlns:a16="http://schemas.microsoft.com/office/drawing/2014/main" id="{2AD91BFC-83AB-E98B-A018-E460A4C990AE}"/>
+                </a:ext>
+              </a:extLst>
+            </p:cNvPr>
+            <p:cNvSpPr txBox="1"/>
+            <p:nvPr/>
+          </p:nvSpPr>
+          <p:spPr>
+            <a:xfrm>
+              <a:off x="1353624" y="1475644"/>
+              <a:ext cx="2077492" cy="586008"/>
+            </a:xfrm>
+            <a:prstGeom prst="rect">
+              <a:avLst/>
+            </a:prstGeom>
+            <a:noFill/>
+          </p:spPr>
+          <p:txBody>
+            <a:bodyPr wrap="square" rtlCol="0">
+              <a:spAutoFit/>
+            </a:bodyPr>
+            <a:lstStyle/>
+            <a:p>
+              <a:pPr algn="ctr"/>
+              <a:r>
+                <a:rPr lang="en-US" sz="1200" dirty="0">
+                  <a:latin typeface="Times New Roman" panose="02020603050405020304" pitchFamily="18" charset="0"/>
+                  <a:cs typeface="Times New Roman" panose="02020603050405020304" pitchFamily="18" charset="0"/>
+                </a:rPr>
+                <a:t>Interpretable Feature Extraction</a:t>
+              </a:r>
+            </a:p>
+          </p:txBody>
+        </p:sp>
+      </p:grpSp>
+      <p:pic>
+        <p:nvPicPr>
+          <p:cNvPr id="42" name="Picture 41" descr="A black background with a black square&#10;&#10;Description automatically generated with medium confidence">
+            <a:extLst>
+              <a:ext uri="{FF2B5EF4-FFF2-40B4-BE49-F238E27FC236}">
+                <a16:creationId xmlns:a16="http://schemas.microsoft.com/office/drawing/2014/main" id="{025C3E34-B9BE-3761-34F9-CB77A53F1EFB}"/>
+              </a:ext>
+            </a:extLst>
+          </p:cNvPr>
+          <p:cNvPicPr>
+            <a:picLocks noChangeAspect="1"/>
+          </p:cNvPicPr>
+          <p:nvPr/>
+        </p:nvPicPr>
+        <p:blipFill>
+          <a:blip r:embed="rId8"/>
+          <a:stretch>
+            <a:fillRect/>
+          </a:stretch>
+        </p:blipFill>
+        <p:spPr>
+          <a:xfrm>
+            <a:off x="5053308" y="3746362"/>
+            <a:ext cx="341651" cy="134646"/>
+          </a:xfrm>
+          <a:prstGeom prst="rect">
+            <a:avLst/>
+          </a:prstGeom>
+        </p:spPr>
+      </p:pic>
+      <p:cxnSp>
+        <p:nvCxnSpPr>
+          <p:cNvPr id="47" name="Straight Connector 46">
+            <a:extLst>
+              <a:ext uri="{FF2B5EF4-FFF2-40B4-BE49-F238E27FC236}">
+                <a16:creationId xmlns:a16="http://schemas.microsoft.com/office/drawing/2014/main" id="{13712CCE-AB78-37F9-7ED2-38040D066316}"/>
+              </a:ext>
+            </a:extLst>
+          </p:cNvPr>
+          <p:cNvCxnSpPr>
+            <a:cxnSpLocks/>
+          </p:cNvCxnSpPr>
+          <p:nvPr/>
+        </p:nvCxnSpPr>
+        <p:spPr>
+          <a:xfrm flipH="1">
+            <a:off x="3067135" y="3750554"/>
+            <a:ext cx="1761710" cy="190096"/>
+          </a:xfrm>
+          <a:prstGeom prst="line">
+            <a:avLst/>
+          </a:prstGeom>
+          <a:ln>
+            <a:solidFill>
+              <a:schemeClr val="accent6">
+                <a:alpha val="60000"/>
+              </a:schemeClr>
+            </a:solidFill>
+          </a:ln>
+        </p:spPr>
+        <p:style>
+          <a:lnRef idx="2">
+            <a:schemeClr val="accent1"/>
+          </a:lnRef>
+          <a:fillRef idx="0">
+            <a:schemeClr val="accent1"/>
+          </a:fillRef>
+          <a:effectRef idx="1">
+            <a:schemeClr val="accent1"/>
+          </a:effectRef>
+          <a:fontRef idx="minor">
+            <a:schemeClr val="tx1"/>
+          </a:fontRef>
+        </p:style>
+      </p:cxnSp>
+      <p:cxnSp>
+        <p:nvCxnSpPr>
+          <p:cNvPr id="55" name="Straight Connector 54">
+            <a:extLst>
+              <a:ext uri="{FF2B5EF4-FFF2-40B4-BE49-F238E27FC236}">
+                <a16:creationId xmlns:a16="http://schemas.microsoft.com/office/drawing/2014/main" id="{B5A17FDF-5CE6-BFC5-40A9-5C39F2E2057B}"/>
+              </a:ext>
+            </a:extLst>
+          </p:cNvPr>
+          <p:cNvCxnSpPr>
+            <a:cxnSpLocks/>
+          </p:cNvCxnSpPr>
+          <p:nvPr/>
+        </p:nvCxnSpPr>
+        <p:spPr>
+          <a:xfrm flipH="1">
+            <a:off x="3266641" y="3915048"/>
+            <a:ext cx="1601050" cy="731946"/>
+          </a:xfrm>
+          <a:prstGeom prst="line">
+            <a:avLst/>
+          </a:prstGeom>
+          <a:ln>
+            <a:solidFill>
+              <a:schemeClr val="accent6">
+                <a:alpha val="60000"/>
+              </a:schemeClr>
+            </a:solidFill>
+          </a:ln>
+        </p:spPr>
+        <p:style>
+          <a:lnRef idx="2">
+            <a:schemeClr val="accent1"/>
+          </a:lnRef>
+          <a:fillRef idx="0">
+            <a:schemeClr val="accent1"/>
+          </a:fillRef>
+          <a:effectRef idx="1">
+            <a:schemeClr val="accent1"/>
+          </a:effectRef>
+          <a:fontRef idx="minor">
+            <a:schemeClr val="tx1"/>
+          </a:fontRef>
+        </p:style>
+      </p:cxnSp>
+      <p:sp>
+        <p:nvSpPr>
+          <p:cNvPr id="70" name="Right Arrow 69">
+            <a:extLst>
+              <a:ext uri="{FF2B5EF4-FFF2-40B4-BE49-F238E27FC236}">
+                <a16:creationId xmlns:a16="http://schemas.microsoft.com/office/drawing/2014/main" id="{38BA63E5-E626-FC20-5674-BE817DAE0704}"/>
+              </a:ext>
+            </a:extLst>
+          </p:cNvPr>
+          <p:cNvSpPr/>
+          <p:nvPr/>
+        </p:nvSpPr>
+        <p:spPr>
+          <a:xfrm rot="9771707">
+            <a:off x="4611126" y="3801499"/>
+            <a:ext cx="211015" cy="125367"/>
+          </a:xfrm>
+          <a:prstGeom prst="rightArrow">
+            <a:avLst/>
+          </a:prstGeom>
+          <a:solidFill>
+            <a:schemeClr val="accent6">
+              <a:alpha val="80000"/>
+            </a:schemeClr>
+          </a:solidFill>
+          <a:ln>
+            <a:noFill/>
+          </a:ln>
+        </p:spPr>
+        <p:style>
+          <a:lnRef idx="2">
+            <a:schemeClr val="accent1">
+              <a:shade val="15000"/>
+            </a:schemeClr>
+          </a:lnRef>
+          <a:fillRef idx="1">
+            <a:schemeClr val="accent1"/>
+          </a:fillRef>
+          <a:effectRef idx="0">
+            <a:schemeClr val="accent1"/>
+          </a:effectRef>
+          <a:fontRef idx="minor">
+            <a:schemeClr val="lt1"/>
+          </a:fontRef>
+        </p:style>
+        <p:txBody>
+          <a:bodyPr rtlCol="0" anchor="ctr"/>
+          <a:lstStyle/>
+          <a:p>
+            <a:pPr algn="ctr"/>
+            <a:endParaRPr lang="en-US"/>
+          </a:p>
+        </p:txBody>
+      </p:sp>
+      <p:sp>
+        <p:nvSpPr>
+          <p:cNvPr id="74" name="Right Arrow 73">
+            <a:extLst>
+              <a:ext uri="{FF2B5EF4-FFF2-40B4-BE49-F238E27FC236}">
+                <a16:creationId xmlns:a16="http://schemas.microsoft.com/office/drawing/2014/main" id="{0D840333-F8BC-0710-1930-728ECFEE165F}"/>
+              </a:ext>
+            </a:extLst>
+          </p:cNvPr>
+          <p:cNvSpPr/>
+          <p:nvPr/>
+        </p:nvSpPr>
+        <p:spPr>
+          <a:xfrm rot="9771707">
+            <a:off x="4272511" y="3899672"/>
+            <a:ext cx="211015" cy="125367"/>
+          </a:xfrm>
+          <a:prstGeom prst="rightArrow">
+            <a:avLst/>
+          </a:prstGeom>
+          <a:solidFill>
+            <a:schemeClr val="accent6">
+              <a:alpha val="80000"/>
+            </a:schemeClr>
+          </a:solidFill>
+          <a:ln>
+            <a:noFill/>
+          </a:ln>
+        </p:spPr>
+        <p:style>
+          <a:lnRef idx="2">
+            <a:schemeClr val="accent1">
+              <a:shade val="15000"/>
+            </a:schemeClr>
+          </a:lnRef>
+          <a:fillRef idx="1">
+            <a:schemeClr val="accent1"/>
+          </a:fillRef>
+          <a:effectRef idx="0">
+            <a:schemeClr val="accent1"/>
+          </a:effectRef>
+          <a:fontRef idx="minor">
+            <a:schemeClr val="lt1"/>
+          </a:fontRef>
+        </p:style>
+        <p:txBody>
+          <a:bodyPr rtlCol="0" anchor="ctr"/>
+          <a:lstStyle/>
+          <a:p>
+            <a:pPr algn="ctr"/>
+            <a:endParaRPr lang="en-US" dirty="0"/>
+          </a:p>
+        </p:txBody>
+      </p:sp>
+      <p:sp>
+        <p:nvSpPr>
+          <p:cNvPr id="75" name="Right Arrow 74">
+            <a:extLst>
+              <a:ext uri="{FF2B5EF4-FFF2-40B4-BE49-F238E27FC236}">
+                <a16:creationId xmlns:a16="http://schemas.microsoft.com/office/drawing/2014/main" id="{C9ADB759-1C33-194B-249E-44A6A5A0BC6C}"/>
+              </a:ext>
+            </a:extLst>
+          </p:cNvPr>
+          <p:cNvSpPr/>
+          <p:nvPr/>
+        </p:nvSpPr>
+        <p:spPr>
+          <a:xfrm rot="9771707">
+            <a:off x="3930734" y="3994781"/>
+            <a:ext cx="211015" cy="125367"/>
+          </a:xfrm>
+          <a:prstGeom prst="rightArrow">
+            <a:avLst/>
+          </a:prstGeom>
+          <a:solidFill>
+            <a:schemeClr val="accent6">
+              <a:alpha val="80000"/>
+            </a:schemeClr>
+          </a:solidFill>
+          <a:ln>
+            <a:noFill/>
+          </a:ln>
+        </p:spPr>
+        <p:style>
+          <a:lnRef idx="2">
+            <a:schemeClr val="accent1">
+              <a:shade val="15000"/>
+            </a:schemeClr>
+          </a:lnRef>
+          <a:fillRef idx="1">
+            <a:schemeClr val="accent1"/>
+          </a:fillRef>
+          <a:effectRef idx="0">
+            <a:schemeClr val="accent1"/>
+          </a:effectRef>
+          <a:fontRef idx="minor">
+            <a:schemeClr val="lt1"/>
+          </a:fontRef>
+        </p:style>
+        <p:txBody>
+          <a:bodyPr rtlCol="0" anchor="ctr"/>
+          <a:lstStyle/>
+          <a:p>
+            <a:pPr algn="ctr"/>
+            <a:endParaRPr lang="en-US"/>
+          </a:p>
+        </p:txBody>
+      </p:sp>
+      <p:sp>
+        <p:nvSpPr>
+          <p:cNvPr id="82" name="Right Arrow 81">
+            <a:extLst>
+              <a:ext uri="{FF2B5EF4-FFF2-40B4-BE49-F238E27FC236}">
+                <a16:creationId xmlns:a16="http://schemas.microsoft.com/office/drawing/2014/main" id="{18AD47DC-9F3C-C1BC-DB43-A26C5F15A843}"/>
+              </a:ext>
+            </a:extLst>
+          </p:cNvPr>
+          <p:cNvSpPr/>
+          <p:nvPr/>
+        </p:nvSpPr>
+        <p:spPr>
+          <a:xfrm rot="9771707">
+            <a:off x="3607911" y="4091223"/>
+            <a:ext cx="211015" cy="125367"/>
+          </a:xfrm>
+          <a:prstGeom prst="rightArrow">
+            <a:avLst/>
+          </a:prstGeom>
+          <a:solidFill>
+            <a:schemeClr val="accent6">
+              <a:alpha val="80000"/>
+            </a:schemeClr>
+          </a:solidFill>
+          <a:ln>
+            <a:noFill/>
+          </a:ln>
+        </p:spPr>
+        <p:style>
+          <a:lnRef idx="2">
+            <a:schemeClr val="accent1">
+              <a:shade val="15000"/>
+            </a:schemeClr>
+          </a:lnRef>
+          <a:fillRef idx="1">
+            <a:schemeClr val="accent1"/>
+          </a:fillRef>
+          <a:effectRef idx="0">
+            <a:schemeClr val="accent1"/>
+          </a:effectRef>
+          <a:fontRef idx="minor">
+            <a:schemeClr val="lt1"/>
+          </a:fontRef>
+        </p:style>
+        <p:txBody>
+          <a:bodyPr rtlCol="0" anchor="ctr"/>
+          <a:lstStyle/>
+          <a:p>
+            <a:pPr algn="ctr"/>
+            <a:endParaRPr lang="en-US"/>
+          </a:p>
+        </p:txBody>
+      </p:sp>
+      <p:sp>
+        <p:nvSpPr>
+          <p:cNvPr id="12" name="Oval 11">
+            <a:extLst>
+              <a:ext uri="{FF2B5EF4-FFF2-40B4-BE49-F238E27FC236}">
+                <a16:creationId xmlns:a16="http://schemas.microsoft.com/office/drawing/2014/main" id="{88271B74-9A62-5E16-B0F0-F3D24E3767CE}"/>
+              </a:ext>
+            </a:extLst>
+          </p:cNvPr>
+          <p:cNvSpPr/>
+          <p:nvPr/>
+        </p:nvSpPr>
+        <p:spPr>
+          <a:xfrm>
+            <a:off x="4772398" y="3165899"/>
+            <a:ext cx="164695" cy="164695"/>
+          </a:xfrm>
+          <a:prstGeom prst="ellipse">
+            <a:avLst/>
+          </a:prstGeom>
+          <a:noFill/>
+          <a:ln w="28575">
+            <a:solidFill>
+              <a:schemeClr val="tx2">
+                <a:lumMod val="50000"/>
+                <a:lumOff val="50000"/>
+              </a:schemeClr>
+            </a:solidFill>
+          </a:ln>
+        </p:spPr>
+        <p:style>
+          <a:lnRef idx="2">
+            <a:schemeClr val="accent1">
+              <a:shade val="15000"/>
+            </a:schemeClr>
+          </a:lnRef>
+          <a:fillRef idx="1">
+            <a:schemeClr val="accent1"/>
+          </a:fillRef>
+          <a:effectRef idx="0">
+            <a:schemeClr val="accent1"/>
+          </a:effectRef>
+          <a:fontRef idx="minor">
+            <a:schemeClr val="lt1"/>
+          </a:fontRef>
+        </p:style>
+        <p:txBody>
+          <a:bodyPr rtlCol="0" anchor="ctr"/>
+          <a:lstStyle/>
+          <a:p>
+            <a:pPr algn="ctr"/>
+            <a:endParaRPr lang="en-US"/>
+          </a:p>
+        </p:txBody>
+      </p:sp>
+    </p:spTree>
+    <p:extLst>
+      <p:ext uri="{BB962C8B-B14F-4D97-AF65-F5344CB8AC3E}">
+        <p14:creationId xmlns:p14="http://schemas.microsoft.com/office/powerpoint/2010/main" val="886866497"/>
       </p:ext>
     </p:extLst>
   </p:cSld>
